--- a/updates/research_report_CSE_w_MSMS.pptx
+++ b/updates/research_report_CSE_w_MSMS.pptx
@@ -5,31 +5,36 @@
     <p:sldMasterId id="2147483660" r:id="rId1"/>
   </p:sldMasterIdLst>
   <p:notesMasterIdLst>
-    <p:notesMasterId r:id="rId24"/>
+    <p:notesMasterId r:id="rId29"/>
   </p:notesMasterIdLst>
   <p:sldIdLst>
     <p:sldId id="256" r:id="rId2"/>
     <p:sldId id="257" r:id="rId3"/>
-    <p:sldId id="262" r:id="rId4"/>
-    <p:sldId id="273" r:id="rId5"/>
-    <p:sldId id="281" r:id="rId6"/>
-    <p:sldId id="274" r:id="rId7"/>
-    <p:sldId id="280" r:id="rId8"/>
-    <p:sldId id="277" r:id="rId9"/>
-    <p:sldId id="276" r:id="rId10"/>
-    <p:sldId id="275" r:id="rId11"/>
-    <p:sldId id="279" r:id="rId12"/>
-    <p:sldId id="260" r:id="rId13"/>
-    <p:sldId id="264" r:id="rId14"/>
-    <p:sldId id="261" r:id="rId15"/>
-    <p:sldId id="266" r:id="rId16"/>
-    <p:sldId id="267" r:id="rId17"/>
-    <p:sldId id="272" r:id="rId18"/>
-    <p:sldId id="269" r:id="rId19"/>
-    <p:sldId id="259" r:id="rId20"/>
-    <p:sldId id="258" r:id="rId21"/>
-    <p:sldId id="270" r:id="rId22"/>
-    <p:sldId id="271" r:id="rId23"/>
+    <p:sldId id="282" r:id="rId4"/>
+    <p:sldId id="283" r:id="rId5"/>
+    <p:sldId id="262" r:id="rId6"/>
+    <p:sldId id="285" r:id="rId7"/>
+    <p:sldId id="274" r:id="rId8"/>
+    <p:sldId id="284" r:id="rId9"/>
+    <p:sldId id="273" r:id="rId10"/>
+    <p:sldId id="281" r:id="rId11"/>
+    <p:sldId id="280" r:id="rId12"/>
+    <p:sldId id="277" r:id="rId13"/>
+    <p:sldId id="276" r:id="rId14"/>
+    <p:sldId id="275" r:id="rId15"/>
+    <p:sldId id="279" r:id="rId16"/>
+    <p:sldId id="260" r:id="rId17"/>
+    <p:sldId id="264" r:id="rId18"/>
+    <p:sldId id="261" r:id="rId19"/>
+    <p:sldId id="266" r:id="rId20"/>
+    <p:sldId id="267" r:id="rId21"/>
+    <p:sldId id="272" r:id="rId22"/>
+    <p:sldId id="269" r:id="rId23"/>
+    <p:sldId id="259" r:id="rId24"/>
+    <p:sldId id="258" r:id="rId25"/>
+    <p:sldId id="270" r:id="rId26"/>
+    <p:sldId id="271" r:id="rId27"/>
+    <p:sldId id="286" r:id="rId28"/>
   </p:sldIdLst>
   <p:sldSz cx="12192000" cy="6858000"/>
   <p:notesSz cx="6858000" cy="9144000"/>
@@ -3784,2128 +3789,6 @@
           <p:cNvPr id="2" name="Title 1">
             <a:extLst>
               <a:ext uri="{FF2B5EF4-FFF2-40B4-BE49-F238E27FC236}">
-                <a16:creationId xmlns:a16="http://schemas.microsoft.com/office/drawing/2014/main" id="{0D579F22-E773-694A-132A-1F1959BE49DE}"/>
-              </a:ext>
-            </a:extLst>
-          </p:cNvPr>
-          <p:cNvSpPr>
-            <a:spLocks noGrp="1"/>
-          </p:cNvSpPr>
-          <p:nvPr>
-            <p:ph type="title"/>
-          </p:nvPr>
-        </p:nvSpPr>
-        <p:spPr/>
-        <p:txBody>
-          <a:bodyPr/>
-          <a:lstStyle/>
-          <a:p>
-            <a:r>
-              <a:rPr lang="en-SG" dirty="0"/>
-              <a:t>Research Questions</a:t>
-            </a:r>
-          </a:p>
-        </p:txBody>
-      </p:sp>
-      <p:sp>
-        <p:nvSpPr>
-          <p:cNvPr id="3" name="Content Placeholder 2">
-            <a:extLst>
-              <a:ext uri="{FF2B5EF4-FFF2-40B4-BE49-F238E27FC236}">
-                <a16:creationId xmlns:a16="http://schemas.microsoft.com/office/drawing/2014/main" id="{F04624E1-CC66-F7AB-2986-3A9BB15C0288}"/>
-              </a:ext>
-            </a:extLst>
-          </p:cNvPr>
-          <p:cNvSpPr>
-            <a:spLocks noGrp="1"/>
-          </p:cNvSpPr>
-          <p:nvPr>
-            <p:ph idx="1"/>
-          </p:nvPr>
-        </p:nvSpPr>
-        <p:spPr/>
-        <p:txBody>
-          <a:bodyPr/>
-          <a:lstStyle/>
-          <a:p>
-            <a:pPr>
-              <a:defRPr/>
-            </a:pPr>
-            <a:r>
-              <a:rPr lang="en-SG" b="1" dirty="0"/>
-              <a:t>Claim: </a:t>
-            </a:r>
-            <a:r>
-              <a:rPr lang="en-SG" dirty="0"/>
-              <a:t>Dark matters and generalizability</a:t>
-            </a:r>
-          </a:p>
-          <a:p>
-            <a:pPr lvl="1"/>
-            <a:r>
-              <a:rPr lang="en-SG" dirty="0"/>
-              <a:t>Lose substantial structural information when converting to bit strings</a:t>
-            </a:r>
-          </a:p>
-          <a:p>
-            <a:pPr lvl="1"/>
-            <a:r>
-              <a:rPr lang="en-SG" dirty="0"/>
-              <a:t>Similarity values when comparing large and small structures have very different behaviours</a:t>
-            </a:r>
-          </a:p>
-          <a:p>
-            <a:pPr lvl="1"/>
-            <a:r>
-              <a:rPr lang="en-SG" dirty="0"/>
-              <a:t>Different bits have different discriminating power; “good bits” are bits that help to differentiate molecules and have high amount of training instances</a:t>
-            </a:r>
-            <a:endParaRPr lang="en-SG" b="1" dirty="0"/>
-          </a:p>
-          <a:p>
-            <a:r>
-              <a:rPr lang="en-SG" b="1" dirty="0"/>
-              <a:t>Research Question: </a:t>
-            </a:r>
-          </a:p>
-        </p:txBody>
-      </p:sp>
-    </p:spTree>
-    <p:extLst>
-      <p:ext uri="{BB962C8B-B14F-4D97-AF65-F5344CB8AC3E}">
-        <p14:creationId xmlns:p14="http://schemas.microsoft.com/office/powerpoint/2010/main" val="429978388"/>
-      </p:ext>
-    </p:extLst>
-  </p:cSld>
-  <p:clrMapOvr>
-    <a:masterClrMapping/>
-  </p:clrMapOvr>
-</p:sld>
-</file>
-
-<file path=ppt/slides/slide11.xml><?xml version="1.0" encoding="utf-8"?>
-<p:sld xmlns:a="http://schemas.openxmlformats.org/drawingml/2006/main" xmlns:r="http://schemas.openxmlformats.org/officeDocument/2006/relationships" xmlns:p="http://schemas.openxmlformats.org/presentationml/2006/main">
-  <p:cSld>
-    <p:spTree>
-      <p:nvGrpSpPr>
-        <p:cNvPr id="1" name=""/>
-        <p:cNvGrpSpPr/>
-        <p:nvPr/>
-      </p:nvGrpSpPr>
-      <p:grpSpPr>
-        <a:xfrm>
-          <a:off x="0" y="0"/>
-          <a:ext cx="0" cy="0"/>
-          <a:chOff x="0" y="0"/>
-          <a:chExt cx="0" cy="0"/>
-        </a:xfrm>
-      </p:grpSpPr>
-      <p:sp>
-        <p:nvSpPr>
-          <p:cNvPr id="2" name="Title 1">
-            <a:extLst>
-              <a:ext uri="{FF2B5EF4-FFF2-40B4-BE49-F238E27FC236}">
-                <a16:creationId xmlns:a16="http://schemas.microsoft.com/office/drawing/2014/main" id="{0D579F22-E773-694A-132A-1F1959BE49DE}"/>
-              </a:ext>
-            </a:extLst>
-          </p:cNvPr>
-          <p:cNvSpPr>
-            <a:spLocks noGrp="1"/>
-          </p:cNvSpPr>
-          <p:nvPr>
-            <p:ph type="title"/>
-          </p:nvPr>
-        </p:nvSpPr>
-        <p:spPr/>
-        <p:txBody>
-          <a:bodyPr/>
-          <a:lstStyle/>
-          <a:p>
-            <a:r>
-              <a:rPr lang="en-SG" dirty="0"/>
-              <a:t>Research Questions</a:t>
-            </a:r>
-          </a:p>
-        </p:txBody>
-      </p:sp>
-      <p:sp>
-        <p:nvSpPr>
-          <p:cNvPr id="3" name="Content Placeholder 2">
-            <a:extLst>
-              <a:ext uri="{FF2B5EF4-FFF2-40B4-BE49-F238E27FC236}">
-                <a16:creationId xmlns:a16="http://schemas.microsoft.com/office/drawing/2014/main" id="{F04624E1-CC66-F7AB-2986-3A9BB15C0288}"/>
-              </a:ext>
-            </a:extLst>
-          </p:cNvPr>
-          <p:cNvSpPr>
-            <a:spLocks noGrp="1"/>
-          </p:cNvSpPr>
-          <p:nvPr>
-            <p:ph idx="1"/>
-          </p:nvPr>
-        </p:nvSpPr>
-        <p:spPr/>
-        <p:txBody>
-          <a:bodyPr/>
-          <a:lstStyle/>
-          <a:p>
-            <a:pPr>
-              <a:defRPr/>
-            </a:pPr>
-            <a:r>
-              <a:rPr lang="en-SG" b="1" dirty="0"/>
-              <a:t>Claim: </a:t>
-            </a:r>
-            <a:r>
-              <a:rPr lang="en-SG" dirty="0"/>
-              <a:t>Molecular fingerprints are limited in representing molecules</a:t>
-            </a:r>
-            <a:r>
-              <a:rPr kumimoji="0" lang="en-SG" sz="1000" b="0" i="0" u="none" strike="noStrike" kern="1200" cap="none" spc="0" normalizeH="0" baseline="0" noProof="0" dirty="0">
-                <a:ln>
-                  <a:noFill/>
-                </a:ln>
-                <a:solidFill>
-                  <a:prstClr val="black"/>
-                </a:solidFill>
-                <a:effectLst/>
-                <a:uLnTx/>
-                <a:uFillTx/>
-                <a:latin typeface="Aptos" panose="02110004020202020204"/>
-                <a:ea typeface="+mn-ea"/>
-                <a:cs typeface="+mn-cs"/>
-              </a:rPr>
-              <a:t>1,2</a:t>
-            </a:r>
-            <a:endParaRPr lang="en-SG" dirty="0"/>
-          </a:p>
-          <a:p>
-            <a:pPr lvl="1"/>
-            <a:r>
-              <a:rPr lang="en-SG" dirty="0"/>
-              <a:t>Lose substantial structural information when converting to bit strings</a:t>
-            </a:r>
-          </a:p>
-          <a:p>
-            <a:pPr lvl="1"/>
-            <a:r>
-              <a:rPr lang="en-SG" dirty="0"/>
-              <a:t>Similarity values when comparing large and small structures have very different behaviours</a:t>
-            </a:r>
-          </a:p>
-          <a:p>
-            <a:pPr lvl="1"/>
-            <a:r>
-              <a:rPr lang="en-SG" dirty="0"/>
-              <a:t>Different bits have different discriminating power; “good bits” are bits that help to differentiate molecules and have high amount of training instances</a:t>
-            </a:r>
-            <a:endParaRPr lang="en-SG" b="1" dirty="0"/>
-          </a:p>
-          <a:p>
-            <a:r>
-              <a:rPr lang="en-SG" b="1" dirty="0"/>
-              <a:t>Research Question: </a:t>
-            </a:r>
-          </a:p>
-        </p:txBody>
-      </p:sp>
-    </p:spTree>
-    <p:extLst>
-      <p:ext uri="{BB962C8B-B14F-4D97-AF65-F5344CB8AC3E}">
-        <p14:creationId xmlns:p14="http://schemas.microsoft.com/office/powerpoint/2010/main" val="1477351397"/>
-      </p:ext>
-    </p:extLst>
-  </p:cSld>
-  <p:clrMapOvr>
-    <a:masterClrMapping/>
-  </p:clrMapOvr>
-</p:sld>
-</file>
-
-<file path=ppt/slides/slide12.xml><?xml version="1.0" encoding="utf-8"?>
-<p:sld xmlns:a="http://schemas.openxmlformats.org/drawingml/2006/main" xmlns:r="http://schemas.openxmlformats.org/officeDocument/2006/relationships" xmlns:p="http://schemas.openxmlformats.org/presentationml/2006/main">
-  <p:cSld>
-    <p:spTree>
-      <p:nvGrpSpPr>
-        <p:cNvPr id="1" name=""/>
-        <p:cNvGrpSpPr/>
-        <p:nvPr/>
-      </p:nvGrpSpPr>
-      <p:grpSpPr>
-        <a:xfrm>
-          <a:off x="0" y="0"/>
-          <a:ext cx="0" cy="0"/>
-          <a:chOff x="0" y="0"/>
-          <a:chExt cx="0" cy="0"/>
-        </a:xfrm>
-      </p:grpSpPr>
-      <p:sp>
-        <p:nvSpPr>
-          <p:cNvPr id="2" name="Title 1">
-            <a:extLst>
-              <a:ext uri="{FF2B5EF4-FFF2-40B4-BE49-F238E27FC236}">
-                <a16:creationId xmlns:a16="http://schemas.microsoft.com/office/drawing/2014/main" id="{C239A513-1EC8-7107-C8B0-F9E75B97EA60}"/>
-              </a:ext>
-            </a:extLst>
-          </p:cNvPr>
-          <p:cNvSpPr>
-            <a:spLocks noGrp="1"/>
-          </p:cNvSpPr>
-          <p:nvPr>
-            <p:ph type="title"/>
-          </p:nvPr>
-        </p:nvSpPr>
-        <p:spPr/>
-        <p:txBody>
-          <a:bodyPr/>
-          <a:lstStyle/>
-          <a:p>
-            <a:r>
-              <a:rPr lang="en-SG" dirty="0"/>
-              <a:t>Limitation of ML methods; Consolidated Arguments Made by Other Papers</a:t>
-            </a:r>
-          </a:p>
-        </p:txBody>
-      </p:sp>
-      <p:sp>
-        <p:nvSpPr>
-          <p:cNvPr id="3" name="Content Placeholder 2">
-            <a:extLst>
-              <a:ext uri="{FF2B5EF4-FFF2-40B4-BE49-F238E27FC236}">
-                <a16:creationId xmlns:a16="http://schemas.microsoft.com/office/drawing/2014/main" id="{D382B8A0-78DA-4D85-3B0E-87579D105254}"/>
-              </a:ext>
-            </a:extLst>
-          </p:cNvPr>
-          <p:cNvSpPr>
-            <a:spLocks noGrp="1"/>
-          </p:cNvSpPr>
-          <p:nvPr>
-            <p:ph idx="1"/>
-          </p:nvPr>
-        </p:nvSpPr>
-        <p:spPr/>
-        <p:txBody>
-          <a:bodyPr>
-            <a:normAutofit/>
-          </a:bodyPr>
-          <a:lstStyle/>
-          <a:p>
-            <a:pPr marL="514350" indent="-514350">
-              <a:buFont typeface="+mj-lt"/>
-              <a:buAutoNum type="arabicPeriod"/>
-            </a:pPr>
-            <a:r>
-              <a:rPr lang="en-SG" dirty="0">
-                <a:solidFill>
-                  <a:srgbClr val="FF0000"/>
-                </a:solidFill>
-              </a:rPr>
-              <a:t>Dataset</a:t>
-            </a:r>
-            <a:r>
-              <a:rPr lang="en-SG" dirty="0"/>
-              <a:t> bias</a:t>
-            </a:r>
-            <a:r>
-              <a:rPr kumimoji="0" lang="en-SG" sz="1000" b="0" i="0" u="none" strike="noStrike" kern="1200" cap="none" spc="0" normalizeH="0" baseline="0" noProof="0" dirty="0">
-                <a:ln>
-                  <a:noFill/>
-                </a:ln>
-                <a:solidFill>
-                  <a:prstClr val="black"/>
-                </a:solidFill>
-                <a:effectLst/>
-                <a:uLnTx/>
-                <a:uFillTx/>
-                <a:latin typeface="Aptos" panose="02110004020202020204"/>
-                <a:ea typeface="+mn-ea"/>
-                <a:cs typeface="+mn-cs"/>
-              </a:rPr>
-              <a:t>1,3</a:t>
-            </a:r>
-            <a:endParaRPr lang="en-SG" sz="1000" dirty="0"/>
-          </a:p>
-          <a:p>
-            <a:pPr lvl="1"/>
-            <a:r>
-              <a:rPr lang="en-SG" dirty="0"/>
-              <a:t>For ML models to be helpful, training datasets need to be subsets of known biomolecular structures and need to contain all the compound classes based on the </a:t>
-            </a:r>
-            <a:r>
-              <a:rPr lang="en-SG" dirty="0" err="1"/>
-              <a:t>ClassyFire</a:t>
-            </a:r>
-            <a:r>
-              <a:rPr lang="en-SG" dirty="0"/>
-              <a:t> </a:t>
-            </a:r>
-            <a:r>
-              <a:rPr lang="en-SG" dirty="0" err="1"/>
-              <a:t>ChemOnt</a:t>
-            </a:r>
-            <a:r>
-              <a:rPr lang="en-SG" dirty="0"/>
-              <a:t> ontology</a:t>
-            </a:r>
-          </a:p>
-          <a:p>
-            <a:pPr lvl="1"/>
-            <a:r>
-              <a:rPr lang="en-SG" dirty="0"/>
-              <a:t>There is a strong dataset bias towards [M+H]+ or [M-H]- ions leading to 95% of unidentified spectra </a:t>
-            </a:r>
-          </a:p>
-          <a:p>
-            <a:pPr marL="514350" indent="-514350">
-              <a:buFont typeface="+mj-lt"/>
-              <a:buAutoNum type="arabicPeriod"/>
-            </a:pPr>
-            <a:r>
-              <a:rPr lang="en-SG" dirty="0">
-                <a:solidFill>
-                  <a:srgbClr val="FF0000"/>
-                </a:solidFill>
-              </a:rPr>
-              <a:t>Limited</a:t>
-            </a:r>
-            <a:r>
-              <a:rPr lang="en-SG" dirty="0"/>
-              <a:t> reference MS/MS data</a:t>
-            </a:r>
-          </a:p>
-          <a:p>
-            <a:pPr lvl="1"/>
-            <a:r>
-              <a:rPr lang="en-SG" dirty="0"/>
-              <a:t>The effectiveness of this method is contingent on the quality of the generated MS/MS spectra; the effectiveness of this method was displayed in </a:t>
-            </a:r>
-            <a:r>
-              <a:rPr lang="en-SG" dirty="0" err="1"/>
-              <a:t>MassGenie</a:t>
-            </a:r>
-            <a:endParaRPr lang="en-SG" dirty="0"/>
-          </a:p>
-        </p:txBody>
-      </p:sp>
-    </p:spTree>
-    <p:extLst>
-      <p:ext uri="{BB962C8B-B14F-4D97-AF65-F5344CB8AC3E}">
-        <p14:creationId xmlns:p14="http://schemas.microsoft.com/office/powerpoint/2010/main" val="784136770"/>
-      </p:ext>
-    </p:extLst>
-  </p:cSld>
-  <p:clrMapOvr>
-    <a:masterClrMapping/>
-  </p:clrMapOvr>
-</p:sld>
-</file>
-
-<file path=ppt/slides/slide13.xml><?xml version="1.0" encoding="utf-8"?>
-<p:sld xmlns:a="http://schemas.openxmlformats.org/drawingml/2006/main" xmlns:r="http://schemas.openxmlformats.org/officeDocument/2006/relationships" xmlns:p="http://schemas.openxmlformats.org/presentationml/2006/main">
-  <p:cSld>
-    <p:spTree>
-      <p:nvGrpSpPr>
-        <p:cNvPr id="1" name=""/>
-        <p:cNvGrpSpPr/>
-        <p:nvPr/>
-      </p:nvGrpSpPr>
-      <p:grpSpPr>
-        <a:xfrm>
-          <a:off x="0" y="0"/>
-          <a:ext cx="0" cy="0"/>
-          <a:chOff x="0" y="0"/>
-          <a:chExt cx="0" cy="0"/>
-        </a:xfrm>
-      </p:grpSpPr>
-      <p:sp>
-        <p:nvSpPr>
-          <p:cNvPr id="2" name="Title 1">
-            <a:extLst>
-              <a:ext uri="{FF2B5EF4-FFF2-40B4-BE49-F238E27FC236}">
-                <a16:creationId xmlns:a16="http://schemas.microsoft.com/office/drawing/2014/main" id="{C239A513-1EC8-7107-C8B0-F9E75B97EA60}"/>
-              </a:ext>
-            </a:extLst>
-          </p:cNvPr>
-          <p:cNvSpPr>
-            <a:spLocks noGrp="1"/>
-          </p:cNvSpPr>
-          <p:nvPr>
-            <p:ph type="title"/>
-          </p:nvPr>
-        </p:nvSpPr>
-        <p:spPr/>
-        <p:txBody>
-          <a:bodyPr/>
-          <a:lstStyle/>
-          <a:p>
-            <a:r>
-              <a:rPr lang="en-SG" dirty="0"/>
-              <a:t>Limitation of ML methods; Consolidated Arguments Made by Other Papers</a:t>
-            </a:r>
-          </a:p>
-        </p:txBody>
-      </p:sp>
-      <p:sp>
-        <p:nvSpPr>
-          <p:cNvPr id="3" name="Content Placeholder 2">
-            <a:extLst>
-              <a:ext uri="{FF2B5EF4-FFF2-40B4-BE49-F238E27FC236}">
-                <a16:creationId xmlns:a16="http://schemas.microsoft.com/office/drawing/2014/main" id="{D382B8A0-78DA-4D85-3B0E-87579D105254}"/>
-              </a:ext>
-            </a:extLst>
-          </p:cNvPr>
-          <p:cNvSpPr>
-            <a:spLocks noGrp="1"/>
-          </p:cNvSpPr>
-          <p:nvPr>
-            <p:ph idx="1"/>
-          </p:nvPr>
-        </p:nvSpPr>
-        <p:spPr/>
-        <p:txBody>
-          <a:bodyPr>
-            <a:normAutofit/>
-          </a:bodyPr>
-          <a:lstStyle/>
-          <a:p>
-            <a:pPr marL="514350" indent="-514350">
-              <a:buFont typeface="+mj-lt"/>
-              <a:buAutoNum type="arabicPeriod" startAt="3"/>
-              <a:defRPr/>
-            </a:pPr>
-            <a:r>
-              <a:rPr lang="en-SG" dirty="0"/>
-              <a:t>Molecular fingerprints are limited in representing molecules</a:t>
-            </a:r>
-            <a:r>
-              <a:rPr kumimoji="0" lang="en-SG" sz="1000" b="0" i="0" u="none" strike="noStrike" kern="1200" cap="none" spc="0" normalizeH="0" baseline="0" noProof="0" dirty="0">
-                <a:ln>
-                  <a:noFill/>
-                </a:ln>
-                <a:solidFill>
-                  <a:prstClr val="black"/>
-                </a:solidFill>
-                <a:effectLst/>
-                <a:uLnTx/>
-                <a:uFillTx/>
-                <a:latin typeface="Aptos" panose="02110004020202020204"/>
-                <a:ea typeface="+mn-ea"/>
-                <a:cs typeface="+mn-cs"/>
-              </a:rPr>
-              <a:t>1,2</a:t>
-            </a:r>
-            <a:endParaRPr lang="en-SG" dirty="0"/>
-          </a:p>
-          <a:p>
-            <a:pPr lvl="1"/>
-            <a:r>
-              <a:rPr lang="en-SG" dirty="0"/>
-              <a:t>Lose substantial structural information when converting to bit strings</a:t>
-            </a:r>
-          </a:p>
-          <a:p>
-            <a:pPr lvl="1"/>
-            <a:r>
-              <a:rPr lang="en-SG" dirty="0"/>
-              <a:t>Similarity values when comparing large and small structures have very different behaviours</a:t>
-            </a:r>
-          </a:p>
-          <a:p>
-            <a:pPr lvl="1"/>
-            <a:r>
-              <a:rPr lang="en-SG" dirty="0"/>
-              <a:t>Different bits have different discriminating power; “good bits” are bits that help to differentiate molecules and have high amount of training instances</a:t>
-            </a:r>
-          </a:p>
-        </p:txBody>
-      </p:sp>
-    </p:spTree>
-    <p:extLst>
-      <p:ext uri="{BB962C8B-B14F-4D97-AF65-F5344CB8AC3E}">
-        <p14:creationId xmlns:p14="http://schemas.microsoft.com/office/powerpoint/2010/main" val="2435509224"/>
-      </p:ext>
-    </p:extLst>
-  </p:cSld>
-  <p:clrMapOvr>
-    <a:masterClrMapping/>
-  </p:clrMapOvr>
-</p:sld>
-</file>
-
-<file path=ppt/slides/slide14.xml><?xml version="1.0" encoding="utf-8"?>
-<p:sld xmlns:a="http://schemas.openxmlformats.org/drawingml/2006/main" xmlns:r="http://schemas.openxmlformats.org/officeDocument/2006/relationships" xmlns:p="http://schemas.openxmlformats.org/presentationml/2006/main">
-  <p:cSld>
-    <p:spTree>
-      <p:nvGrpSpPr>
-        <p:cNvPr id="1" name=""/>
-        <p:cNvGrpSpPr/>
-        <p:nvPr/>
-      </p:nvGrpSpPr>
-      <p:grpSpPr>
-        <a:xfrm>
-          <a:off x="0" y="0"/>
-          <a:ext cx="0" cy="0"/>
-          <a:chOff x="0" y="0"/>
-          <a:chExt cx="0" cy="0"/>
-        </a:xfrm>
-      </p:grpSpPr>
-      <p:sp>
-        <p:nvSpPr>
-          <p:cNvPr id="2" name="Title 1">
-            <a:extLst>
-              <a:ext uri="{FF2B5EF4-FFF2-40B4-BE49-F238E27FC236}">
-                <a16:creationId xmlns:a16="http://schemas.microsoft.com/office/drawing/2014/main" id="{C239A513-1EC8-7107-C8B0-F9E75B97EA60}"/>
-              </a:ext>
-            </a:extLst>
-          </p:cNvPr>
-          <p:cNvSpPr>
-            <a:spLocks noGrp="1"/>
-          </p:cNvSpPr>
-          <p:nvPr>
-            <p:ph type="title"/>
-          </p:nvPr>
-        </p:nvSpPr>
-        <p:spPr/>
-        <p:txBody>
-          <a:bodyPr/>
-          <a:lstStyle/>
-          <a:p>
-            <a:r>
-              <a:rPr lang="en-SG" dirty="0"/>
-              <a:t>Limitation of ML methods; Consolidated Arguments Made by Other Papers</a:t>
-            </a:r>
-          </a:p>
-        </p:txBody>
-      </p:sp>
-      <p:sp>
-        <p:nvSpPr>
-          <p:cNvPr id="3" name="Content Placeholder 2">
-            <a:extLst>
-              <a:ext uri="{FF2B5EF4-FFF2-40B4-BE49-F238E27FC236}">
-                <a16:creationId xmlns:a16="http://schemas.microsoft.com/office/drawing/2014/main" id="{D382B8A0-78DA-4D85-3B0E-87579D105254}"/>
-              </a:ext>
-            </a:extLst>
-          </p:cNvPr>
-          <p:cNvSpPr>
-            <a:spLocks noGrp="1"/>
-          </p:cNvSpPr>
-          <p:nvPr>
-            <p:ph idx="1"/>
-          </p:nvPr>
-        </p:nvSpPr>
-        <p:spPr/>
-        <p:txBody>
-          <a:bodyPr/>
-          <a:lstStyle/>
-          <a:p>
-            <a:pPr marL="514350" indent="-514350">
-              <a:buFont typeface="+mj-lt"/>
-              <a:buAutoNum type="arabicPeriod" startAt="4"/>
-            </a:pPr>
-            <a:r>
-              <a:rPr lang="en-SG" dirty="0">
-                <a:solidFill>
-                  <a:srgbClr val="FF0000"/>
-                </a:solidFill>
-              </a:rPr>
-              <a:t>Different </a:t>
-            </a:r>
-            <a:r>
-              <a:rPr lang="en-SG" dirty="0"/>
-              <a:t>experiment platforms can lead to different fragmentation patterns – this leads to difficulty in matching MS </a:t>
-            </a:r>
-          </a:p>
-          <a:p>
-            <a:pPr lvl="1"/>
-            <a:r>
-              <a:rPr lang="en-SG" dirty="0"/>
-              <a:t>This problem can be alleviated by partial annotation. </a:t>
-            </a:r>
-            <a:r>
-              <a:rPr lang="en-SG" dirty="0" err="1"/>
-              <a:t>I.e</a:t>
-            </a:r>
-            <a:r>
-              <a:rPr lang="en-SG" dirty="0"/>
-              <a:t>, peak annotation</a:t>
-            </a:r>
-          </a:p>
-          <a:p>
-            <a:pPr marL="514350" indent="-514350">
-              <a:buFont typeface="+mj-lt"/>
-              <a:buAutoNum type="arabicPeriod" startAt="5"/>
-            </a:pPr>
-            <a:r>
-              <a:rPr lang="en-SG" dirty="0">
-                <a:solidFill>
-                  <a:srgbClr val="FF0000"/>
-                </a:solidFill>
-              </a:rPr>
-              <a:t>Cleaning up </a:t>
-            </a:r>
-            <a:r>
-              <a:rPr lang="en-SG" dirty="0"/>
-              <a:t>spectra </a:t>
-            </a:r>
-          </a:p>
-          <a:p>
-            <a:pPr lvl="1"/>
-            <a:r>
-              <a:rPr lang="en-SG" dirty="0"/>
-              <a:t>GNPS tend towards larger numbers of high entropy spectra due to higher spectral noise </a:t>
-            </a:r>
-          </a:p>
-          <a:p>
-            <a:pPr lvl="1"/>
-            <a:r>
-              <a:rPr lang="en-SG" dirty="0"/>
-              <a:t>Most papers suggest a simple thresholding method to remove any signals with less than x% of intensity (typically 1% or 5%)</a:t>
-            </a:r>
-          </a:p>
-        </p:txBody>
-      </p:sp>
-    </p:spTree>
-    <p:extLst>
-      <p:ext uri="{BB962C8B-B14F-4D97-AF65-F5344CB8AC3E}">
-        <p14:creationId xmlns:p14="http://schemas.microsoft.com/office/powerpoint/2010/main" val="853419101"/>
-      </p:ext>
-    </p:extLst>
-  </p:cSld>
-  <p:clrMapOvr>
-    <a:masterClrMapping/>
-  </p:clrMapOvr>
-</p:sld>
-</file>
-
-<file path=ppt/slides/slide15.xml><?xml version="1.0" encoding="utf-8"?>
-<p:sld xmlns:a="http://schemas.openxmlformats.org/drawingml/2006/main" xmlns:r="http://schemas.openxmlformats.org/officeDocument/2006/relationships" xmlns:p="http://schemas.openxmlformats.org/presentationml/2006/main">
-  <p:cSld>
-    <p:spTree>
-      <p:nvGrpSpPr>
-        <p:cNvPr id="1" name=""/>
-        <p:cNvGrpSpPr/>
-        <p:nvPr/>
-      </p:nvGrpSpPr>
-      <p:grpSpPr>
-        <a:xfrm>
-          <a:off x="0" y="0"/>
-          <a:ext cx="0" cy="0"/>
-          <a:chOff x="0" y="0"/>
-          <a:chExt cx="0" cy="0"/>
-        </a:xfrm>
-      </p:grpSpPr>
-      <p:sp>
-        <p:nvSpPr>
-          <p:cNvPr id="2" name="Title 1">
-            <a:extLst>
-              <a:ext uri="{FF2B5EF4-FFF2-40B4-BE49-F238E27FC236}">
-                <a16:creationId xmlns:a16="http://schemas.microsoft.com/office/drawing/2014/main" id="{C239A513-1EC8-7107-C8B0-F9E75B97EA60}"/>
-              </a:ext>
-            </a:extLst>
-          </p:cNvPr>
-          <p:cNvSpPr>
-            <a:spLocks noGrp="1"/>
-          </p:cNvSpPr>
-          <p:nvPr>
-            <p:ph type="title"/>
-          </p:nvPr>
-        </p:nvSpPr>
-        <p:spPr/>
-        <p:txBody>
-          <a:bodyPr/>
-          <a:lstStyle/>
-          <a:p>
-            <a:r>
-              <a:rPr lang="en-SG" dirty="0"/>
-              <a:t>Limitation of ML methods; Consolidated Arguments Made by Other Papers</a:t>
-            </a:r>
-          </a:p>
-        </p:txBody>
-      </p:sp>
-      <p:sp>
-        <p:nvSpPr>
-          <p:cNvPr id="3" name="Content Placeholder 2">
-            <a:extLst>
-              <a:ext uri="{FF2B5EF4-FFF2-40B4-BE49-F238E27FC236}">
-                <a16:creationId xmlns:a16="http://schemas.microsoft.com/office/drawing/2014/main" id="{D382B8A0-78DA-4D85-3B0E-87579D105254}"/>
-              </a:ext>
-            </a:extLst>
-          </p:cNvPr>
-          <p:cNvSpPr>
-            <a:spLocks noGrp="1"/>
-          </p:cNvSpPr>
-          <p:nvPr>
-            <p:ph idx="1"/>
-          </p:nvPr>
-        </p:nvSpPr>
-        <p:spPr/>
-        <p:txBody>
-          <a:bodyPr/>
-          <a:lstStyle/>
-          <a:p>
-            <a:pPr marL="514350" indent="-514350">
-              <a:buFont typeface="+mj-lt"/>
-              <a:buAutoNum type="arabicPeriod" startAt="6"/>
-            </a:pPr>
-            <a:r>
-              <a:rPr lang="en-SG" dirty="0">
-                <a:solidFill>
-                  <a:srgbClr val="FF0000"/>
-                </a:solidFill>
-              </a:rPr>
-              <a:t>Difficulty</a:t>
-            </a:r>
-            <a:r>
-              <a:rPr lang="en-SG" dirty="0"/>
-              <a:t> in resolving molecules with higher molecular masses </a:t>
-            </a:r>
-          </a:p>
-          <a:p>
-            <a:pPr lvl="1"/>
-            <a:r>
-              <a:rPr lang="en-SG" dirty="0"/>
-              <a:t>Parent masses of the MS/MS spectra in the GPNS library show a clear bias towards lower masses. </a:t>
-            </a:r>
-          </a:p>
-          <a:p>
-            <a:pPr lvl="1"/>
-            <a:r>
-              <a:rPr lang="en-SG" dirty="0"/>
-              <a:t>This might explain why around 14,000 MS/MS spectra in GNPS do not have a fully resolved structure </a:t>
-            </a:r>
-          </a:p>
-          <a:p>
-            <a:pPr lvl="1"/>
-            <a:r>
-              <a:rPr lang="en-SG" dirty="0"/>
-              <a:t>Canopus were restricted to spectra below 860Da and Spec2vec only works well for spectra below 600Da</a:t>
-            </a:r>
-          </a:p>
-        </p:txBody>
-      </p:sp>
-    </p:spTree>
-    <p:extLst>
-      <p:ext uri="{BB962C8B-B14F-4D97-AF65-F5344CB8AC3E}">
-        <p14:creationId xmlns:p14="http://schemas.microsoft.com/office/powerpoint/2010/main" val="398636985"/>
-      </p:ext>
-    </p:extLst>
-  </p:cSld>
-  <p:clrMapOvr>
-    <a:masterClrMapping/>
-  </p:clrMapOvr>
-</p:sld>
-</file>
-
-<file path=ppt/slides/slide16.xml><?xml version="1.0" encoding="utf-8"?>
-<p:sld xmlns:a="http://schemas.openxmlformats.org/drawingml/2006/main" xmlns:r="http://schemas.openxmlformats.org/officeDocument/2006/relationships" xmlns:p="http://schemas.openxmlformats.org/presentationml/2006/main">
-  <p:cSld>
-    <p:spTree>
-      <p:nvGrpSpPr>
-        <p:cNvPr id="1" name=""/>
-        <p:cNvGrpSpPr/>
-        <p:nvPr/>
-      </p:nvGrpSpPr>
-      <p:grpSpPr>
-        <a:xfrm>
-          <a:off x="0" y="0"/>
-          <a:ext cx="0" cy="0"/>
-          <a:chOff x="0" y="0"/>
-          <a:chExt cx="0" cy="0"/>
-        </a:xfrm>
-      </p:grpSpPr>
-      <p:sp>
-        <p:nvSpPr>
-          <p:cNvPr id="2" name="Title 1">
-            <a:extLst>
-              <a:ext uri="{FF2B5EF4-FFF2-40B4-BE49-F238E27FC236}">
-                <a16:creationId xmlns:a16="http://schemas.microsoft.com/office/drawing/2014/main" id="{4D438766-8956-19FE-6405-460A3B00498B}"/>
-              </a:ext>
-            </a:extLst>
-          </p:cNvPr>
-          <p:cNvSpPr>
-            <a:spLocks noGrp="1"/>
-          </p:cNvSpPr>
-          <p:nvPr>
-            <p:ph type="title"/>
-          </p:nvPr>
-        </p:nvSpPr>
-        <p:spPr/>
-        <p:txBody>
-          <a:bodyPr/>
-          <a:lstStyle/>
-          <a:p>
-            <a:r>
-              <a:rPr lang="en-SG" dirty="0"/>
-              <a:t>Limitation of ML methods; Consolidated Arguments Made by Other Papers</a:t>
-            </a:r>
-          </a:p>
-        </p:txBody>
-      </p:sp>
-      <p:sp>
-        <p:nvSpPr>
-          <p:cNvPr id="3" name="Content Placeholder 2">
-            <a:extLst>
-              <a:ext uri="{FF2B5EF4-FFF2-40B4-BE49-F238E27FC236}">
-                <a16:creationId xmlns:a16="http://schemas.microsoft.com/office/drawing/2014/main" id="{3EF57998-3563-3CD0-AFF7-9EA5762D72E8}"/>
-              </a:ext>
-            </a:extLst>
-          </p:cNvPr>
-          <p:cNvSpPr>
-            <a:spLocks noGrp="1"/>
-          </p:cNvSpPr>
-          <p:nvPr>
-            <p:ph idx="1"/>
-          </p:nvPr>
-        </p:nvSpPr>
-        <p:spPr/>
-        <p:txBody>
-          <a:bodyPr/>
-          <a:lstStyle/>
-          <a:p>
-            <a:pPr marL="514350" indent="-514350">
-              <a:buFont typeface="+mj-lt"/>
-              <a:buAutoNum type="arabicPeriod" startAt="7"/>
-            </a:pPr>
-            <a:r>
-              <a:rPr lang="en-SG" dirty="0"/>
-              <a:t>Benchmarking (train and test sets) </a:t>
-            </a:r>
-          </a:p>
-          <a:p>
-            <a:pPr lvl="1"/>
-            <a:r>
-              <a:rPr lang="en-SG" dirty="0"/>
-              <a:t>The dataset to be used VS the metrics to be used </a:t>
-            </a:r>
-          </a:p>
-          <a:p>
-            <a:pPr lvl="1"/>
-            <a:r>
-              <a:rPr lang="en-SG" dirty="0"/>
-              <a:t>Could try to study how generalizable the models are vs how well it works for a specific subset </a:t>
-            </a:r>
-          </a:p>
-          <a:p>
-            <a:pPr lvl="1"/>
-            <a:r>
-              <a:rPr lang="en-SG" dirty="0"/>
-              <a:t>Groups for sampling could include chemical classes, mass taxonomic clades, instruments, analytical methods </a:t>
-            </a:r>
-          </a:p>
-          <a:p>
-            <a:pPr lvl="1"/>
-            <a:r>
-              <a:rPr lang="en-SG" dirty="0"/>
-              <a:t>Selecting / reporting results for different mass ranges and chemical classes can be used to illustrate if a tool has differences in performance  </a:t>
-            </a:r>
-          </a:p>
-        </p:txBody>
-      </p:sp>
-    </p:spTree>
-    <p:extLst>
-      <p:ext uri="{BB962C8B-B14F-4D97-AF65-F5344CB8AC3E}">
-        <p14:creationId xmlns:p14="http://schemas.microsoft.com/office/powerpoint/2010/main" val="2108625055"/>
-      </p:ext>
-    </p:extLst>
-  </p:cSld>
-  <p:clrMapOvr>
-    <a:masterClrMapping/>
-  </p:clrMapOvr>
-</p:sld>
-</file>
-
-<file path=ppt/slides/slide17.xml><?xml version="1.0" encoding="utf-8"?>
-<p:sld xmlns:a="http://schemas.openxmlformats.org/drawingml/2006/main" xmlns:r="http://schemas.openxmlformats.org/officeDocument/2006/relationships" xmlns:p="http://schemas.openxmlformats.org/presentationml/2006/main">
-  <p:cSld>
-    <p:spTree>
-      <p:nvGrpSpPr>
-        <p:cNvPr id="1" name=""/>
-        <p:cNvGrpSpPr/>
-        <p:nvPr/>
-      </p:nvGrpSpPr>
-      <p:grpSpPr>
-        <a:xfrm>
-          <a:off x="0" y="0"/>
-          <a:ext cx="0" cy="0"/>
-          <a:chOff x="0" y="0"/>
-          <a:chExt cx="0" cy="0"/>
-        </a:xfrm>
-      </p:grpSpPr>
-      <p:sp>
-        <p:nvSpPr>
-          <p:cNvPr id="2" name="Title 1">
-            <a:extLst>
-              <a:ext uri="{FF2B5EF4-FFF2-40B4-BE49-F238E27FC236}">
-                <a16:creationId xmlns:a16="http://schemas.microsoft.com/office/drawing/2014/main" id="{3394BCD1-9414-DD23-9B12-F8242CCB5814}"/>
-              </a:ext>
-            </a:extLst>
-          </p:cNvPr>
-          <p:cNvSpPr>
-            <a:spLocks noGrp="1"/>
-          </p:cNvSpPr>
-          <p:nvPr>
-            <p:ph type="title"/>
-          </p:nvPr>
-        </p:nvSpPr>
-        <p:spPr/>
-        <p:txBody>
-          <a:bodyPr/>
-          <a:lstStyle/>
-          <a:p>
-            <a:r>
-              <a:rPr lang="en-SG" dirty="0"/>
-              <a:t>Experiments</a:t>
-            </a:r>
-          </a:p>
-        </p:txBody>
-      </p:sp>
-      <p:sp>
-        <p:nvSpPr>
-          <p:cNvPr id="3" name="Text Placeholder 2">
-            <a:extLst>
-              <a:ext uri="{FF2B5EF4-FFF2-40B4-BE49-F238E27FC236}">
-                <a16:creationId xmlns:a16="http://schemas.microsoft.com/office/drawing/2014/main" id="{AB4E7E08-F986-59CB-06EB-E42A93951788}"/>
-              </a:ext>
-            </a:extLst>
-          </p:cNvPr>
-          <p:cNvSpPr>
-            <a:spLocks noGrp="1"/>
-          </p:cNvSpPr>
-          <p:nvPr>
-            <p:ph type="body" idx="1"/>
-          </p:nvPr>
-        </p:nvSpPr>
-        <p:spPr/>
-        <p:txBody>
-          <a:bodyPr/>
-          <a:lstStyle/>
-          <a:p>
-            <a:endParaRPr lang="en-SG"/>
-          </a:p>
-        </p:txBody>
-      </p:sp>
-    </p:spTree>
-    <p:extLst>
-      <p:ext uri="{BB962C8B-B14F-4D97-AF65-F5344CB8AC3E}">
-        <p14:creationId xmlns:p14="http://schemas.microsoft.com/office/powerpoint/2010/main" val="1073618008"/>
-      </p:ext>
-    </p:extLst>
-  </p:cSld>
-  <p:clrMapOvr>
-    <a:masterClrMapping/>
-  </p:clrMapOvr>
-</p:sld>
-</file>
-
-<file path=ppt/slides/slide18.xml><?xml version="1.0" encoding="utf-8"?>
-<p:sld xmlns:a="http://schemas.openxmlformats.org/drawingml/2006/main" xmlns:r="http://schemas.openxmlformats.org/officeDocument/2006/relationships" xmlns:p="http://schemas.openxmlformats.org/presentationml/2006/main">
-  <p:cSld>
-    <p:spTree>
-      <p:nvGrpSpPr>
-        <p:cNvPr id="1" name=""/>
-        <p:cNvGrpSpPr/>
-        <p:nvPr/>
-      </p:nvGrpSpPr>
-      <p:grpSpPr>
-        <a:xfrm>
-          <a:off x="0" y="0"/>
-          <a:ext cx="0" cy="0"/>
-          <a:chOff x="0" y="0"/>
-          <a:chExt cx="0" cy="0"/>
-        </a:xfrm>
-      </p:grpSpPr>
-      <p:sp>
-        <p:nvSpPr>
-          <p:cNvPr id="2" name="Title 1">
-            <a:extLst>
-              <a:ext uri="{FF2B5EF4-FFF2-40B4-BE49-F238E27FC236}">
-                <a16:creationId xmlns:a16="http://schemas.microsoft.com/office/drawing/2014/main" id="{9D508AD0-1851-AE25-8F20-94133A4D845B}"/>
-              </a:ext>
-            </a:extLst>
-          </p:cNvPr>
-          <p:cNvSpPr>
-            <a:spLocks noGrp="1"/>
-          </p:cNvSpPr>
-          <p:nvPr>
-            <p:ph type="title"/>
-          </p:nvPr>
-        </p:nvSpPr>
-        <p:spPr/>
-        <p:txBody>
-          <a:bodyPr/>
-          <a:lstStyle/>
-          <a:p>
-            <a:r>
-              <a:rPr lang="en-SG" dirty="0"/>
-              <a:t>Experiments performed to understand the limits of ML methods</a:t>
-            </a:r>
-          </a:p>
-        </p:txBody>
-      </p:sp>
-      <p:sp>
-        <p:nvSpPr>
-          <p:cNvPr id="3" name="Content Placeholder 2">
-            <a:extLst>
-              <a:ext uri="{FF2B5EF4-FFF2-40B4-BE49-F238E27FC236}">
-                <a16:creationId xmlns:a16="http://schemas.microsoft.com/office/drawing/2014/main" id="{A28F116D-B39A-D688-27C8-6B1F4E4917A1}"/>
-              </a:ext>
-            </a:extLst>
-          </p:cNvPr>
-          <p:cNvSpPr>
-            <a:spLocks noGrp="1"/>
-          </p:cNvSpPr>
-          <p:nvPr>
-            <p:ph idx="1"/>
-          </p:nvPr>
-        </p:nvSpPr>
-        <p:spPr/>
-        <p:txBody>
-          <a:bodyPr/>
-          <a:lstStyle/>
-          <a:p>
-            <a:r>
-              <a:rPr lang="en-SG" dirty="0"/>
-              <a:t>Running of learning to split code to understand factors that limit generalizability of FP prediction with MS </a:t>
-            </a:r>
-          </a:p>
-          <a:p>
-            <a:r>
-              <a:rPr lang="en-SG" dirty="0"/>
-              <a:t>Running of SIRIUS software (SOTA for chemical structure elucidation with MS) with different preprocessing steps: </a:t>
-            </a:r>
-          </a:p>
-          <a:p>
-            <a:pPr lvl="1"/>
-            <a:endParaRPr lang="en-SG" dirty="0"/>
-          </a:p>
-        </p:txBody>
-      </p:sp>
-    </p:spTree>
-    <p:extLst>
-      <p:ext uri="{BB962C8B-B14F-4D97-AF65-F5344CB8AC3E}">
-        <p14:creationId xmlns:p14="http://schemas.microsoft.com/office/powerpoint/2010/main" val="3359880806"/>
-      </p:ext>
-    </p:extLst>
-  </p:cSld>
-  <p:clrMapOvr>
-    <a:masterClrMapping/>
-  </p:clrMapOvr>
-</p:sld>
-</file>
-
-<file path=ppt/slides/slide19.xml><?xml version="1.0" encoding="utf-8"?>
-<p:sld xmlns:a="http://schemas.openxmlformats.org/drawingml/2006/main" xmlns:r="http://schemas.openxmlformats.org/officeDocument/2006/relationships" xmlns:p="http://schemas.openxmlformats.org/presentationml/2006/main">
-  <p:cSld>
-    <p:spTree>
-      <p:nvGrpSpPr>
-        <p:cNvPr id="1" name=""/>
-        <p:cNvGrpSpPr/>
-        <p:nvPr/>
-      </p:nvGrpSpPr>
-      <p:grpSpPr>
-        <a:xfrm>
-          <a:off x="0" y="0"/>
-          <a:ext cx="0" cy="0"/>
-          <a:chOff x="0" y="0"/>
-          <a:chExt cx="0" cy="0"/>
-        </a:xfrm>
-      </p:grpSpPr>
-      <p:sp>
-        <p:nvSpPr>
-          <p:cNvPr id="2" name="Title 1">
-            <a:extLst>
-              <a:ext uri="{FF2B5EF4-FFF2-40B4-BE49-F238E27FC236}">
-                <a16:creationId xmlns:a16="http://schemas.microsoft.com/office/drawing/2014/main" id="{922BAE0B-F10F-B33B-2415-5AAE0376EC2D}"/>
-              </a:ext>
-            </a:extLst>
-          </p:cNvPr>
-          <p:cNvSpPr>
-            <a:spLocks noGrp="1"/>
-          </p:cNvSpPr>
-          <p:nvPr>
-            <p:ph type="title"/>
-          </p:nvPr>
-        </p:nvSpPr>
-        <p:spPr/>
-        <p:txBody>
-          <a:bodyPr/>
-          <a:lstStyle/>
-          <a:p>
-            <a:r>
-              <a:rPr lang="en-SG" dirty="0"/>
-              <a:t>Modelling Noise in MSMS</a:t>
-            </a:r>
-          </a:p>
-        </p:txBody>
-      </p:sp>
-    </p:spTree>
-    <p:extLst>
-      <p:ext uri="{BB962C8B-B14F-4D97-AF65-F5344CB8AC3E}">
-        <p14:creationId xmlns:p14="http://schemas.microsoft.com/office/powerpoint/2010/main" val="2743357265"/>
-      </p:ext>
-    </p:extLst>
-  </p:cSld>
-  <p:clrMapOvr>
-    <a:masterClrMapping/>
-  </p:clrMapOvr>
-</p:sld>
-</file>
-
-<file path=ppt/slides/slide2.xml><?xml version="1.0" encoding="utf-8"?>
-<p:sld xmlns:a="http://schemas.openxmlformats.org/drawingml/2006/main" xmlns:r="http://schemas.openxmlformats.org/officeDocument/2006/relationships" xmlns:p="http://schemas.openxmlformats.org/presentationml/2006/main">
-  <p:cSld>
-    <p:spTree>
-      <p:nvGrpSpPr>
-        <p:cNvPr id="1" name=""/>
-        <p:cNvGrpSpPr/>
-        <p:nvPr/>
-      </p:nvGrpSpPr>
-      <p:grpSpPr>
-        <a:xfrm>
-          <a:off x="0" y="0"/>
-          <a:ext cx="0" cy="0"/>
-          <a:chOff x="0" y="0"/>
-          <a:chExt cx="0" cy="0"/>
-        </a:xfrm>
-      </p:grpSpPr>
-      <p:sp>
-        <p:nvSpPr>
-          <p:cNvPr id="2" name="Title 1">
-            <a:extLst>
-              <a:ext uri="{FF2B5EF4-FFF2-40B4-BE49-F238E27FC236}">
-                <a16:creationId xmlns:a16="http://schemas.microsoft.com/office/drawing/2014/main" id="{922BAE0B-F10F-B33B-2415-5AAE0376EC2D}"/>
-              </a:ext>
-            </a:extLst>
-          </p:cNvPr>
-          <p:cNvSpPr>
-            <a:spLocks noGrp="1"/>
-          </p:cNvSpPr>
-          <p:nvPr>
-            <p:ph type="title"/>
-          </p:nvPr>
-        </p:nvSpPr>
-        <p:spPr/>
-        <p:txBody>
-          <a:bodyPr/>
-          <a:lstStyle/>
-          <a:p>
-            <a:r>
-              <a:rPr lang="en-SG" dirty="0"/>
-              <a:t>Understanding the Limits of Modelling MSMS with ML</a:t>
-            </a:r>
-          </a:p>
-        </p:txBody>
-      </p:sp>
-    </p:spTree>
-    <p:extLst>
-      <p:ext uri="{BB962C8B-B14F-4D97-AF65-F5344CB8AC3E}">
-        <p14:creationId xmlns:p14="http://schemas.microsoft.com/office/powerpoint/2010/main" val="416111085"/>
-      </p:ext>
-    </p:extLst>
-  </p:cSld>
-  <p:clrMapOvr>
-    <a:masterClrMapping/>
-  </p:clrMapOvr>
-</p:sld>
-</file>
-
-<file path=ppt/slides/slide20.xml><?xml version="1.0" encoding="utf-8"?>
-<p:sld xmlns:a="http://schemas.openxmlformats.org/drawingml/2006/main" xmlns:r="http://schemas.openxmlformats.org/officeDocument/2006/relationships" xmlns:p="http://schemas.openxmlformats.org/presentationml/2006/main">
-  <p:cSld>
-    <p:spTree>
-      <p:nvGrpSpPr>
-        <p:cNvPr id="1" name=""/>
-        <p:cNvGrpSpPr/>
-        <p:nvPr/>
-      </p:nvGrpSpPr>
-      <p:grpSpPr>
-        <a:xfrm>
-          <a:off x="0" y="0"/>
-          <a:ext cx="0" cy="0"/>
-          <a:chOff x="0" y="0"/>
-          <a:chExt cx="0" cy="0"/>
-        </a:xfrm>
-      </p:grpSpPr>
-      <p:sp>
-        <p:nvSpPr>
-          <p:cNvPr id="2" name="Title 1">
-            <a:extLst>
-              <a:ext uri="{FF2B5EF4-FFF2-40B4-BE49-F238E27FC236}">
-                <a16:creationId xmlns:a16="http://schemas.microsoft.com/office/drawing/2014/main" id="{1D539331-3A99-7020-2930-E5E807415D97}"/>
-              </a:ext>
-            </a:extLst>
-          </p:cNvPr>
-          <p:cNvSpPr>
-            <a:spLocks noGrp="1"/>
-          </p:cNvSpPr>
-          <p:nvPr>
-            <p:ph type="title"/>
-          </p:nvPr>
-        </p:nvSpPr>
-        <p:spPr/>
-        <p:txBody>
-          <a:bodyPr/>
-          <a:lstStyle/>
-          <a:p>
-            <a:r>
-              <a:rPr lang="en-SG" dirty="0"/>
-              <a:t>In-Source Fragmentation (ISF)</a:t>
-            </a:r>
-          </a:p>
-        </p:txBody>
-      </p:sp>
-      <p:sp>
-        <p:nvSpPr>
-          <p:cNvPr id="3" name="Content Placeholder 2">
-            <a:extLst>
-              <a:ext uri="{FF2B5EF4-FFF2-40B4-BE49-F238E27FC236}">
-                <a16:creationId xmlns:a16="http://schemas.microsoft.com/office/drawing/2014/main" id="{C747A1DC-C547-8F52-FD20-93D7A981BAA4}"/>
-              </a:ext>
-            </a:extLst>
-          </p:cNvPr>
-          <p:cNvSpPr>
-            <a:spLocks noGrp="1"/>
-          </p:cNvSpPr>
-          <p:nvPr>
-            <p:ph idx="1"/>
-          </p:nvPr>
-        </p:nvSpPr>
-        <p:spPr>
-          <a:xfrm>
-            <a:off x="6968358" y="1825625"/>
-            <a:ext cx="4385441" cy="4351338"/>
-          </a:xfrm>
-        </p:spPr>
-        <p:txBody>
-          <a:bodyPr>
-            <a:normAutofit fontScale="70000" lnSpcReduction="20000"/>
-          </a:bodyPr>
-          <a:lstStyle/>
-          <a:p>
-            <a:r>
-              <a:rPr lang="en-US" dirty="0"/>
-              <a:t>ISF as a source of noise: </a:t>
-            </a:r>
-          </a:p>
-          <a:p>
-            <a:pPr lvl="1"/>
-            <a:r>
-              <a:rPr lang="en-US" dirty="0"/>
-              <a:t>Peaks are generated from fragments of the original molecule </a:t>
-            </a:r>
-          </a:p>
-          <a:p>
-            <a:pPr lvl="1"/>
-            <a:r>
-              <a:rPr lang="en-US" dirty="0"/>
-              <a:t>MS that we observe from experiments is a forest instead of a tree</a:t>
-            </a:r>
-          </a:p>
-          <a:p>
-            <a:r>
-              <a:rPr lang="en-US" dirty="0"/>
-              <a:t>Current method to denoise: </a:t>
-            </a:r>
-          </a:p>
-          <a:p>
-            <a:pPr lvl="1"/>
-            <a:r>
-              <a:rPr lang="en-US" dirty="0"/>
-              <a:t>Thresholding: remove peaks if the intensity falls below a certain 5% of the base peak</a:t>
-            </a:r>
-          </a:p>
-          <a:p>
-            <a:pPr lvl="1"/>
-            <a:r>
-              <a:rPr lang="en-US" dirty="0"/>
-              <a:t>Convenient but insufficient to perform proper denoising; good threshold to set often varies greatly with instrument used </a:t>
-            </a:r>
-            <a:r>
-              <a:rPr lang="en-US" dirty="0" err="1"/>
-              <a:t>etc</a:t>
-            </a:r>
-            <a:endParaRPr lang="en-US" dirty="0"/>
-          </a:p>
-          <a:p>
-            <a:r>
-              <a:rPr lang="en-US" dirty="0"/>
-              <a:t>Question:</a:t>
-            </a:r>
-          </a:p>
-          <a:p>
-            <a:pPr lvl="1"/>
-            <a:r>
-              <a:rPr lang="en-US" dirty="0"/>
-              <a:t>How can we use methods / algorithms from signal processing to denoise the MS? </a:t>
-            </a:r>
-          </a:p>
-          <a:p>
-            <a:pPr lvl="1"/>
-            <a:r>
-              <a:rPr lang="en-US" dirty="0"/>
-              <a:t>Can we perhaps recover individual trees from the MS?</a:t>
-            </a:r>
-          </a:p>
-        </p:txBody>
-      </p:sp>
-      <p:pic>
-        <p:nvPicPr>
-          <p:cNvPr id="4" name="Picture 3">
-            <a:extLst>
-              <a:ext uri="{FF2B5EF4-FFF2-40B4-BE49-F238E27FC236}">
-                <a16:creationId xmlns:a16="http://schemas.microsoft.com/office/drawing/2014/main" id="{5CED1C4E-92D0-C2B2-3A0D-71718632C213}"/>
-              </a:ext>
-            </a:extLst>
-          </p:cNvPr>
-          <p:cNvPicPr>
-            <a:picLocks noChangeAspect="1"/>
-          </p:cNvPicPr>
-          <p:nvPr/>
-        </p:nvPicPr>
-        <p:blipFill>
-          <a:blip r:embed="rId2"/>
-          <a:stretch>
-            <a:fillRect/>
-          </a:stretch>
-        </p:blipFill>
-        <p:spPr>
-          <a:xfrm>
-            <a:off x="539415" y="1570797"/>
-            <a:ext cx="6318586" cy="4713094"/>
-          </a:xfrm>
-          <a:prstGeom prst="rect">
-            <a:avLst/>
-          </a:prstGeom>
-        </p:spPr>
-      </p:pic>
-    </p:spTree>
-    <p:extLst>
-      <p:ext uri="{BB962C8B-B14F-4D97-AF65-F5344CB8AC3E}">
-        <p14:creationId xmlns:p14="http://schemas.microsoft.com/office/powerpoint/2010/main" val="3763371723"/>
-      </p:ext>
-    </p:extLst>
-  </p:cSld>
-  <p:clrMapOvr>
-    <a:masterClrMapping/>
-  </p:clrMapOvr>
-</p:sld>
-</file>
-
-<file path=ppt/slides/slide21.xml><?xml version="1.0" encoding="utf-8"?>
-<p:sld xmlns:a="http://schemas.openxmlformats.org/drawingml/2006/main" xmlns:r="http://schemas.openxmlformats.org/officeDocument/2006/relationships" xmlns:p="http://schemas.openxmlformats.org/presentationml/2006/main">
-  <p:cSld>
-    <p:spTree>
-      <p:nvGrpSpPr>
-        <p:cNvPr id="1" name=""/>
-        <p:cNvGrpSpPr/>
-        <p:nvPr/>
-      </p:nvGrpSpPr>
-      <p:grpSpPr>
-        <a:xfrm>
-          <a:off x="0" y="0"/>
-          <a:ext cx="0" cy="0"/>
-          <a:chOff x="0" y="0"/>
-          <a:chExt cx="0" cy="0"/>
-        </a:xfrm>
-      </p:grpSpPr>
-      <p:sp>
-        <p:nvSpPr>
-          <p:cNvPr id="2" name="Title 1">
-            <a:extLst>
-              <a:ext uri="{FF2B5EF4-FFF2-40B4-BE49-F238E27FC236}">
-                <a16:creationId xmlns:a16="http://schemas.microsoft.com/office/drawing/2014/main" id="{9D508AD0-1851-AE25-8F20-94133A4D845B}"/>
-              </a:ext>
-            </a:extLst>
-          </p:cNvPr>
-          <p:cNvSpPr>
-            <a:spLocks noGrp="1"/>
-          </p:cNvSpPr>
-          <p:nvPr>
-            <p:ph type="title"/>
-          </p:nvPr>
-        </p:nvSpPr>
-        <p:spPr/>
-        <p:txBody>
-          <a:bodyPr/>
-          <a:lstStyle/>
-          <a:p>
-            <a:r>
-              <a:rPr lang="en-SG" dirty="0"/>
-              <a:t>Signal Processing for Denoising</a:t>
-            </a:r>
-          </a:p>
-        </p:txBody>
-      </p:sp>
-      <p:sp>
-        <p:nvSpPr>
-          <p:cNvPr id="3" name="Content Placeholder 2">
-            <a:extLst>
-              <a:ext uri="{FF2B5EF4-FFF2-40B4-BE49-F238E27FC236}">
-                <a16:creationId xmlns:a16="http://schemas.microsoft.com/office/drawing/2014/main" id="{A28F116D-B39A-D688-27C8-6B1F4E4917A1}"/>
-              </a:ext>
-            </a:extLst>
-          </p:cNvPr>
-          <p:cNvSpPr>
-            <a:spLocks noGrp="1"/>
-          </p:cNvSpPr>
-          <p:nvPr>
-            <p:ph idx="1"/>
-          </p:nvPr>
-        </p:nvSpPr>
-        <p:spPr/>
-        <p:txBody>
-          <a:bodyPr/>
-          <a:lstStyle/>
-          <a:p>
-            <a:r>
-              <a:rPr lang="en-SG" dirty="0"/>
-              <a:t>Start with a mathematical model representing the MS </a:t>
-            </a:r>
-          </a:p>
-        </p:txBody>
-      </p:sp>
-      <mc:AlternateContent xmlns:mc="http://schemas.openxmlformats.org/markup-compatibility/2006" xmlns:a14="http://schemas.microsoft.com/office/drawing/2010/main">
-        <mc:Choice Requires="a14">
-          <p:sp>
-            <p:nvSpPr>
-              <p:cNvPr id="4" name="TextBox 3">
-                <a:extLst>
-                  <a:ext uri="{FF2B5EF4-FFF2-40B4-BE49-F238E27FC236}">
-                    <a16:creationId xmlns:a16="http://schemas.microsoft.com/office/drawing/2014/main" id="{7EB1D332-11F6-83F2-FCAD-B09A62B93EAE}"/>
-                  </a:ext>
-                </a:extLst>
-              </p:cNvPr>
-              <p:cNvSpPr txBox="1"/>
-              <p:nvPr/>
-            </p:nvSpPr>
-            <p:spPr>
-              <a:xfrm>
-                <a:off x="4533985" y="2813447"/>
-                <a:ext cx="2547620" cy="615553"/>
-              </a:xfrm>
-              <a:prstGeom prst="rect">
-                <a:avLst/>
-              </a:prstGeom>
-              <a:noFill/>
-            </p:spPr>
-            <p:txBody>
-              <a:bodyPr wrap="none" lIns="0" tIns="0" rIns="0" bIns="0" rtlCol="0">
-                <a:spAutoFit/>
-              </a:bodyPr>
-              <a:lstStyle/>
-              <a:p>
-                <a:r>
-                  <a:rPr lang="en-SG" sz="4000" dirty="0"/>
-                  <a:t>Y </a:t>
-                </a:r>
-                <a14:m>
-                  <m:oMath xmlns:m="http://schemas.openxmlformats.org/officeDocument/2006/math">
-                    <m:r>
-                      <a:rPr lang="en-SG" sz="4000" i="1" smtClean="0">
-                        <a:latin typeface="Cambria Math" panose="02040503050406030204" pitchFamily="18" charset="0"/>
-                      </a:rPr>
-                      <m:t>=</m:t>
-                    </m:r>
-                    <m:r>
-                      <a:rPr lang="en-SG" sz="4000" b="0" i="1" smtClean="0">
-                        <a:latin typeface="Cambria Math" panose="02040503050406030204" pitchFamily="18" charset="0"/>
-                      </a:rPr>
-                      <m:t>𝐴𝑥</m:t>
-                    </m:r>
-                    <m:r>
-                      <a:rPr lang="en-SG" sz="4000" b="0" i="1" smtClean="0">
-                        <a:latin typeface="Cambria Math" panose="02040503050406030204" pitchFamily="18" charset="0"/>
-                      </a:rPr>
-                      <m:t>+</m:t>
-                    </m:r>
-                    <m:r>
-                      <a:rPr lang="en-SG" sz="4000" b="0" i="1" smtClean="0">
-                        <a:latin typeface="Cambria Math" panose="02040503050406030204" pitchFamily="18" charset="0"/>
-                      </a:rPr>
-                      <m:t>𝑛</m:t>
-                    </m:r>
-                    <m:r>
-                      <a:rPr lang="en-SG" sz="4000" b="0" i="1" smtClean="0">
-                        <a:latin typeface="Cambria Math" panose="02040503050406030204" pitchFamily="18" charset="0"/>
-                      </a:rPr>
-                      <m:t> </m:t>
-                    </m:r>
-                  </m:oMath>
-                </a14:m>
-                <a:endParaRPr lang="en-SG" sz="4000" dirty="0"/>
-              </a:p>
-            </p:txBody>
-          </p:sp>
-        </mc:Choice>
-        <mc:Fallback xmlns="">
-          <p:sp>
-            <p:nvSpPr>
-              <p:cNvPr id="4" name="TextBox 3">
-                <a:extLst>
-                  <a:ext uri="{FF2B5EF4-FFF2-40B4-BE49-F238E27FC236}">
-                    <a16:creationId xmlns:a16="http://schemas.microsoft.com/office/drawing/2014/main" id="{7EB1D332-11F6-83F2-FCAD-B09A62B93EAE}"/>
-                  </a:ext>
-                </a:extLst>
-              </p:cNvPr>
-              <p:cNvSpPr txBox="1">
-                <a:spLocks noRot="1" noChangeAspect="1" noMove="1" noResize="1" noEditPoints="1" noAdjustHandles="1" noChangeArrowheads="1" noChangeShapeType="1" noTextEdit="1"/>
-              </p:cNvSpPr>
-              <p:nvPr/>
-            </p:nvSpPr>
-            <p:spPr>
-              <a:xfrm>
-                <a:off x="4533985" y="2813447"/>
-                <a:ext cx="2547620" cy="615553"/>
-              </a:xfrm>
-              <a:prstGeom prst="rect">
-                <a:avLst/>
-              </a:prstGeom>
-              <a:blipFill>
-                <a:blip r:embed="rId2"/>
-                <a:stretch>
-                  <a:fillRect l="-12201" t="-25743" b="-48515"/>
-                </a:stretch>
-              </a:blipFill>
-            </p:spPr>
-            <p:txBody>
-              <a:bodyPr/>
-              <a:lstStyle/>
-              <a:p>
-                <a:r>
-                  <a:rPr lang="en-SG">
-                    <a:noFill/>
-                  </a:rPr>
-                  <a:t> </a:t>
-                </a:r>
-              </a:p>
-            </p:txBody>
-          </p:sp>
-        </mc:Fallback>
-      </mc:AlternateContent>
-      <p:sp>
-        <p:nvSpPr>
-          <p:cNvPr id="5" name="TextBox 4">
-            <a:extLst>
-              <a:ext uri="{FF2B5EF4-FFF2-40B4-BE49-F238E27FC236}">
-                <a16:creationId xmlns:a16="http://schemas.microsoft.com/office/drawing/2014/main" id="{07FCCBE9-1115-68F3-AD25-9A50009E9E75}"/>
-              </a:ext>
-            </a:extLst>
-          </p:cNvPr>
-          <p:cNvSpPr txBox="1"/>
-          <p:nvPr/>
-        </p:nvSpPr>
-        <p:spPr>
-          <a:xfrm>
-            <a:off x="1772307" y="4199804"/>
-            <a:ext cx="9358148" cy="1569660"/>
-          </a:xfrm>
-          <a:prstGeom prst="rect">
-            <a:avLst/>
-          </a:prstGeom>
-          <a:noFill/>
-        </p:spPr>
-        <p:txBody>
-          <a:bodyPr wrap="square" rtlCol="0">
-            <a:spAutoFit/>
-          </a:bodyPr>
-          <a:lstStyle/>
-          <a:p>
-            <a:r>
-              <a:rPr lang="en-SG" sz="2400" dirty="0"/>
-              <a:t>Y: a vector of intensity for a list of masses for </a:t>
-            </a:r>
-            <a:r>
-              <a:rPr lang="en-SG" sz="2400" b="1" i="1" dirty="0"/>
-              <a:t>theoretically</a:t>
-            </a:r>
-            <a:r>
-              <a:rPr lang="en-SG" sz="2400" dirty="0"/>
-              <a:t> possible fragments</a:t>
-            </a:r>
-          </a:p>
-          <a:p>
-            <a:r>
-              <a:rPr lang="en-SG" sz="2400" dirty="0"/>
-              <a:t>x: a binary vector for </a:t>
-            </a:r>
-            <a:r>
-              <a:rPr lang="en-SG" sz="2400" b="1" i="1" dirty="0"/>
-              <a:t> chemically*</a:t>
-            </a:r>
-            <a:r>
-              <a:rPr lang="en-SG" sz="2400" dirty="0"/>
-              <a:t> possible fragments</a:t>
-            </a:r>
-          </a:p>
-          <a:p>
-            <a:r>
-              <a:rPr lang="en-SG" sz="2400" dirty="0"/>
-              <a:t>n: noise</a:t>
-            </a:r>
-          </a:p>
-        </p:txBody>
-      </p:sp>
-      <p:sp>
-        <p:nvSpPr>
-          <p:cNvPr id="6" name="TextBox 5">
-            <a:extLst>
-              <a:ext uri="{FF2B5EF4-FFF2-40B4-BE49-F238E27FC236}">
-                <a16:creationId xmlns:a16="http://schemas.microsoft.com/office/drawing/2014/main" id="{171B7409-4EB1-39D4-6944-CB57F08BED65}"/>
-              </a:ext>
-            </a:extLst>
-          </p:cNvPr>
-          <p:cNvSpPr txBox="1"/>
-          <p:nvPr/>
-        </p:nvSpPr>
-        <p:spPr>
-          <a:xfrm>
-            <a:off x="838199" y="6127234"/>
-            <a:ext cx="10662745" cy="369332"/>
-          </a:xfrm>
-          <a:prstGeom prst="rect">
-            <a:avLst/>
-          </a:prstGeom>
-          <a:noFill/>
-        </p:spPr>
-        <p:txBody>
-          <a:bodyPr wrap="square" rtlCol="0">
-            <a:spAutoFit/>
-          </a:bodyPr>
-          <a:lstStyle/>
-          <a:p>
-            <a:r>
-              <a:rPr lang="en-SG" dirty="0"/>
-              <a:t>* We can use molecular dynamics / quantum chemistry theories to obtain chemically possible fragments</a:t>
-            </a:r>
-          </a:p>
-        </p:txBody>
-      </p:sp>
-    </p:spTree>
-    <p:extLst>
-      <p:ext uri="{BB962C8B-B14F-4D97-AF65-F5344CB8AC3E}">
-        <p14:creationId xmlns:p14="http://schemas.microsoft.com/office/powerpoint/2010/main" val="778190718"/>
-      </p:ext>
-    </p:extLst>
-  </p:cSld>
-  <p:clrMapOvr>
-    <a:masterClrMapping/>
-  </p:clrMapOvr>
-</p:sld>
-</file>
-
-<file path=ppt/slides/slide22.xml><?xml version="1.0" encoding="utf-8"?>
-<p:sld xmlns:a="http://schemas.openxmlformats.org/drawingml/2006/main" xmlns:r="http://schemas.openxmlformats.org/officeDocument/2006/relationships" xmlns:p="http://schemas.openxmlformats.org/presentationml/2006/main">
-  <p:cSld>
-    <p:spTree>
-      <p:nvGrpSpPr>
-        <p:cNvPr id="1" name=""/>
-        <p:cNvGrpSpPr/>
-        <p:nvPr/>
-      </p:nvGrpSpPr>
-      <p:grpSpPr>
-        <a:xfrm>
-          <a:off x="0" y="0"/>
-          <a:ext cx="0" cy="0"/>
-          <a:chOff x="0" y="0"/>
-          <a:chExt cx="0" cy="0"/>
-        </a:xfrm>
-      </p:grpSpPr>
-      <p:sp>
-        <p:nvSpPr>
-          <p:cNvPr id="2" name="Title 1">
-            <a:extLst>
-              <a:ext uri="{FF2B5EF4-FFF2-40B4-BE49-F238E27FC236}">
-                <a16:creationId xmlns:a16="http://schemas.microsoft.com/office/drawing/2014/main" id="{9D508AD0-1851-AE25-8F20-94133A4D845B}"/>
-              </a:ext>
-            </a:extLst>
-          </p:cNvPr>
-          <p:cNvSpPr>
-            <a:spLocks noGrp="1"/>
-          </p:cNvSpPr>
-          <p:nvPr>
-            <p:ph type="title"/>
-          </p:nvPr>
-        </p:nvSpPr>
-        <p:spPr/>
-        <p:txBody>
-          <a:bodyPr/>
-          <a:lstStyle/>
-          <a:p>
-            <a:r>
-              <a:rPr lang="en-SG" dirty="0"/>
-              <a:t>Signal Processing for Denoising</a:t>
-            </a:r>
-          </a:p>
-        </p:txBody>
-      </p:sp>
-      <p:sp>
-        <p:nvSpPr>
-          <p:cNvPr id="3" name="Content Placeholder 2">
-            <a:extLst>
-              <a:ext uri="{FF2B5EF4-FFF2-40B4-BE49-F238E27FC236}">
-                <a16:creationId xmlns:a16="http://schemas.microsoft.com/office/drawing/2014/main" id="{A28F116D-B39A-D688-27C8-6B1F4E4917A1}"/>
-              </a:ext>
-            </a:extLst>
-          </p:cNvPr>
-          <p:cNvSpPr>
-            <a:spLocks noGrp="1"/>
-          </p:cNvSpPr>
-          <p:nvPr>
-            <p:ph idx="1"/>
-          </p:nvPr>
-        </p:nvSpPr>
-        <p:spPr/>
-        <p:txBody>
-          <a:bodyPr/>
-          <a:lstStyle/>
-          <a:p>
-            <a:r>
-              <a:rPr lang="en-SG" dirty="0"/>
-              <a:t>Modelling relationships between the fragments</a:t>
-            </a:r>
-          </a:p>
-          <a:p>
-            <a:pPr lvl="1"/>
-            <a:r>
-              <a:rPr lang="en-SG" b="1" dirty="0"/>
-              <a:t>Sparse: </a:t>
-            </a:r>
-            <a:r>
-              <a:rPr lang="en-SG" dirty="0"/>
-              <a:t>there is a difference between </a:t>
-            </a:r>
-            <a:r>
-              <a:rPr lang="en-SG" b="1" i="1" dirty="0"/>
-              <a:t>theoretically possible </a:t>
-            </a:r>
-            <a:r>
-              <a:rPr lang="en-SG" dirty="0"/>
-              <a:t>and </a:t>
-            </a:r>
-            <a:r>
-              <a:rPr lang="en-SG" b="1" i="1" dirty="0"/>
-              <a:t>chemically possible </a:t>
-            </a:r>
-            <a:r>
-              <a:rPr lang="en-SG" dirty="0"/>
-              <a:t>fragments</a:t>
-            </a:r>
-          </a:p>
-          <a:p>
-            <a:pPr lvl="2"/>
-            <a:r>
-              <a:rPr lang="en-SG" dirty="0"/>
-              <a:t>Some fragments are unstable and would bond with other fragments to form a stable compound </a:t>
-            </a:r>
-          </a:p>
-          <a:p>
-            <a:pPr lvl="2"/>
-            <a:r>
-              <a:rPr lang="en-SG" dirty="0"/>
-              <a:t>Requires energy above bond dissociation energy for the bond to break </a:t>
-            </a:r>
-          </a:p>
-          <a:p>
-            <a:pPr lvl="1"/>
-            <a:r>
-              <a:rPr lang="en-SG" b="1" dirty="0"/>
-              <a:t>Graph structure:</a:t>
-            </a:r>
-          </a:p>
-          <a:p>
-            <a:pPr lvl="2"/>
-            <a:r>
-              <a:rPr lang="en-SG" dirty="0"/>
-              <a:t>Assumptions of fragmentation that occurs; tree structure? Subsets of formula?</a:t>
-            </a:r>
-          </a:p>
-          <a:p>
-            <a:pPr lvl="1"/>
-            <a:endParaRPr lang="en-SG" b="1" dirty="0"/>
-          </a:p>
-          <a:p>
-            <a:pPr lvl="2"/>
-            <a:endParaRPr lang="en-SG" dirty="0"/>
-          </a:p>
-          <a:p>
-            <a:pPr lvl="1"/>
-            <a:endParaRPr lang="en-SG" dirty="0"/>
-          </a:p>
-        </p:txBody>
-      </p:sp>
-    </p:spTree>
-    <p:extLst>
-      <p:ext uri="{BB962C8B-B14F-4D97-AF65-F5344CB8AC3E}">
-        <p14:creationId xmlns:p14="http://schemas.microsoft.com/office/powerpoint/2010/main" val="3008229014"/>
-      </p:ext>
-    </p:extLst>
-  </p:cSld>
-  <p:clrMapOvr>
-    <a:masterClrMapping/>
-  </p:clrMapOvr>
-</p:sld>
-</file>
-
-<file path=ppt/slides/slide3.xml><?xml version="1.0" encoding="utf-8"?>
-<p:sld xmlns:a="http://schemas.openxmlformats.org/drawingml/2006/main" xmlns:r="http://schemas.openxmlformats.org/officeDocument/2006/relationships" xmlns:p="http://schemas.openxmlformats.org/presentationml/2006/main">
-  <p:cSld>
-    <p:spTree>
-      <p:nvGrpSpPr>
-        <p:cNvPr id="1" name=""/>
-        <p:cNvGrpSpPr/>
-        <p:nvPr/>
-      </p:nvGrpSpPr>
-      <p:grpSpPr>
-        <a:xfrm>
-          <a:off x="0" y="0"/>
-          <a:ext cx="0" cy="0"/>
-          <a:chOff x="0" y="0"/>
-          <a:chExt cx="0" cy="0"/>
-        </a:xfrm>
-      </p:grpSpPr>
-      <p:sp>
-        <p:nvSpPr>
-          <p:cNvPr id="2" name="Title 1">
-            <a:extLst>
-              <a:ext uri="{FF2B5EF4-FFF2-40B4-BE49-F238E27FC236}">
-                <a16:creationId xmlns:a16="http://schemas.microsoft.com/office/drawing/2014/main" id="{3A04D974-D378-BC91-1E3C-4C0097F69F75}"/>
-              </a:ext>
-            </a:extLst>
-          </p:cNvPr>
-          <p:cNvSpPr>
-            <a:spLocks noGrp="1"/>
-          </p:cNvSpPr>
-          <p:nvPr>
-            <p:ph type="title"/>
-          </p:nvPr>
-        </p:nvSpPr>
-        <p:spPr/>
-        <p:txBody>
-          <a:bodyPr/>
-          <a:lstStyle/>
-          <a:p>
-            <a:r>
-              <a:rPr lang="en-SG" dirty="0"/>
-              <a:t>Current Workflow for ML Methods for MS</a:t>
-            </a:r>
-          </a:p>
-        </p:txBody>
-      </p:sp>
-      <p:pic>
-        <p:nvPicPr>
-          <p:cNvPr id="5" name="Picture 4">
-            <a:extLst>
-              <a:ext uri="{FF2B5EF4-FFF2-40B4-BE49-F238E27FC236}">
-                <a16:creationId xmlns:a16="http://schemas.microsoft.com/office/drawing/2014/main" id="{1730DCD4-C197-B01A-0C34-F9A990D0338D}"/>
-              </a:ext>
-            </a:extLst>
-          </p:cNvPr>
-          <p:cNvPicPr>
-            <a:picLocks noChangeAspect="1"/>
-          </p:cNvPicPr>
-          <p:nvPr/>
-        </p:nvPicPr>
-        <p:blipFill>
-          <a:blip r:embed="rId2"/>
-          <a:stretch>
-            <a:fillRect/>
-          </a:stretch>
-        </p:blipFill>
-        <p:spPr>
-          <a:xfrm>
-            <a:off x="1853379" y="1570547"/>
-            <a:ext cx="8260200" cy="4581701"/>
-          </a:xfrm>
-          <a:prstGeom prst="rect">
-            <a:avLst/>
-          </a:prstGeom>
-        </p:spPr>
-      </p:pic>
-    </p:spTree>
-    <p:extLst>
-      <p:ext uri="{BB962C8B-B14F-4D97-AF65-F5344CB8AC3E}">
-        <p14:creationId xmlns:p14="http://schemas.microsoft.com/office/powerpoint/2010/main" val="1714952707"/>
-      </p:ext>
-    </p:extLst>
-  </p:cSld>
-  <p:clrMapOvr>
-    <a:masterClrMapping/>
-  </p:clrMapOvr>
-</p:sld>
-</file>
-
-<file path=ppt/slides/slide4.xml><?xml version="1.0" encoding="utf-8"?>
-<p:sld xmlns:a="http://schemas.openxmlformats.org/drawingml/2006/main" xmlns:r="http://schemas.openxmlformats.org/officeDocument/2006/relationships" xmlns:p="http://schemas.openxmlformats.org/presentationml/2006/main">
-  <p:cSld>
-    <p:spTree>
-      <p:nvGrpSpPr>
-        <p:cNvPr id="1" name=""/>
-        <p:cNvGrpSpPr/>
-        <p:nvPr/>
-      </p:nvGrpSpPr>
-      <p:grpSpPr>
-        <a:xfrm>
-          <a:off x="0" y="0"/>
-          <a:ext cx="0" cy="0"/>
-          <a:chOff x="0" y="0"/>
-          <a:chExt cx="0" cy="0"/>
-        </a:xfrm>
-      </p:grpSpPr>
-      <p:sp>
-        <p:nvSpPr>
-          <p:cNvPr id="2" name="Title 1">
-            <a:extLst>
-              <a:ext uri="{FF2B5EF4-FFF2-40B4-BE49-F238E27FC236}">
-                <a16:creationId xmlns:a16="http://schemas.microsoft.com/office/drawing/2014/main" id="{B8E36110-3D41-5F66-56DB-008641CBD8C9}"/>
-              </a:ext>
-            </a:extLst>
-          </p:cNvPr>
-          <p:cNvSpPr>
-            <a:spLocks noGrp="1"/>
-          </p:cNvSpPr>
-          <p:nvPr>
-            <p:ph type="title"/>
-          </p:nvPr>
-        </p:nvSpPr>
-        <p:spPr/>
-        <p:txBody>
-          <a:bodyPr/>
-          <a:lstStyle/>
-          <a:p>
-            <a:r>
-              <a:rPr lang="en-SG" dirty="0"/>
-              <a:t>Paper Motivation</a:t>
-            </a:r>
-          </a:p>
-        </p:txBody>
-      </p:sp>
-      <p:sp>
-        <p:nvSpPr>
-          <p:cNvPr id="3" name="Content Placeholder 2">
-            <a:extLst>
-              <a:ext uri="{FF2B5EF4-FFF2-40B4-BE49-F238E27FC236}">
-                <a16:creationId xmlns:a16="http://schemas.microsoft.com/office/drawing/2014/main" id="{24125402-75BE-135B-B64B-0CA1F4ABCC49}"/>
-              </a:ext>
-            </a:extLst>
-          </p:cNvPr>
-          <p:cNvSpPr>
-            <a:spLocks noGrp="1"/>
-          </p:cNvSpPr>
-          <p:nvPr>
-            <p:ph idx="1"/>
-          </p:nvPr>
-        </p:nvSpPr>
-        <p:spPr/>
-        <p:txBody>
-          <a:bodyPr>
-            <a:normAutofit fontScale="92500" lnSpcReduction="20000"/>
-          </a:bodyPr>
-          <a:lstStyle/>
-          <a:p>
-            <a:r>
-              <a:rPr lang="en-SG" dirty="0"/>
-              <a:t>This paper first explores some of the limitations of ML for MS that were pointed by previous papers</a:t>
-            </a:r>
-          </a:p>
-          <a:p>
-            <a:r>
-              <a:rPr lang="en-SG" dirty="0"/>
-              <a:t>This paper then explores some other important questions: </a:t>
-            </a:r>
-          </a:p>
-          <a:p>
-            <a:pPr lvl="1"/>
-            <a:r>
-              <a:rPr lang="en-SG" b="1" dirty="0"/>
-              <a:t>Is there an issue with the current workflow: the current workflow of ML to modelling MS is one of the following:</a:t>
-            </a:r>
-          </a:p>
-          <a:p>
-            <a:pPr lvl="2"/>
-            <a:r>
-              <a:rPr lang="en-SG" dirty="0"/>
-              <a:t>First learn an embedding for the MS and molecule and match them OR </a:t>
-            </a:r>
-          </a:p>
-          <a:p>
-            <a:pPr lvl="2"/>
-            <a:r>
-              <a:rPr lang="en-SG" dirty="0"/>
-              <a:t>First learn to predict the molecular FP to represent the molecule then match against DB</a:t>
-            </a:r>
-          </a:p>
-          <a:p>
-            <a:pPr lvl="2"/>
-            <a:r>
-              <a:rPr lang="en-SG" dirty="0"/>
-              <a:t>Directly generate the molecule from the MS </a:t>
-            </a:r>
-          </a:p>
-          <a:p>
-            <a:pPr lvl="1"/>
-            <a:r>
-              <a:rPr lang="en-SG" b="1" dirty="0"/>
-              <a:t>Modelling choice: is the ability to perform partial annotation helpful for elucidation?</a:t>
-            </a:r>
-          </a:p>
-          <a:p>
-            <a:pPr lvl="1"/>
-            <a:r>
-              <a:rPr lang="en-SG" b="1" dirty="0"/>
-              <a:t>What causes generalization gap? Are we able to transfer across different chemical ontology? </a:t>
-            </a:r>
-          </a:p>
-          <a:p>
-            <a:pPr lvl="1"/>
-            <a:r>
-              <a:rPr lang="en-SG" b="1" dirty="0"/>
-              <a:t>Is the lack of data the key reason for poor performance? Can synthetic data be used for this case? </a:t>
-            </a:r>
-          </a:p>
-          <a:p>
-            <a:pPr lvl="1"/>
-            <a:r>
-              <a:rPr lang="en-SG" b="1" dirty="0"/>
-              <a:t>Is noise the reason for poor performance?</a:t>
-            </a:r>
-          </a:p>
-        </p:txBody>
-      </p:sp>
-    </p:spTree>
-    <p:extLst>
-      <p:ext uri="{BB962C8B-B14F-4D97-AF65-F5344CB8AC3E}">
-        <p14:creationId xmlns:p14="http://schemas.microsoft.com/office/powerpoint/2010/main" val="1395867131"/>
-      </p:ext>
-    </p:extLst>
-  </p:cSld>
-  <p:clrMapOvr>
-    <a:masterClrMapping/>
-  </p:clrMapOvr>
-</p:sld>
-</file>
-
-<file path=ppt/slides/slide5.xml><?xml version="1.0" encoding="utf-8"?>
-<p:sld xmlns:a="http://schemas.openxmlformats.org/drawingml/2006/main" xmlns:r="http://schemas.openxmlformats.org/officeDocument/2006/relationships" xmlns:p="http://schemas.openxmlformats.org/presentationml/2006/main">
-  <p:cSld>
-    <p:spTree>
-      <p:nvGrpSpPr>
-        <p:cNvPr id="1" name=""/>
-        <p:cNvGrpSpPr/>
-        <p:nvPr/>
-      </p:nvGrpSpPr>
-      <p:grpSpPr>
-        <a:xfrm>
-          <a:off x="0" y="0"/>
-          <a:ext cx="0" cy="0"/>
-          <a:chOff x="0" y="0"/>
-          <a:chExt cx="0" cy="0"/>
-        </a:xfrm>
-      </p:grpSpPr>
-      <p:sp>
-        <p:nvSpPr>
-          <p:cNvPr id="2" name="Title 1">
-            <a:extLst>
-              <a:ext uri="{FF2B5EF4-FFF2-40B4-BE49-F238E27FC236}">
                 <a16:creationId xmlns:a16="http://schemas.microsoft.com/office/drawing/2014/main" id="{47FE1FAA-EB8F-6CA5-728B-D85086D5DEA1}"/>
               </a:ext>
             </a:extLst>
@@ -6005,147 +3888,7 @@
 </p:sld>
 </file>
 
-<file path=ppt/slides/slide6.xml><?xml version="1.0" encoding="utf-8"?>
-<p:sld xmlns:a="http://schemas.openxmlformats.org/drawingml/2006/main" xmlns:r="http://schemas.openxmlformats.org/officeDocument/2006/relationships" xmlns:p="http://schemas.openxmlformats.org/presentationml/2006/main">
-  <p:cSld>
-    <p:spTree>
-      <p:nvGrpSpPr>
-        <p:cNvPr id="1" name=""/>
-        <p:cNvGrpSpPr/>
-        <p:nvPr/>
-      </p:nvGrpSpPr>
-      <p:grpSpPr>
-        <a:xfrm>
-          <a:off x="0" y="0"/>
-          <a:ext cx="0" cy="0"/>
-          <a:chOff x="0" y="0"/>
-          <a:chExt cx="0" cy="0"/>
-        </a:xfrm>
-      </p:grpSpPr>
-      <p:sp>
-        <p:nvSpPr>
-          <p:cNvPr id="2" name="Title 1">
-            <a:extLst>
-              <a:ext uri="{FF2B5EF4-FFF2-40B4-BE49-F238E27FC236}">
-                <a16:creationId xmlns:a16="http://schemas.microsoft.com/office/drawing/2014/main" id="{0D579F22-E773-694A-132A-1F1959BE49DE}"/>
-              </a:ext>
-            </a:extLst>
-          </p:cNvPr>
-          <p:cNvSpPr>
-            <a:spLocks noGrp="1"/>
-          </p:cNvSpPr>
-          <p:nvPr>
-            <p:ph type="title"/>
-          </p:nvPr>
-        </p:nvSpPr>
-        <p:spPr/>
-        <p:txBody>
-          <a:bodyPr/>
-          <a:lstStyle/>
-          <a:p>
-            <a:r>
-              <a:rPr lang="en-SG" dirty="0"/>
-              <a:t>Research Questions</a:t>
-            </a:r>
-          </a:p>
-        </p:txBody>
-      </p:sp>
-      <p:sp>
-        <p:nvSpPr>
-          <p:cNvPr id="3" name="Content Placeholder 2">
-            <a:extLst>
-              <a:ext uri="{FF2B5EF4-FFF2-40B4-BE49-F238E27FC236}">
-                <a16:creationId xmlns:a16="http://schemas.microsoft.com/office/drawing/2014/main" id="{F04624E1-CC66-F7AB-2986-3A9BB15C0288}"/>
-              </a:ext>
-            </a:extLst>
-          </p:cNvPr>
-          <p:cNvSpPr>
-            <a:spLocks noGrp="1"/>
-          </p:cNvSpPr>
-          <p:nvPr>
-            <p:ph idx="1"/>
-          </p:nvPr>
-        </p:nvSpPr>
-        <p:spPr/>
-        <p:txBody>
-          <a:bodyPr>
-            <a:normAutofit lnSpcReduction="10000"/>
-          </a:bodyPr>
-          <a:lstStyle/>
-          <a:p>
-            <a:r>
-              <a:rPr lang="en-SG" b="1" dirty="0"/>
-              <a:t>Claim: </a:t>
-            </a:r>
-            <a:r>
-              <a:rPr lang="en-SG" dirty="0"/>
-              <a:t>Limited reference MS/MS is a key problem with the lack of ability to elucidate MS</a:t>
-            </a:r>
-          </a:p>
-          <a:p>
-            <a:pPr lvl="1"/>
-            <a:r>
-              <a:rPr lang="en-SG" dirty="0"/>
-              <a:t>Different experiment platforms can lead to different fragmentation patterns, leading to difficulty in matching MS </a:t>
-            </a:r>
-          </a:p>
-          <a:p>
-            <a:pPr lvl="1"/>
-            <a:r>
-              <a:rPr lang="en-SG" dirty="0"/>
-              <a:t>There is a strong dataset bias towards [M+H]+ or [M-H]- ions leading to 95% of unidentified spectra </a:t>
-            </a:r>
-          </a:p>
-          <a:p>
-            <a:r>
-              <a:rPr lang="en-SG" b="1" dirty="0"/>
-              <a:t>Research Question: </a:t>
-            </a:r>
-          </a:p>
-          <a:p>
-            <a:pPr lvl="1"/>
-            <a:r>
-              <a:rPr lang="en-SG" dirty="0"/>
-              <a:t>How many percent of mismatched MS is due to limited reference MS/MS?</a:t>
-            </a:r>
-          </a:p>
-          <a:p>
-            <a:pPr lvl="1"/>
-            <a:r>
-              <a:rPr lang="en-SG" dirty="0"/>
-              <a:t>How many percent of MS can still be matched even when the platforms are different? </a:t>
-            </a:r>
-          </a:p>
-          <a:p>
-            <a:pPr lvl="1"/>
-            <a:r>
-              <a:rPr lang="en-SG" dirty="0"/>
-              <a:t>Can learnt embeddings (spec2vec) alleviate this problem?</a:t>
-            </a:r>
-          </a:p>
-          <a:p>
-            <a:pPr lvl="1"/>
-            <a:r>
-              <a:rPr lang="en-SG" dirty="0"/>
-              <a:t>How else can we alleviate this problem? </a:t>
-            </a:r>
-          </a:p>
-        </p:txBody>
-      </p:sp>
-    </p:spTree>
-    <p:extLst>
-      <p:ext uri="{BB962C8B-B14F-4D97-AF65-F5344CB8AC3E}">
-        <p14:creationId xmlns:p14="http://schemas.microsoft.com/office/powerpoint/2010/main" val="2975210880"/>
-      </p:ext>
-    </p:extLst>
-  </p:cSld>
-  <p:clrMapOvr>
-    <a:masterClrMapping/>
-  </p:clrMapOvr>
-</p:sld>
-</file>
-
-<file path=ppt/slides/slide7.xml><?xml version="1.0" encoding="utf-8"?>
+<file path=ppt/slides/slide11.xml><?xml version="1.0" encoding="utf-8"?>
 <p:sld xmlns:a="http://schemas.openxmlformats.org/drawingml/2006/main" xmlns:r="http://schemas.openxmlformats.org/officeDocument/2006/relationships" xmlns:p="http://schemas.openxmlformats.org/presentationml/2006/main">
   <p:cSld>
     <p:spTree>
@@ -6559,6 +4302,2842 @@
 </p:sld>
 </file>
 
+<file path=ppt/slides/slide12.xml><?xml version="1.0" encoding="utf-8"?>
+<p:sld xmlns:a="http://schemas.openxmlformats.org/drawingml/2006/main" xmlns:r="http://schemas.openxmlformats.org/officeDocument/2006/relationships" xmlns:p="http://schemas.openxmlformats.org/presentationml/2006/main">
+  <p:cSld>
+    <p:spTree>
+      <p:nvGrpSpPr>
+        <p:cNvPr id="1" name=""/>
+        <p:cNvGrpSpPr/>
+        <p:nvPr/>
+      </p:nvGrpSpPr>
+      <p:grpSpPr>
+        <a:xfrm>
+          <a:off x="0" y="0"/>
+          <a:ext cx="0" cy="0"/>
+          <a:chOff x="0" y="0"/>
+          <a:chExt cx="0" cy="0"/>
+        </a:xfrm>
+      </p:grpSpPr>
+      <p:sp>
+        <p:nvSpPr>
+          <p:cNvPr id="2" name="Title 1">
+            <a:extLst>
+              <a:ext uri="{FF2B5EF4-FFF2-40B4-BE49-F238E27FC236}">
+                <a16:creationId xmlns:a16="http://schemas.microsoft.com/office/drawing/2014/main" id="{0D579F22-E773-694A-132A-1F1959BE49DE}"/>
+              </a:ext>
+            </a:extLst>
+          </p:cNvPr>
+          <p:cNvSpPr>
+            <a:spLocks noGrp="1"/>
+          </p:cNvSpPr>
+          <p:nvPr>
+            <p:ph type="title"/>
+          </p:nvPr>
+        </p:nvSpPr>
+        <p:spPr/>
+        <p:txBody>
+          <a:bodyPr/>
+          <a:lstStyle/>
+          <a:p>
+            <a:r>
+              <a:rPr lang="en-SG" dirty="0"/>
+              <a:t>Research Questions</a:t>
+            </a:r>
+          </a:p>
+        </p:txBody>
+      </p:sp>
+      <p:sp>
+        <p:nvSpPr>
+          <p:cNvPr id="3" name="Content Placeholder 2">
+            <a:extLst>
+              <a:ext uri="{FF2B5EF4-FFF2-40B4-BE49-F238E27FC236}">
+                <a16:creationId xmlns:a16="http://schemas.microsoft.com/office/drawing/2014/main" id="{F04624E1-CC66-F7AB-2986-3A9BB15C0288}"/>
+              </a:ext>
+            </a:extLst>
+          </p:cNvPr>
+          <p:cNvSpPr>
+            <a:spLocks noGrp="1"/>
+          </p:cNvSpPr>
+          <p:nvPr>
+            <p:ph idx="1"/>
+          </p:nvPr>
+        </p:nvSpPr>
+        <p:spPr/>
+        <p:txBody>
+          <a:bodyPr>
+            <a:normAutofit fontScale="92500"/>
+          </a:bodyPr>
+          <a:lstStyle/>
+          <a:p>
+            <a:r>
+              <a:rPr lang="en-SG" b="1" dirty="0"/>
+              <a:t>Claim: </a:t>
+            </a:r>
+            <a:r>
+              <a:rPr lang="en-US" dirty="0"/>
+              <a:t>Difficulty in resolving molecules with higher molecular masses </a:t>
+            </a:r>
+          </a:p>
+          <a:p>
+            <a:pPr lvl="1"/>
+            <a:r>
+              <a:rPr lang="en-SG" dirty="0"/>
+              <a:t>Parent masses of the MS/MS spectra in the GPNS library show a clear bias towards lower masses; This might explain why around 14,000 MS/MS spectra in GNPS do not have a fully resolved structure </a:t>
+            </a:r>
+            <a:endParaRPr lang="en-US" dirty="0"/>
+          </a:p>
+          <a:p>
+            <a:pPr lvl="1"/>
+            <a:r>
+              <a:rPr lang="en-SG" dirty="0"/>
+              <a:t>Canopus were restricted to spectra below 860Da and Spec2vec only works well for spectra below 600Da</a:t>
+            </a:r>
+            <a:endParaRPr lang="en-US" dirty="0"/>
+          </a:p>
+          <a:p>
+            <a:r>
+              <a:rPr lang="en-SG" b="1" dirty="0"/>
+              <a:t>Research Question:</a:t>
+            </a:r>
+          </a:p>
+          <a:p>
+            <a:pPr lvl="1"/>
+            <a:r>
+              <a:rPr lang="en-SG" dirty="0"/>
+              <a:t>What is causing the difficulty in resolving molecules with higher molecular messes?</a:t>
+            </a:r>
+          </a:p>
+          <a:p>
+            <a:pPr lvl="2"/>
+            <a:r>
+              <a:rPr lang="en-SG" dirty="0"/>
+              <a:t>Is it purely due to the lack of data?</a:t>
+            </a:r>
+          </a:p>
+          <a:p>
+            <a:pPr lvl="1"/>
+            <a:r>
+              <a:rPr lang="en-SG" dirty="0"/>
+              <a:t>Can this be due to more noise in the MS rather than not having sufficient data?</a:t>
+            </a:r>
+          </a:p>
+        </p:txBody>
+      </p:sp>
+    </p:spTree>
+    <p:extLst>
+      <p:ext uri="{BB962C8B-B14F-4D97-AF65-F5344CB8AC3E}">
+        <p14:creationId xmlns:p14="http://schemas.microsoft.com/office/powerpoint/2010/main" val="1738160856"/>
+      </p:ext>
+    </p:extLst>
+  </p:cSld>
+  <p:clrMapOvr>
+    <a:masterClrMapping/>
+  </p:clrMapOvr>
+</p:sld>
+</file>
+
+<file path=ppt/slides/slide13.xml><?xml version="1.0" encoding="utf-8"?>
+<p:sld xmlns:a="http://schemas.openxmlformats.org/drawingml/2006/main" xmlns:r="http://schemas.openxmlformats.org/officeDocument/2006/relationships" xmlns:p="http://schemas.openxmlformats.org/presentationml/2006/main">
+  <p:cSld>
+    <p:spTree>
+      <p:nvGrpSpPr>
+        <p:cNvPr id="1" name=""/>
+        <p:cNvGrpSpPr/>
+        <p:nvPr/>
+      </p:nvGrpSpPr>
+      <p:grpSpPr>
+        <a:xfrm>
+          <a:off x="0" y="0"/>
+          <a:ext cx="0" cy="0"/>
+          <a:chOff x="0" y="0"/>
+          <a:chExt cx="0" cy="0"/>
+        </a:xfrm>
+      </p:grpSpPr>
+      <p:sp>
+        <p:nvSpPr>
+          <p:cNvPr id="2" name="Title 1">
+            <a:extLst>
+              <a:ext uri="{FF2B5EF4-FFF2-40B4-BE49-F238E27FC236}">
+                <a16:creationId xmlns:a16="http://schemas.microsoft.com/office/drawing/2014/main" id="{0D579F22-E773-694A-132A-1F1959BE49DE}"/>
+              </a:ext>
+            </a:extLst>
+          </p:cNvPr>
+          <p:cNvSpPr>
+            <a:spLocks noGrp="1"/>
+          </p:cNvSpPr>
+          <p:nvPr>
+            <p:ph type="title"/>
+          </p:nvPr>
+        </p:nvSpPr>
+        <p:spPr/>
+        <p:txBody>
+          <a:bodyPr/>
+          <a:lstStyle/>
+          <a:p>
+            <a:r>
+              <a:rPr lang="en-SG" dirty="0"/>
+              <a:t>Research Questions</a:t>
+            </a:r>
+          </a:p>
+        </p:txBody>
+      </p:sp>
+      <p:sp>
+        <p:nvSpPr>
+          <p:cNvPr id="3" name="Content Placeholder 2">
+            <a:extLst>
+              <a:ext uri="{FF2B5EF4-FFF2-40B4-BE49-F238E27FC236}">
+                <a16:creationId xmlns:a16="http://schemas.microsoft.com/office/drawing/2014/main" id="{F04624E1-CC66-F7AB-2986-3A9BB15C0288}"/>
+              </a:ext>
+            </a:extLst>
+          </p:cNvPr>
+          <p:cNvSpPr>
+            <a:spLocks noGrp="1"/>
+          </p:cNvSpPr>
+          <p:nvPr>
+            <p:ph idx="1"/>
+          </p:nvPr>
+        </p:nvSpPr>
+        <p:spPr/>
+        <p:txBody>
+          <a:bodyPr/>
+          <a:lstStyle/>
+          <a:p>
+            <a:pPr marL="0" indent="0">
+              <a:buNone/>
+            </a:pPr>
+            <a:r>
+              <a:rPr lang="en-SG" b="1" dirty="0"/>
+              <a:t>Claim: </a:t>
+            </a:r>
+            <a:r>
+              <a:rPr lang="en-SG" dirty="0"/>
+              <a:t>Cleaning up spectra </a:t>
+            </a:r>
+          </a:p>
+          <a:p>
+            <a:pPr lvl="1"/>
+            <a:r>
+              <a:rPr lang="en-SG" dirty="0"/>
+              <a:t>GNPS tend towards larger numbers of high entropy spectra due to higher spectral noise </a:t>
+            </a:r>
+          </a:p>
+          <a:p>
+            <a:r>
+              <a:rPr lang="en-SG" b="1" dirty="0"/>
+              <a:t>Research Question: </a:t>
+            </a:r>
+          </a:p>
+          <a:p>
+            <a:pPr lvl="1"/>
+            <a:r>
+              <a:rPr lang="en-SG" dirty="0"/>
+              <a:t>How much does spectra noise affect lookup performance?</a:t>
+            </a:r>
+          </a:p>
+          <a:p>
+            <a:pPr lvl="1"/>
+            <a:r>
+              <a:rPr lang="en-SG" dirty="0"/>
+              <a:t>Getting fragmentation tree; how does noise affect the ability to get trees? Can we quantify that?</a:t>
+            </a:r>
+          </a:p>
+        </p:txBody>
+      </p:sp>
+    </p:spTree>
+    <p:extLst>
+      <p:ext uri="{BB962C8B-B14F-4D97-AF65-F5344CB8AC3E}">
+        <p14:creationId xmlns:p14="http://schemas.microsoft.com/office/powerpoint/2010/main" val="2889039556"/>
+      </p:ext>
+    </p:extLst>
+  </p:cSld>
+  <p:clrMapOvr>
+    <a:masterClrMapping/>
+  </p:clrMapOvr>
+</p:sld>
+</file>
+
+<file path=ppt/slides/slide14.xml><?xml version="1.0" encoding="utf-8"?>
+<p:sld xmlns:a="http://schemas.openxmlformats.org/drawingml/2006/main" xmlns:r="http://schemas.openxmlformats.org/officeDocument/2006/relationships" xmlns:p="http://schemas.openxmlformats.org/presentationml/2006/main">
+  <p:cSld>
+    <p:spTree>
+      <p:nvGrpSpPr>
+        <p:cNvPr id="1" name=""/>
+        <p:cNvGrpSpPr/>
+        <p:nvPr/>
+      </p:nvGrpSpPr>
+      <p:grpSpPr>
+        <a:xfrm>
+          <a:off x="0" y="0"/>
+          <a:ext cx="0" cy="0"/>
+          <a:chOff x="0" y="0"/>
+          <a:chExt cx="0" cy="0"/>
+        </a:xfrm>
+      </p:grpSpPr>
+      <p:sp>
+        <p:nvSpPr>
+          <p:cNvPr id="2" name="Title 1">
+            <a:extLst>
+              <a:ext uri="{FF2B5EF4-FFF2-40B4-BE49-F238E27FC236}">
+                <a16:creationId xmlns:a16="http://schemas.microsoft.com/office/drawing/2014/main" id="{0D579F22-E773-694A-132A-1F1959BE49DE}"/>
+              </a:ext>
+            </a:extLst>
+          </p:cNvPr>
+          <p:cNvSpPr>
+            <a:spLocks noGrp="1"/>
+          </p:cNvSpPr>
+          <p:nvPr>
+            <p:ph type="title"/>
+          </p:nvPr>
+        </p:nvSpPr>
+        <p:spPr/>
+        <p:txBody>
+          <a:bodyPr/>
+          <a:lstStyle/>
+          <a:p>
+            <a:r>
+              <a:rPr lang="en-SG" dirty="0"/>
+              <a:t>Research Questions</a:t>
+            </a:r>
+          </a:p>
+        </p:txBody>
+      </p:sp>
+      <p:sp>
+        <p:nvSpPr>
+          <p:cNvPr id="3" name="Content Placeholder 2">
+            <a:extLst>
+              <a:ext uri="{FF2B5EF4-FFF2-40B4-BE49-F238E27FC236}">
+                <a16:creationId xmlns:a16="http://schemas.microsoft.com/office/drawing/2014/main" id="{F04624E1-CC66-F7AB-2986-3A9BB15C0288}"/>
+              </a:ext>
+            </a:extLst>
+          </p:cNvPr>
+          <p:cNvSpPr>
+            <a:spLocks noGrp="1"/>
+          </p:cNvSpPr>
+          <p:nvPr>
+            <p:ph idx="1"/>
+          </p:nvPr>
+        </p:nvSpPr>
+        <p:spPr/>
+        <p:txBody>
+          <a:bodyPr/>
+          <a:lstStyle/>
+          <a:p>
+            <a:pPr>
+              <a:defRPr/>
+            </a:pPr>
+            <a:r>
+              <a:rPr lang="en-SG" b="1" dirty="0"/>
+              <a:t>Claim: </a:t>
+            </a:r>
+            <a:r>
+              <a:rPr lang="en-SG" dirty="0"/>
+              <a:t>Dark matters and generalizability</a:t>
+            </a:r>
+          </a:p>
+          <a:p>
+            <a:pPr lvl="1"/>
+            <a:r>
+              <a:rPr lang="en-SG" dirty="0"/>
+              <a:t>Lose substantial structural information when converting to bit strings</a:t>
+            </a:r>
+          </a:p>
+          <a:p>
+            <a:pPr lvl="1"/>
+            <a:r>
+              <a:rPr lang="en-SG" dirty="0"/>
+              <a:t>Similarity values when comparing large and small structures have very different behaviours</a:t>
+            </a:r>
+          </a:p>
+          <a:p>
+            <a:pPr lvl="1"/>
+            <a:r>
+              <a:rPr lang="en-SG" dirty="0"/>
+              <a:t>Different bits have different discriminating power; “good bits” are bits that help to differentiate molecules and have high amount of training instances</a:t>
+            </a:r>
+            <a:endParaRPr lang="en-SG" b="1" dirty="0"/>
+          </a:p>
+          <a:p>
+            <a:r>
+              <a:rPr lang="en-SG" b="1" dirty="0"/>
+              <a:t>Research Question: </a:t>
+            </a:r>
+          </a:p>
+        </p:txBody>
+      </p:sp>
+    </p:spTree>
+    <p:extLst>
+      <p:ext uri="{BB962C8B-B14F-4D97-AF65-F5344CB8AC3E}">
+        <p14:creationId xmlns:p14="http://schemas.microsoft.com/office/powerpoint/2010/main" val="429978388"/>
+      </p:ext>
+    </p:extLst>
+  </p:cSld>
+  <p:clrMapOvr>
+    <a:masterClrMapping/>
+  </p:clrMapOvr>
+</p:sld>
+</file>
+
+<file path=ppt/slides/slide15.xml><?xml version="1.0" encoding="utf-8"?>
+<p:sld xmlns:a="http://schemas.openxmlformats.org/drawingml/2006/main" xmlns:r="http://schemas.openxmlformats.org/officeDocument/2006/relationships" xmlns:p="http://schemas.openxmlformats.org/presentationml/2006/main">
+  <p:cSld>
+    <p:spTree>
+      <p:nvGrpSpPr>
+        <p:cNvPr id="1" name=""/>
+        <p:cNvGrpSpPr/>
+        <p:nvPr/>
+      </p:nvGrpSpPr>
+      <p:grpSpPr>
+        <a:xfrm>
+          <a:off x="0" y="0"/>
+          <a:ext cx="0" cy="0"/>
+          <a:chOff x="0" y="0"/>
+          <a:chExt cx="0" cy="0"/>
+        </a:xfrm>
+      </p:grpSpPr>
+      <p:sp>
+        <p:nvSpPr>
+          <p:cNvPr id="2" name="Title 1">
+            <a:extLst>
+              <a:ext uri="{FF2B5EF4-FFF2-40B4-BE49-F238E27FC236}">
+                <a16:creationId xmlns:a16="http://schemas.microsoft.com/office/drawing/2014/main" id="{0D579F22-E773-694A-132A-1F1959BE49DE}"/>
+              </a:ext>
+            </a:extLst>
+          </p:cNvPr>
+          <p:cNvSpPr>
+            <a:spLocks noGrp="1"/>
+          </p:cNvSpPr>
+          <p:nvPr>
+            <p:ph type="title"/>
+          </p:nvPr>
+        </p:nvSpPr>
+        <p:spPr/>
+        <p:txBody>
+          <a:bodyPr/>
+          <a:lstStyle/>
+          <a:p>
+            <a:r>
+              <a:rPr lang="en-SG" dirty="0"/>
+              <a:t>Research Questions</a:t>
+            </a:r>
+          </a:p>
+        </p:txBody>
+      </p:sp>
+      <p:sp>
+        <p:nvSpPr>
+          <p:cNvPr id="3" name="Content Placeholder 2">
+            <a:extLst>
+              <a:ext uri="{FF2B5EF4-FFF2-40B4-BE49-F238E27FC236}">
+                <a16:creationId xmlns:a16="http://schemas.microsoft.com/office/drawing/2014/main" id="{F04624E1-CC66-F7AB-2986-3A9BB15C0288}"/>
+              </a:ext>
+            </a:extLst>
+          </p:cNvPr>
+          <p:cNvSpPr>
+            <a:spLocks noGrp="1"/>
+          </p:cNvSpPr>
+          <p:nvPr>
+            <p:ph idx="1"/>
+          </p:nvPr>
+        </p:nvSpPr>
+        <p:spPr/>
+        <p:txBody>
+          <a:bodyPr/>
+          <a:lstStyle/>
+          <a:p>
+            <a:pPr>
+              <a:defRPr/>
+            </a:pPr>
+            <a:r>
+              <a:rPr lang="en-SG" b="1" dirty="0"/>
+              <a:t>Claim: </a:t>
+            </a:r>
+            <a:r>
+              <a:rPr lang="en-SG" dirty="0"/>
+              <a:t>Molecular fingerprints are limited in representing molecules</a:t>
+            </a:r>
+            <a:r>
+              <a:rPr kumimoji="0" lang="en-SG" sz="1000" b="0" i="0" u="none" strike="noStrike" kern="1200" cap="none" spc="0" normalizeH="0" baseline="0" noProof="0" dirty="0">
+                <a:ln>
+                  <a:noFill/>
+                </a:ln>
+                <a:solidFill>
+                  <a:prstClr val="black"/>
+                </a:solidFill>
+                <a:effectLst/>
+                <a:uLnTx/>
+                <a:uFillTx/>
+                <a:latin typeface="Aptos" panose="02110004020202020204"/>
+                <a:ea typeface="+mn-ea"/>
+                <a:cs typeface="+mn-cs"/>
+              </a:rPr>
+              <a:t>1,2</a:t>
+            </a:r>
+            <a:endParaRPr lang="en-SG" dirty="0"/>
+          </a:p>
+          <a:p>
+            <a:pPr lvl="1"/>
+            <a:r>
+              <a:rPr lang="en-SG" dirty="0"/>
+              <a:t>Lose substantial structural information when converting to bit strings</a:t>
+            </a:r>
+          </a:p>
+          <a:p>
+            <a:pPr lvl="1"/>
+            <a:r>
+              <a:rPr lang="en-SG" dirty="0"/>
+              <a:t>Similarity values when comparing large and small structures have very different behaviours</a:t>
+            </a:r>
+          </a:p>
+          <a:p>
+            <a:pPr lvl="1"/>
+            <a:r>
+              <a:rPr lang="en-SG" dirty="0"/>
+              <a:t>Different bits have different discriminating power; “good bits” are bits that help to differentiate molecules and have high amount of training instances</a:t>
+            </a:r>
+            <a:endParaRPr lang="en-SG" b="1" dirty="0"/>
+          </a:p>
+          <a:p>
+            <a:r>
+              <a:rPr lang="en-SG" b="1" dirty="0"/>
+              <a:t>Research Question: </a:t>
+            </a:r>
+          </a:p>
+        </p:txBody>
+      </p:sp>
+    </p:spTree>
+    <p:extLst>
+      <p:ext uri="{BB962C8B-B14F-4D97-AF65-F5344CB8AC3E}">
+        <p14:creationId xmlns:p14="http://schemas.microsoft.com/office/powerpoint/2010/main" val="1477351397"/>
+      </p:ext>
+    </p:extLst>
+  </p:cSld>
+  <p:clrMapOvr>
+    <a:masterClrMapping/>
+  </p:clrMapOvr>
+</p:sld>
+</file>
+
+<file path=ppt/slides/slide16.xml><?xml version="1.0" encoding="utf-8"?>
+<p:sld xmlns:a="http://schemas.openxmlformats.org/drawingml/2006/main" xmlns:r="http://schemas.openxmlformats.org/officeDocument/2006/relationships" xmlns:p="http://schemas.openxmlformats.org/presentationml/2006/main">
+  <p:cSld>
+    <p:spTree>
+      <p:nvGrpSpPr>
+        <p:cNvPr id="1" name=""/>
+        <p:cNvGrpSpPr/>
+        <p:nvPr/>
+      </p:nvGrpSpPr>
+      <p:grpSpPr>
+        <a:xfrm>
+          <a:off x="0" y="0"/>
+          <a:ext cx="0" cy="0"/>
+          <a:chOff x="0" y="0"/>
+          <a:chExt cx="0" cy="0"/>
+        </a:xfrm>
+      </p:grpSpPr>
+      <p:sp>
+        <p:nvSpPr>
+          <p:cNvPr id="2" name="Title 1">
+            <a:extLst>
+              <a:ext uri="{FF2B5EF4-FFF2-40B4-BE49-F238E27FC236}">
+                <a16:creationId xmlns:a16="http://schemas.microsoft.com/office/drawing/2014/main" id="{C239A513-1EC8-7107-C8B0-F9E75B97EA60}"/>
+              </a:ext>
+            </a:extLst>
+          </p:cNvPr>
+          <p:cNvSpPr>
+            <a:spLocks noGrp="1"/>
+          </p:cNvSpPr>
+          <p:nvPr>
+            <p:ph type="title"/>
+          </p:nvPr>
+        </p:nvSpPr>
+        <p:spPr/>
+        <p:txBody>
+          <a:bodyPr/>
+          <a:lstStyle/>
+          <a:p>
+            <a:r>
+              <a:rPr lang="en-SG" dirty="0"/>
+              <a:t>Limitation of ML methods; Consolidated Arguments Made by Other Papers</a:t>
+            </a:r>
+          </a:p>
+        </p:txBody>
+      </p:sp>
+      <p:sp>
+        <p:nvSpPr>
+          <p:cNvPr id="3" name="Content Placeholder 2">
+            <a:extLst>
+              <a:ext uri="{FF2B5EF4-FFF2-40B4-BE49-F238E27FC236}">
+                <a16:creationId xmlns:a16="http://schemas.microsoft.com/office/drawing/2014/main" id="{D382B8A0-78DA-4D85-3B0E-87579D105254}"/>
+              </a:ext>
+            </a:extLst>
+          </p:cNvPr>
+          <p:cNvSpPr>
+            <a:spLocks noGrp="1"/>
+          </p:cNvSpPr>
+          <p:nvPr>
+            <p:ph idx="1"/>
+          </p:nvPr>
+        </p:nvSpPr>
+        <p:spPr/>
+        <p:txBody>
+          <a:bodyPr>
+            <a:normAutofit/>
+          </a:bodyPr>
+          <a:lstStyle/>
+          <a:p>
+            <a:pPr marL="514350" indent="-514350">
+              <a:buFont typeface="+mj-lt"/>
+              <a:buAutoNum type="arabicPeriod"/>
+            </a:pPr>
+            <a:r>
+              <a:rPr lang="en-SG" dirty="0">
+                <a:solidFill>
+                  <a:srgbClr val="FF0000"/>
+                </a:solidFill>
+              </a:rPr>
+              <a:t>Dataset</a:t>
+            </a:r>
+            <a:r>
+              <a:rPr lang="en-SG" dirty="0"/>
+              <a:t> bias</a:t>
+            </a:r>
+            <a:r>
+              <a:rPr kumimoji="0" lang="en-SG" sz="1000" b="0" i="0" u="none" strike="noStrike" kern="1200" cap="none" spc="0" normalizeH="0" baseline="0" noProof="0" dirty="0">
+                <a:ln>
+                  <a:noFill/>
+                </a:ln>
+                <a:solidFill>
+                  <a:prstClr val="black"/>
+                </a:solidFill>
+                <a:effectLst/>
+                <a:uLnTx/>
+                <a:uFillTx/>
+                <a:latin typeface="Aptos" panose="02110004020202020204"/>
+                <a:ea typeface="+mn-ea"/>
+                <a:cs typeface="+mn-cs"/>
+              </a:rPr>
+              <a:t>1,3</a:t>
+            </a:r>
+            <a:endParaRPr lang="en-SG" sz="1000" dirty="0"/>
+          </a:p>
+          <a:p>
+            <a:pPr lvl="1"/>
+            <a:r>
+              <a:rPr lang="en-SG" dirty="0"/>
+              <a:t>For ML models to be helpful, training datasets need to be subsets of known biomolecular structures and need to contain all the compound classes based on the </a:t>
+            </a:r>
+            <a:r>
+              <a:rPr lang="en-SG" dirty="0" err="1"/>
+              <a:t>ClassyFire</a:t>
+            </a:r>
+            <a:r>
+              <a:rPr lang="en-SG" dirty="0"/>
+              <a:t> </a:t>
+            </a:r>
+            <a:r>
+              <a:rPr lang="en-SG" dirty="0" err="1"/>
+              <a:t>ChemOnt</a:t>
+            </a:r>
+            <a:r>
+              <a:rPr lang="en-SG" dirty="0"/>
+              <a:t> ontology</a:t>
+            </a:r>
+          </a:p>
+          <a:p>
+            <a:pPr lvl="1"/>
+            <a:r>
+              <a:rPr lang="en-SG" dirty="0"/>
+              <a:t>There is a strong dataset bias towards [M+H]+ or [M-H]- ions leading to 95% of unidentified spectra </a:t>
+            </a:r>
+          </a:p>
+          <a:p>
+            <a:pPr marL="514350" indent="-514350">
+              <a:buFont typeface="+mj-lt"/>
+              <a:buAutoNum type="arabicPeriod"/>
+            </a:pPr>
+            <a:r>
+              <a:rPr lang="en-SG" dirty="0">
+                <a:solidFill>
+                  <a:srgbClr val="FF0000"/>
+                </a:solidFill>
+              </a:rPr>
+              <a:t>Limited</a:t>
+            </a:r>
+            <a:r>
+              <a:rPr lang="en-SG" dirty="0"/>
+              <a:t> reference MS/MS data</a:t>
+            </a:r>
+          </a:p>
+          <a:p>
+            <a:pPr lvl="1"/>
+            <a:r>
+              <a:rPr lang="en-SG" dirty="0"/>
+              <a:t>The effectiveness of this method is contingent on the quality of the generated MS/MS spectra; the effectiveness of this method was displayed in </a:t>
+            </a:r>
+            <a:r>
+              <a:rPr lang="en-SG" dirty="0" err="1"/>
+              <a:t>MassGenie</a:t>
+            </a:r>
+            <a:endParaRPr lang="en-SG" dirty="0"/>
+          </a:p>
+        </p:txBody>
+      </p:sp>
+    </p:spTree>
+    <p:extLst>
+      <p:ext uri="{BB962C8B-B14F-4D97-AF65-F5344CB8AC3E}">
+        <p14:creationId xmlns:p14="http://schemas.microsoft.com/office/powerpoint/2010/main" val="784136770"/>
+      </p:ext>
+    </p:extLst>
+  </p:cSld>
+  <p:clrMapOvr>
+    <a:masterClrMapping/>
+  </p:clrMapOvr>
+</p:sld>
+</file>
+
+<file path=ppt/slides/slide17.xml><?xml version="1.0" encoding="utf-8"?>
+<p:sld xmlns:a="http://schemas.openxmlformats.org/drawingml/2006/main" xmlns:r="http://schemas.openxmlformats.org/officeDocument/2006/relationships" xmlns:p="http://schemas.openxmlformats.org/presentationml/2006/main">
+  <p:cSld>
+    <p:spTree>
+      <p:nvGrpSpPr>
+        <p:cNvPr id="1" name=""/>
+        <p:cNvGrpSpPr/>
+        <p:nvPr/>
+      </p:nvGrpSpPr>
+      <p:grpSpPr>
+        <a:xfrm>
+          <a:off x="0" y="0"/>
+          <a:ext cx="0" cy="0"/>
+          <a:chOff x="0" y="0"/>
+          <a:chExt cx="0" cy="0"/>
+        </a:xfrm>
+      </p:grpSpPr>
+      <p:sp>
+        <p:nvSpPr>
+          <p:cNvPr id="2" name="Title 1">
+            <a:extLst>
+              <a:ext uri="{FF2B5EF4-FFF2-40B4-BE49-F238E27FC236}">
+                <a16:creationId xmlns:a16="http://schemas.microsoft.com/office/drawing/2014/main" id="{C239A513-1EC8-7107-C8B0-F9E75B97EA60}"/>
+              </a:ext>
+            </a:extLst>
+          </p:cNvPr>
+          <p:cNvSpPr>
+            <a:spLocks noGrp="1"/>
+          </p:cNvSpPr>
+          <p:nvPr>
+            <p:ph type="title"/>
+          </p:nvPr>
+        </p:nvSpPr>
+        <p:spPr/>
+        <p:txBody>
+          <a:bodyPr/>
+          <a:lstStyle/>
+          <a:p>
+            <a:r>
+              <a:rPr lang="en-SG" dirty="0"/>
+              <a:t>Limitation of ML methods; Consolidated Arguments Made by Other Papers</a:t>
+            </a:r>
+          </a:p>
+        </p:txBody>
+      </p:sp>
+      <p:sp>
+        <p:nvSpPr>
+          <p:cNvPr id="3" name="Content Placeholder 2">
+            <a:extLst>
+              <a:ext uri="{FF2B5EF4-FFF2-40B4-BE49-F238E27FC236}">
+                <a16:creationId xmlns:a16="http://schemas.microsoft.com/office/drawing/2014/main" id="{D382B8A0-78DA-4D85-3B0E-87579D105254}"/>
+              </a:ext>
+            </a:extLst>
+          </p:cNvPr>
+          <p:cNvSpPr>
+            <a:spLocks noGrp="1"/>
+          </p:cNvSpPr>
+          <p:nvPr>
+            <p:ph idx="1"/>
+          </p:nvPr>
+        </p:nvSpPr>
+        <p:spPr/>
+        <p:txBody>
+          <a:bodyPr>
+            <a:normAutofit/>
+          </a:bodyPr>
+          <a:lstStyle/>
+          <a:p>
+            <a:pPr marL="514350" indent="-514350">
+              <a:buFont typeface="+mj-lt"/>
+              <a:buAutoNum type="arabicPeriod" startAt="3"/>
+              <a:defRPr/>
+            </a:pPr>
+            <a:r>
+              <a:rPr lang="en-SG" dirty="0"/>
+              <a:t>Molecular fingerprints are limited in representing molecules</a:t>
+            </a:r>
+            <a:r>
+              <a:rPr kumimoji="0" lang="en-SG" sz="1000" b="0" i="0" u="none" strike="noStrike" kern="1200" cap="none" spc="0" normalizeH="0" baseline="0" noProof="0" dirty="0">
+                <a:ln>
+                  <a:noFill/>
+                </a:ln>
+                <a:solidFill>
+                  <a:prstClr val="black"/>
+                </a:solidFill>
+                <a:effectLst/>
+                <a:uLnTx/>
+                <a:uFillTx/>
+                <a:latin typeface="Aptos" panose="02110004020202020204"/>
+                <a:ea typeface="+mn-ea"/>
+                <a:cs typeface="+mn-cs"/>
+              </a:rPr>
+              <a:t>1,2</a:t>
+            </a:r>
+            <a:endParaRPr lang="en-SG" dirty="0"/>
+          </a:p>
+          <a:p>
+            <a:pPr lvl="1"/>
+            <a:r>
+              <a:rPr lang="en-SG" dirty="0"/>
+              <a:t>Lose substantial structural information when converting to bit strings</a:t>
+            </a:r>
+          </a:p>
+          <a:p>
+            <a:pPr lvl="1"/>
+            <a:r>
+              <a:rPr lang="en-SG" dirty="0"/>
+              <a:t>Similarity values when comparing large and small structures have very different behaviours</a:t>
+            </a:r>
+          </a:p>
+          <a:p>
+            <a:pPr lvl="1"/>
+            <a:r>
+              <a:rPr lang="en-SG" dirty="0"/>
+              <a:t>Different bits have different discriminating power; “good bits” are bits that help to differentiate molecules and have high amount of training instances</a:t>
+            </a:r>
+          </a:p>
+        </p:txBody>
+      </p:sp>
+    </p:spTree>
+    <p:extLst>
+      <p:ext uri="{BB962C8B-B14F-4D97-AF65-F5344CB8AC3E}">
+        <p14:creationId xmlns:p14="http://schemas.microsoft.com/office/powerpoint/2010/main" val="2435509224"/>
+      </p:ext>
+    </p:extLst>
+  </p:cSld>
+  <p:clrMapOvr>
+    <a:masterClrMapping/>
+  </p:clrMapOvr>
+</p:sld>
+</file>
+
+<file path=ppt/slides/slide18.xml><?xml version="1.0" encoding="utf-8"?>
+<p:sld xmlns:a="http://schemas.openxmlformats.org/drawingml/2006/main" xmlns:r="http://schemas.openxmlformats.org/officeDocument/2006/relationships" xmlns:p="http://schemas.openxmlformats.org/presentationml/2006/main">
+  <p:cSld>
+    <p:spTree>
+      <p:nvGrpSpPr>
+        <p:cNvPr id="1" name=""/>
+        <p:cNvGrpSpPr/>
+        <p:nvPr/>
+      </p:nvGrpSpPr>
+      <p:grpSpPr>
+        <a:xfrm>
+          <a:off x="0" y="0"/>
+          <a:ext cx="0" cy="0"/>
+          <a:chOff x="0" y="0"/>
+          <a:chExt cx="0" cy="0"/>
+        </a:xfrm>
+      </p:grpSpPr>
+      <p:sp>
+        <p:nvSpPr>
+          <p:cNvPr id="2" name="Title 1">
+            <a:extLst>
+              <a:ext uri="{FF2B5EF4-FFF2-40B4-BE49-F238E27FC236}">
+                <a16:creationId xmlns:a16="http://schemas.microsoft.com/office/drawing/2014/main" id="{C239A513-1EC8-7107-C8B0-F9E75B97EA60}"/>
+              </a:ext>
+            </a:extLst>
+          </p:cNvPr>
+          <p:cNvSpPr>
+            <a:spLocks noGrp="1"/>
+          </p:cNvSpPr>
+          <p:nvPr>
+            <p:ph type="title"/>
+          </p:nvPr>
+        </p:nvSpPr>
+        <p:spPr/>
+        <p:txBody>
+          <a:bodyPr/>
+          <a:lstStyle/>
+          <a:p>
+            <a:r>
+              <a:rPr lang="en-SG" dirty="0"/>
+              <a:t>Limitation of ML methods; Consolidated Arguments Made by Other Papers</a:t>
+            </a:r>
+          </a:p>
+        </p:txBody>
+      </p:sp>
+      <p:sp>
+        <p:nvSpPr>
+          <p:cNvPr id="3" name="Content Placeholder 2">
+            <a:extLst>
+              <a:ext uri="{FF2B5EF4-FFF2-40B4-BE49-F238E27FC236}">
+                <a16:creationId xmlns:a16="http://schemas.microsoft.com/office/drawing/2014/main" id="{D382B8A0-78DA-4D85-3B0E-87579D105254}"/>
+              </a:ext>
+            </a:extLst>
+          </p:cNvPr>
+          <p:cNvSpPr>
+            <a:spLocks noGrp="1"/>
+          </p:cNvSpPr>
+          <p:nvPr>
+            <p:ph idx="1"/>
+          </p:nvPr>
+        </p:nvSpPr>
+        <p:spPr/>
+        <p:txBody>
+          <a:bodyPr/>
+          <a:lstStyle/>
+          <a:p>
+            <a:pPr marL="514350" indent="-514350">
+              <a:buFont typeface="+mj-lt"/>
+              <a:buAutoNum type="arabicPeriod" startAt="4"/>
+            </a:pPr>
+            <a:r>
+              <a:rPr lang="en-SG" dirty="0">
+                <a:solidFill>
+                  <a:srgbClr val="FF0000"/>
+                </a:solidFill>
+              </a:rPr>
+              <a:t>Different </a:t>
+            </a:r>
+            <a:r>
+              <a:rPr lang="en-SG" dirty="0"/>
+              <a:t>experiment platforms can lead to different fragmentation patterns – this leads to difficulty in matching MS </a:t>
+            </a:r>
+          </a:p>
+          <a:p>
+            <a:pPr lvl="1"/>
+            <a:r>
+              <a:rPr lang="en-SG" dirty="0"/>
+              <a:t>This problem can be alleviated by partial annotation. </a:t>
+            </a:r>
+            <a:r>
+              <a:rPr lang="en-SG" dirty="0" err="1"/>
+              <a:t>I.e</a:t>
+            </a:r>
+            <a:r>
+              <a:rPr lang="en-SG" dirty="0"/>
+              <a:t>, peak annotation</a:t>
+            </a:r>
+          </a:p>
+          <a:p>
+            <a:pPr marL="514350" indent="-514350">
+              <a:buFont typeface="+mj-lt"/>
+              <a:buAutoNum type="arabicPeriod" startAt="5"/>
+            </a:pPr>
+            <a:r>
+              <a:rPr lang="en-SG" dirty="0">
+                <a:solidFill>
+                  <a:srgbClr val="FF0000"/>
+                </a:solidFill>
+              </a:rPr>
+              <a:t>Cleaning up </a:t>
+            </a:r>
+            <a:r>
+              <a:rPr lang="en-SG" dirty="0"/>
+              <a:t>spectra </a:t>
+            </a:r>
+          </a:p>
+          <a:p>
+            <a:pPr lvl="1"/>
+            <a:r>
+              <a:rPr lang="en-SG" dirty="0"/>
+              <a:t>GNPS tend towards larger numbers of high entropy spectra due to higher spectral noise </a:t>
+            </a:r>
+          </a:p>
+          <a:p>
+            <a:pPr lvl="1"/>
+            <a:r>
+              <a:rPr lang="en-SG" dirty="0"/>
+              <a:t>Most papers suggest a simple thresholding method to remove any signals with less than x% of intensity (typically 1% or 5%)</a:t>
+            </a:r>
+          </a:p>
+        </p:txBody>
+      </p:sp>
+    </p:spTree>
+    <p:extLst>
+      <p:ext uri="{BB962C8B-B14F-4D97-AF65-F5344CB8AC3E}">
+        <p14:creationId xmlns:p14="http://schemas.microsoft.com/office/powerpoint/2010/main" val="853419101"/>
+      </p:ext>
+    </p:extLst>
+  </p:cSld>
+  <p:clrMapOvr>
+    <a:masterClrMapping/>
+  </p:clrMapOvr>
+</p:sld>
+</file>
+
+<file path=ppt/slides/slide19.xml><?xml version="1.0" encoding="utf-8"?>
+<p:sld xmlns:a="http://schemas.openxmlformats.org/drawingml/2006/main" xmlns:r="http://schemas.openxmlformats.org/officeDocument/2006/relationships" xmlns:p="http://schemas.openxmlformats.org/presentationml/2006/main">
+  <p:cSld>
+    <p:spTree>
+      <p:nvGrpSpPr>
+        <p:cNvPr id="1" name=""/>
+        <p:cNvGrpSpPr/>
+        <p:nvPr/>
+      </p:nvGrpSpPr>
+      <p:grpSpPr>
+        <a:xfrm>
+          <a:off x="0" y="0"/>
+          <a:ext cx="0" cy="0"/>
+          <a:chOff x="0" y="0"/>
+          <a:chExt cx="0" cy="0"/>
+        </a:xfrm>
+      </p:grpSpPr>
+      <p:sp>
+        <p:nvSpPr>
+          <p:cNvPr id="2" name="Title 1">
+            <a:extLst>
+              <a:ext uri="{FF2B5EF4-FFF2-40B4-BE49-F238E27FC236}">
+                <a16:creationId xmlns:a16="http://schemas.microsoft.com/office/drawing/2014/main" id="{C239A513-1EC8-7107-C8B0-F9E75B97EA60}"/>
+              </a:ext>
+            </a:extLst>
+          </p:cNvPr>
+          <p:cNvSpPr>
+            <a:spLocks noGrp="1"/>
+          </p:cNvSpPr>
+          <p:nvPr>
+            <p:ph type="title"/>
+          </p:nvPr>
+        </p:nvSpPr>
+        <p:spPr/>
+        <p:txBody>
+          <a:bodyPr/>
+          <a:lstStyle/>
+          <a:p>
+            <a:r>
+              <a:rPr lang="en-SG" dirty="0"/>
+              <a:t>Limitation of ML methods; Consolidated Arguments Made by Other Papers</a:t>
+            </a:r>
+          </a:p>
+        </p:txBody>
+      </p:sp>
+      <p:sp>
+        <p:nvSpPr>
+          <p:cNvPr id="3" name="Content Placeholder 2">
+            <a:extLst>
+              <a:ext uri="{FF2B5EF4-FFF2-40B4-BE49-F238E27FC236}">
+                <a16:creationId xmlns:a16="http://schemas.microsoft.com/office/drawing/2014/main" id="{D382B8A0-78DA-4D85-3B0E-87579D105254}"/>
+              </a:ext>
+            </a:extLst>
+          </p:cNvPr>
+          <p:cNvSpPr>
+            <a:spLocks noGrp="1"/>
+          </p:cNvSpPr>
+          <p:nvPr>
+            <p:ph idx="1"/>
+          </p:nvPr>
+        </p:nvSpPr>
+        <p:spPr/>
+        <p:txBody>
+          <a:bodyPr/>
+          <a:lstStyle/>
+          <a:p>
+            <a:pPr marL="514350" indent="-514350">
+              <a:buFont typeface="+mj-lt"/>
+              <a:buAutoNum type="arabicPeriod" startAt="6"/>
+            </a:pPr>
+            <a:r>
+              <a:rPr lang="en-SG" dirty="0">
+                <a:solidFill>
+                  <a:srgbClr val="FF0000"/>
+                </a:solidFill>
+              </a:rPr>
+              <a:t>Difficulty</a:t>
+            </a:r>
+            <a:r>
+              <a:rPr lang="en-SG" dirty="0"/>
+              <a:t> in resolving molecules with higher molecular masses </a:t>
+            </a:r>
+          </a:p>
+          <a:p>
+            <a:pPr lvl="1"/>
+            <a:r>
+              <a:rPr lang="en-SG" dirty="0"/>
+              <a:t>Parent masses of the MS/MS spectra in the GPNS library show a clear bias towards lower masses. </a:t>
+            </a:r>
+          </a:p>
+          <a:p>
+            <a:pPr lvl="1"/>
+            <a:r>
+              <a:rPr lang="en-SG" dirty="0"/>
+              <a:t>This might explain why around 14,000 MS/MS spectra in GNPS do not have a fully resolved structure </a:t>
+            </a:r>
+          </a:p>
+          <a:p>
+            <a:pPr lvl="1"/>
+            <a:r>
+              <a:rPr lang="en-SG" dirty="0"/>
+              <a:t>Canopus were restricted to spectra below 860Da and Spec2vec only works well for spectra below 600Da</a:t>
+            </a:r>
+          </a:p>
+        </p:txBody>
+      </p:sp>
+    </p:spTree>
+    <p:extLst>
+      <p:ext uri="{BB962C8B-B14F-4D97-AF65-F5344CB8AC3E}">
+        <p14:creationId xmlns:p14="http://schemas.microsoft.com/office/powerpoint/2010/main" val="398636985"/>
+      </p:ext>
+    </p:extLst>
+  </p:cSld>
+  <p:clrMapOvr>
+    <a:masterClrMapping/>
+  </p:clrMapOvr>
+</p:sld>
+</file>
+
+<file path=ppt/slides/slide2.xml><?xml version="1.0" encoding="utf-8"?>
+<p:sld xmlns:a="http://schemas.openxmlformats.org/drawingml/2006/main" xmlns:r="http://schemas.openxmlformats.org/officeDocument/2006/relationships" xmlns:p="http://schemas.openxmlformats.org/presentationml/2006/main">
+  <p:cSld>
+    <p:spTree>
+      <p:nvGrpSpPr>
+        <p:cNvPr id="1" name=""/>
+        <p:cNvGrpSpPr/>
+        <p:nvPr/>
+      </p:nvGrpSpPr>
+      <p:grpSpPr>
+        <a:xfrm>
+          <a:off x="0" y="0"/>
+          <a:ext cx="0" cy="0"/>
+          <a:chOff x="0" y="0"/>
+          <a:chExt cx="0" cy="0"/>
+        </a:xfrm>
+      </p:grpSpPr>
+      <p:sp>
+        <p:nvSpPr>
+          <p:cNvPr id="2" name="Title 1">
+            <a:extLst>
+              <a:ext uri="{FF2B5EF4-FFF2-40B4-BE49-F238E27FC236}">
+                <a16:creationId xmlns:a16="http://schemas.microsoft.com/office/drawing/2014/main" id="{922BAE0B-F10F-B33B-2415-5AAE0376EC2D}"/>
+              </a:ext>
+            </a:extLst>
+          </p:cNvPr>
+          <p:cNvSpPr>
+            <a:spLocks noGrp="1"/>
+          </p:cNvSpPr>
+          <p:nvPr>
+            <p:ph type="title"/>
+          </p:nvPr>
+        </p:nvSpPr>
+        <p:spPr/>
+        <p:txBody>
+          <a:bodyPr/>
+          <a:lstStyle/>
+          <a:p>
+            <a:r>
+              <a:rPr lang="en-SG" dirty="0"/>
+              <a:t>Understanding the Limits of Modelling MSMS with ML</a:t>
+            </a:r>
+          </a:p>
+        </p:txBody>
+      </p:sp>
+    </p:spTree>
+    <p:extLst>
+      <p:ext uri="{BB962C8B-B14F-4D97-AF65-F5344CB8AC3E}">
+        <p14:creationId xmlns:p14="http://schemas.microsoft.com/office/powerpoint/2010/main" val="416111085"/>
+      </p:ext>
+    </p:extLst>
+  </p:cSld>
+  <p:clrMapOvr>
+    <a:masterClrMapping/>
+  </p:clrMapOvr>
+</p:sld>
+</file>
+
+<file path=ppt/slides/slide20.xml><?xml version="1.0" encoding="utf-8"?>
+<p:sld xmlns:a="http://schemas.openxmlformats.org/drawingml/2006/main" xmlns:r="http://schemas.openxmlformats.org/officeDocument/2006/relationships" xmlns:p="http://schemas.openxmlformats.org/presentationml/2006/main">
+  <p:cSld>
+    <p:spTree>
+      <p:nvGrpSpPr>
+        <p:cNvPr id="1" name=""/>
+        <p:cNvGrpSpPr/>
+        <p:nvPr/>
+      </p:nvGrpSpPr>
+      <p:grpSpPr>
+        <a:xfrm>
+          <a:off x="0" y="0"/>
+          <a:ext cx="0" cy="0"/>
+          <a:chOff x="0" y="0"/>
+          <a:chExt cx="0" cy="0"/>
+        </a:xfrm>
+      </p:grpSpPr>
+      <p:sp>
+        <p:nvSpPr>
+          <p:cNvPr id="2" name="Title 1">
+            <a:extLst>
+              <a:ext uri="{FF2B5EF4-FFF2-40B4-BE49-F238E27FC236}">
+                <a16:creationId xmlns:a16="http://schemas.microsoft.com/office/drawing/2014/main" id="{4D438766-8956-19FE-6405-460A3B00498B}"/>
+              </a:ext>
+            </a:extLst>
+          </p:cNvPr>
+          <p:cNvSpPr>
+            <a:spLocks noGrp="1"/>
+          </p:cNvSpPr>
+          <p:nvPr>
+            <p:ph type="title"/>
+          </p:nvPr>
+        </p:nvSpPr>
+        <p:spPr/>
+        <p:txBody>
+          <a:bodyPr/>
+          <a:lstStyle/>
+          <a:p>
+            <a:r>
+              <a:rPr lang="en-SG" dirty="0"/>
+              <a:t>Limitation of ML methods; Consolidated Arguments Made by Other Papers</a:t>
+            </a:r>
+          </a:p>
+        </p:txBody>
+      </p:sp>
+      <p:sp>
+        <p:nvSpPr>
+          <p:cNvPr id="3" name="Content Placeholder 2">
+            <a:extLst>
+              <a:ext uri="{FF2B5EF4-FFF2-40B4-BE49-F238E27FC236}">
+                <a16:creationId xmlns:a16="http://schemas.microsoft.com/office/drawing/2014/main" id="{3EF57998-3563-3CD0-AFF7-9EA5762D72E8}"/>
+              </a:ext>
+            </a:extLst>
+          </p:cNvPr>
+          <p:cNvSpPr>
+            <a:spLocks noGrp="1"/>
+          </p:cNvSpPr>
+          <p:nvPr>
+            <p:ph idx="1"/>
+          </p:nvPr>
+        </p:nvSpPr>
+        <p:spPr/>
+        <p:txBody>
+          <a:bodyPr/>
+          <a:lstStyle/>
+          <a:p>
+            <a:pPr marL="514350" indent="-514350">
+              <a:buFont typeface="+mj-lt"/>
+              <a:buAutoNum type="arabicPeriod" startAt="7"/>
+            </a:pPr>
+            <a:r>
+              <a:rPr lang="en-SG" dirty="0"/>
+              <a:t>Benchmarking (train and test sets) </a:t>
+            </a:r>
+          </a:p>
+          <a:p>
+            <a:pPr lvl="1"/>
+            <a:r>
+              <a:rPr lang="en-SG" dirty="0"/>
+              <a:t>The dataset to be used VS the metrics to be used </a:t>
+            </a:r>
+          </a:p>
+          <a:p>
+            <a:pPr lvl="1"/>
+            <a:r>
+              <a:rPr lang="en-SG" dirty="0"/>
+              <a:t>Could try to study how generalizable the models are vs how well it works for a specific subset </a:t>
+            </a:r>
+          </a:p>
+          <a:p>
+            <a:pPr lvl="1"/>
+            <a:r>
+              <a:rPr lang="en-SG" dirty="0"/>
+              <a:t>Groups for sampling could include chemical classes, mass taxonomic clades, instruments, analytical methods </a:t>
+            </a:r>
+          </a:p>
+          <a:p>
+            <a:pPr lvl="1"/>
+            <a:r>
+              <a:rPr lang="en-SG" dirty="0"/>
+              <a:t>Selecting / reporting results for different mass ranges and chemical classes can be used to illustrate if a tool has differences in performance  </a:t>
+            </a:r>
+          </a:p>
+        </p:txBody>
+      </p:sp>
+    </p:spTree>
+    <p:extLst>
+      <p:ext uri="{BB962C8B-B14F-4D97-AF65-F5344CB8AC3E}">
+        <p14:creationId xmlns:p14="http://schemas.microsoft.com/office/powerpoint/2010/main" val="2108625055"/>
+      </p:ext>
+    </p:extLst>
+  </p:cSld>
+  <p:clrMapOvr>
+    <a:masterClrMapping/>
+  </p:clrMapOvr>
+</p:sld>
+</file>
+
+<file path=ppt/slides/slide21.xml><?xml version="1.0" encoding="utf-8"?>
+<p:sld xmlns:a="http://schemas.openxmlformats.org/drawingml/2006/main" xmlns:r="http://schemas.openxmlformats.org/officeDocument/2006/relationships" xmlns:p="http://schemas.openxmlformats.org/presentationml/2006/main">
+  <p:cSld>
+    <p:spTree>
+      <p:nvGrpSpPr>
+        <p:cNvPr id="1" name=""/>
+        <p:cNvGrpSpPr/>
+        <p:nvPr/>
+      </p:nvGrpSpPr>
+      <p:grpSpPr>
+        <a:xfrm>
+          <a:off x="0" y="0"/>
+          <a:ext cx="0" cy="0"/>
+          <a:chOff x="0" y="0"/>
+          <a:chExt cx="0" cy="0"/>
+        </a:xfrm>
+      </p:grpSpPr>
+      <p:sp>
+        <p:nvSpPr>
+          <p:cNvPr id="2" name="Title 1">
+            <a:extLst>
+              <a:ext uri="{FF2B5EF4-FFF2-40B4-BE49-F238E27FC236}">
+                <a16:creationId xmlns:a16="http://schemas.microsoft.com/office/drawing/2014/main" id="{3394BCD1-9414-DD23-9B12-F8242CCB5814}"/>
+              </a:ext>
+            </a:extLst>
+          </p:cNvPr>
+          <p:cNvSpPr>
+            <a:spLocks noGrp="1"/>
+          </p:cNvSpPr>
+          <p:nvPr>
+            <p:ph type="title"/>
+          </p:nvPr>
+        </p:nvSpPr>
+        <p:spPr/>
+        <p:txBody>
+          <a:bodyPr/>
+          <a:lstStyle/>
+          <a:p>
+            <a:r>
+              <a:rPr lang="en-SG" dirty="0"/>
+              <a:t>Experiments</a:t>
+            </a:r>
+          </a:p>
+        </p:txBody>
+      </p:sp>
+      <p:sp>
+        <p:nvSpPr>
+          <p:cNvPr id="3" name="Text Placeholder 2">
+            <a:extLst>
+              <a:ext uri="{FF2B5EF4-FFF2-40B4-BE49-F238E27FC236}">
+                <a16:creationId xmlns:a16="http://schemas.microsoft.com/office/drawing/2014/main" id="{AB4E7E08-F986-59CB-06EB-E42A93951788}"/>
+              </a:ext>
+            </a:extLst>
+          </p:cNvPr>
+          <p:cNvSpPr>
+            <a:spLocks noGrp="1"/>
+          </p:cNvSpPr>
+          <p:nvPr>
+            <p:ph type="body" idx="1"/>
+          </p:nvPr>
+        </p:nvSpPr>
+        <p:spPr/>
+        <p:txBody>
+          <a:bodyPr/>
+          <a:lstStyle/>
+          <a:p>
+            <a:endParaRPr lang="en-SG"/>
+          </a:p>
+        </p:txBody>
+      </p:sp>
+    </p:spTree>
+    <p:extLst>
+      <p:ext uri="{BB962C8B-B14F-4D97-AF65-F5344CB8AC3E}">
+        <p14:creationId xmlns:p14="http://schemas.microsoft.com/office/powerpoint/2010/main" val="1073618008"/>
+      </p:ext>
+    </p:extLst>
+  </p:cSld>
+  <p:clrMapOvr>
+    <a:masterClrMapping/>
+  </p:clrMapOvr>
+</p:sld>
+</file>
+
+<file path=ppt/slides/slide22.xml><?xml version="1.0" encoding="utf-8"?>
+<p:sld xmlns:a="http://schemas.openxmlformats.org/drawingml/2006/main" xmlns:r="http://schemas.openxmlformats.org/officeDocument/2006/relationships" xmlns:p="http://schemas.openxmlformats.org/presentationml/2006/main">
+  <p:cSld>
+    <p:spTree>
+      <p:nvGrpSpPr>
+        <p:cNvPr id="1" name=""/>
+        <p:cNvGrpSpPr/>
+        <p:nvPr/>
+      </p:nvGrpSpPr>
+      <p:grpSpPr>
+        <a:xfrm>
+          <a:off x="0" y="0"/>
+          <a:ext cx="0" cy="0"/>
+          <a:chOff x="0" y="0"/>
+          <a:chExt cx="0" cy="0"/>
+        </a:xfrm>
+      </p:grpSpPr>
+      <p:sp>
+        <p:nvSpPr>
+          <p:cNvPr id="2" name="Title 1">
+            <a:extLst>
+              <a:ext uri="{FF2B5EF4-FFF2-40B4-BE49-F238E27FC236}">
+                <a16:creationId xmlns:a16="http://schemas.microsoft.com/office/drawing/2014/main" id="{9D508AD0-1851-AE25-8F20-94133A4D845B}"/>
+              </a:ext>
+            </a:extLst>
+          </p:cNvPr>
+          <p:cNvSpPr>
+            <a:spLocks noGrp="1"/>
+          </p:cNvSpPr>
+          <p:nvPr>
+            <p:ph type="title"/>
+          </p:nvPr>
+        </p:nvSpPr>
+        <p:spPr/>
+        <p:txBody>
+          <a:bodyPr/>
+          <a:lstStyle/>
+          <a:p>
+            <a:r>
+              <a:rPr lang="en-SG" dirty="0"/>
+              <a:t>Experiments performed to understand the limits of ML methods</a:t>
+            </a:r>
+          </a:p>
+        </p:txBody>
+      </p:sp>
+      <p:sp>
+        <p:nvSpPr>
+          <p:cNvPr id="3" name="Content Placeholder 2">
+            <a:extLst>
+              <a:ext uri="{FF2B5EF4-FFF2-40B4-BE49-F238E27FC236}">
+                <a16:creationId xmlns:a16="http://schemas.microsoft.com/office/drawing/2014/main" id="{A28F116D-B39A-D688-27C8-6B1F4E4917A1}"/>
+              </a:ext>
+            </a:extLst>
+          </p:cNvPr>
+          <p:cNvSpPr>
+            <a:spLocks noGrp="1"/>
+          </p:cNvSpPr>
+          <p:nvPr>
+            <p:ph idx="1"/>
+          </p:nvPr>
+        </p:nvSpPr>
+        <p:spPr/>
+        <p:txBody>
+          <a:bodyPr/>
+          <a:lstStyle/>
+          <a:p>
+            <a:r>
+              <a:rPr lang="en-SG" dirty="0"/>
+              <a:t>Running of learning to split code to understand factors that limit generalizability of FP prediction with MS </a:t>
+            </a:r>
+          </a:p>
+          <a:p>
+            <a:r>
+              <a:rPr lang="en-SG" dirty="0"/>
+              <a:t>Running of SIRIUS software (SOTA for chemical structure elucidation with MS) with different preprocessing steps: </a:t>
+            </a:r>
+          </a:p>
+          <a:p>
+            <a:pPr lvl="1"/>
+            <a:endParaRPr lang="en-SG" dirty="0"/>
+          </a:p>
+        </p:txBody>
+      </p:sp>
+    </p:spTree>
+    <p:extLst>
+      <p:ext uri="{BB962C8B-B14F-4D97-AF65-F5344CB8AC3E}">
+        <p14:creationId xmlns:p14="http://schemas.microsoft.com/office/powerpoint/2010/main" val="3359880806"/>
+      </p:ext>
+    </p:extLst>
+  </p:cSld>
+  <p:clrMapOvr>
+    <a:masterClrMapping/>
+  </p:clrMapOvr>
+</p:sld>
+</file>
+
+<file path=ppt/slides/slide23.xml><?xml version="1.0" encoding="utf-8"?>
+<p:sld xmlns:a="http://schemas.openxmlformats.org/drawingml/2006/main" xmlns:r="http://schemas.openxmlformats.org/officeDocument/2006/relationships" xmlns:p="http://schemas.openxmlformats.org/presentationml/2006/main">
+  <p:cSld>
+    <p:spTree>
+      <p:nvGrpSpPr>
+        <p:cNvPr id="1" name=""/>
+        <p:cNvGrpSpPr/>
+        <p:nvPr/>
+      </p:nvGrpSpPr>
+      <p:grpSpPr>
+        <a:xfrm>
+          <a:off x="0" y="0"/>
+          <a:ext cx="0" cy="0"/>
+          <a:chOff x="0" y="0"/>
+          <a:chExt cx="0" cy="0"/>
+        </a:xfrm>
+      </p:grpSpPr>
+      <p:sp>
+        <p:nvSpPr>
+          <p:cNvPr id="2" name="Title 1">
+            <a:extLst>
+              <a:ext uri="{FF2B5EF4-FFF2-40B4-BE49-F238E27FC236}">
+                <a16:creationId xmlns:a16="http://schemas.microsoft.com/office/drawing/2014/main" id="{922BAE0B-F10F-B33B-2415-5AAE0376EC2D}"/>
+              </a:ext>
+            </a:extLst>
+          </p:cNvPr>
+          <p:cNvSpPr>
+            <a:spLocks noGrp="1"/>
+          </p:cNvSpPr>
+          <p:nvPr>
+            <p:ph type="title"/>
+          </p:nvPr>
+        </p:nvSpPr>
+        <p:spPr/>
+        <p:txBody>
+          <a:bodyPr/>
+          <a:lstStyle/>
+          <a:p>
+            <a:r>
+              <a:rPr lang="en-SG" dirty="0"/>
+              <a:t>Modelling Noise in MSMS</a:t>
+            </a:r>
+          </a:p>
+        </p:txBody>
+      </p:sp>
+    </p:spTree>
+    <p:extLst>
+      <p:ext uri="{BB962C8B-B14F-4D97-AF65-F5344CB8AC3E}">
+        <p14:creationId xmlns:p14="http://schemas.microsoft.com/office/powerpoint/2010/main" val="2743357265"/>
+      </p:ext>
+    </p:extLst>
+  </p:cSld>
+  <p:clrMapOvr>
+    <a:masterClrMapping/>
+  </p:clrMapOvr>
+</p:sld>
+</file>
+
+<file path=ppt/slides/slide24.xml><?xml version="1.0" encoding="utf-8"?>
+<p:sld xmlns:a="http://schemas.openxmlformats.org/drawingml/2006/main" xmlns:r="http://schemas.openxmlformats.org/officeDocument/2006/relationships" xmlns:p="http://schemas.openxmlformats.org/presentationml/2006/main">
+  <p:cSld>
+    <p:spTree>
+      <p:nvGrpSpPr>
+        <p:cNvPr id="1" name=""/>
+        <p:cNvGrpSpPr/>
+        <p:nvPr/>
+      </p:nvGrpSpPr>
+      <p:grpSpPr>
+        <a:xfrm>
+          <a:off x="0" y="0"/>
+          <a:ext cx="0" cy="0"/>
+          <a:chOff x="0" y="0"/>
+          <a:chExt cx="0" cy="0"/>
+        </a:xfrm>
+      </p:grpSpPr>
+      <p:sp>
+        <p:nvSpPr>
+          <p:cNvPr id="2" name="Title 1">
+            <a:extLst>
+              <a:ext uri="{FF2B5EF4-FFF2-40B4-BE49-F238E27FC236}">
+                <a16:creationId xmlns:a16="http://schemas.microsoft.com/office/drawing/2014/main" id="{1D539331-3A99-7020-2930-E5E807415D97}"/>
+              </a:ext>
+            </a:extLst>
+          </p:cNvPr>
+          <p:cNvSpPr>
+            <a:spLocks noGrp="1"/>
+          </p:cNvSpPr>
+          <p:nvPr>
+            <p:ph type="title"/>
+          </p:nvPr>
+        </p:nvSpPr>
+        <p:spPr/>
+        <p:txBody>
+          <a:bodyPr/>
+          <a:lstStyle/>
+          <a:p>
+            <a:r>
+              <a:rPr lang="en-SG" dirty="0"/>
+              <a:t>In-Source Fragmentation (ISF)</a:t>
+            </a:r>
+          </a:p>
+        </p:txBody>
+      </p:sp>
+      <p:sp>
+        <p:nvSpPr>
+          <p:cNvPr id="3" name="Content Placeholder 2">
+            <a:extLst>
+              <a:ext uri="{FF2B5EF4-FFF2-40B4-BE49-F238E27FC236}">
+                <a16:creationId xmlns:a16="http://schemas.microsoft.com/office/drawing/2014/main" id="{C747A1DC-C547-8F52-FD20-93D7A981BAA4}"/>
+              </a:ext>
+            </a:extLst>
+          </p:cNvPr>
+          <p:cNvSpPr>
+            <a:spLocks noGrp="1"/>
+          </p:cNvSpPr>
+          <p:nvPr>
+            <p:ph idx="1"/>
+          </p:nvPr>
+        </p:nvSpPr>
+        <p:spPr>
+          <a:xfrm>
+            <a:off x="6968358" y="1825625"/>
+            <a:ext cx="4385441" cy="4351338"/>
+          </a:xfrm>
+        </p:spPr>
+        <p:txBody>
+          <a:bodyPr>
+            <a:normAutofit fontScale="70000" lnSpcReduction="20000"/>
+          </a:bodyPr>
+          <a:lstStyle/>
+          <a:p>
+            <a:r>
+              <a:rPr lang="en-US" dirty="0"/>
+              <a:t>ISF as a source of noise: </a:t>
+            </a:r>
+          </a:p>
+          <a:p>
+            <a:pPr lvl="1"/>
+            <a:r>
+              <a:rPr lang="en-US" dirty="0"/>
+              <a:t>Peaks are generated from fragments of the original molecule </a:t>
+            </a:r>
+          </a:p>
+          <a:p>
+            <a:pPr lvl="1"/>
+            <a:r>
+              <a:rPr lang="en-US" dirty="0"/>
+              <a:t>MS that we observe from experiments is a forest instead of a tree</a:t>
+            </a:r>
+          </a:p>
+          <a:p>
+            <a:r>
+              <a:rPr lang="en-US" dirty="0"/>
+              <a:t>Current method to denoise: </a:t>
+            </a:r>
+          </a:p>
+          <a:p>
+            <a:pPr lvl="1"/>
+            <a:r>
+              <a:rPr lang="en-US" dirty="0"/>
+              <a:t>Thresholding: remove peaks if the intensity falls below a certain 5% of the base peak</a:t>
+            </a:r>
+          </a:p>
+          <a:p>
+            <a:pPr lvl="1"/>
+            <a:r>
+              <a:rPr lang="en-US" dirty="0"/>
+              <a:t>Convenient but insufficient to perform proper denoising; good threshold to set often varies greatly with instrument used </a:t>
+            </a:r>
+            <a:r>
+              <a:rPr lang="en-US" dirty="0" err="1"/>
+              <a:t>etc</a:t>
+            </a:r>
+            <a:endParaRPr lang="en-US" dirty="0"/>
+          </a:p>
+          <a:p>
+            <a:r>
+              <a:rPr lang="en-US" dirty="0"/>
+              <a:t>Question:</a:t>
+            </a:r>
+          </a:p>
+          <a:p>
+            <a:pPr lvl="1"/>
+            <a:r>
+              <a:rPr lang="en-US" dirty="0"/>
+              <a:t>How can we use methods / algorithms from signal processing to denoise the MS? </a:t>
+            </a:r>
+          </a:p>
+          <a:p>
+            <a:pPr lvl="1"/>
+            <a:r>
+              <a:rPr lang="en-US" dirty="0"/>
+              <a:t>Can we perhaps recover individual trees from the MS?</a:t>
+            </a:r>
+          </a:p>
+        </p:txBody>
+      </p:sp>
+      <p:pic>
+        <p:nvPicPr>
+          <p:cNvPr id="4" name="Picture 3">
+            <a:extLst>
+              <a:ext uri="{FF2B5EF4-FFF2-40B4-BE49-F238E27FC236}">
+                <a16:creationId xmlns:a16="http://schemas.microsoft.com/office/drawing/2014/main" id="{5CED1C4E-92D0-C2B2-3A0D-71718632C213}"/>
+              </a:ext>
+            </a:extLst>
+          </p:cNvPr>
+          <p:cNvPicPr>
+            <a:picLocks noChangeAspect="1"/>
+          </p:cNvPicPr>
+          <p:nvPr/>
+        </p:nvPicPr>
+        <p:blipFill>
+          <a:blip r:embed="rId2"/>
+          <a:stretch>
+            <a:fillRect/>
+          </a:stretch>
+        </p:blipFill>
+        <p:spPr>
+          <a:xfrm>
+            <a:off x="539415" y="1570797"/>
+            <a:ext cx="6318586" cy="4713094"/>
+          </a:xfrm>
+          <a:prstGeom prst="rect">
+            <a:avLst/>
+          </a:prstGeom>
+        </p:spPr>
+      </p:pic>
+    </p:spTree>
+    <p:extLst>
+      <p:ext uri="{BB962C8B-B14F-4D97-AF65-F5344CB8AC3E}">
+        <p14:creationId xmlns:p14="http://schemas.microsoft.com/office/powerpoint/2010/main" val="3763371723"/>
+      </p:ext>
+    </p:extLst>
+  </p:cSld>
+  <p:clrMapOvr>
+    <a:masterClrMapping/>
+  </p:clrMapOvr>
+</p:sld>
+</file>
+
+<file path=ppt/slides/slide25.xml><?xml version="1.0" encoding="utf-8"?>
+<p:sld xmlns:a="http://schemas.openxmlformats.org/drawingml/2006/main" xmlns:r="http://schemas.openxmlformats.org/officeDocument/2006/relationships" xmlns:p="http://schemas.openxmlformats.org/presentationml/2006/main">
+  <p:cSld>
+    <p:spTree>
+      <p:nvGrpSpPr>
+        <p:cNvPr id="1" name=""/>
+        <p:cNvGrpSpPr/>
+        <p:nvPr/>
+      </p:nvGrpSpPr>
+      <p:grpSpPr>
+        <a:xfrm>
+          <a:off x="0" y="0"/>
+          <a:ext cx="0" cy="0"/>
+          <a:chOff x="0" y="0"/>
+          <a:chExt cx="0" cy="0"/>
+        </a:xfrm>
+      </p:grpSpPr>
+      <p:sp>
+        <p:nvSpPr>
+          <p:cNvPr id="2" name="Title 1">
+            <a:extLst>
+              <a:ext uri="{FF2B5EF4-FFF2-40B4-BE49-F238E27FC236}">
+                <a16:creationId xmlns:a16="http://schemas.microsoft.com/office/drawing/2014/main" id="{9D508AD0-1851-AE25-8F20-94133A4D845B}"/>
+              </a:ext>
+            </a:extLst>
+          </p:cNvPr>
+          <p:cNvSpPr>
+            <a:spLocks noGrp="1"/>
+          </p:cNvSpPr>
+          <p:nvPr>
+            <p:ph type="title"/>
+          </p:nvPr>
+        </p:nvSpPr>
+        <p:spPr/>
+        <p:txBody>
+          <a:bodyPr/>
+          <a:lstStyle/>
+          <a:p>
+            <a:r>
+              <a:rPr lang="en-SG" dirty="0"/>
+              <a:t>Signal Processing for Denoising</a:t>
+            </a:r>
+          </a:p>
+        </p:txBody>
+      </p:sp>
+      <p:sp>
+        <p:nvSpPr>
+          <p:cNvPr id="3" name="Content Placeholder 2">
+            <a:extLst>
+              <a:ext uri="{FF2B5EF4-FFF2-40B4-BE49-F238E27FC236}">
+                <a16:creationId xmlns:a16="http://schemas.microsoft.com/office/drawing/2014/main" id="{A28F116D-B39A-D688-27C8-6B1F4E4917A1}"/>
+              </a:ext>
+            </a:extLst>
+          </p:cNvPr>
+          <p:cNvSpPr>
+            <a:spLocks noGrp="1"/>
+          </p:cNvSpPr>
+          <p:nvPr>
+            <p:ph idx="1"/>
+          </p:nvPr>
+        </p:nvSpPr>
+        <p:spPr/>
+        <p:txBody>
+          <a:bodyPr/>
+          <a:lstStyle/>
+          <a:p>
+            <a:r>
+              <a:rPr lang="en-SG" dirty="0"/>
+              <a:t>Start with a mathematical model representing the MS </a:t>
+            </a:r>
+          </a:p>
+        </p:txBody>
+      </p:sp>
+      <mc:AlternateContent xmlns:mc="http://schemas.openxmlformats.org/markup-compatibility/2006" xmlns:a14="http://schemas.microsoft.com/office/drawing/2010/main">
+        <mc:Choice Requires="a14">
+          <p:sp>
+            <p:nvSpPr>
+              <p:cNvPr id="4" name="TextBox 3">
+                <a:extLst>
+                  <a:ext uri="{FF2B5EF4-FFF2-40B4-BE49-F238E27FC236}">
+                    <a16:creationId xmlns:a16="http://schemas.microsoft.com/office/drawing/2014/main" id="{7EB1D332-11F6-83F2-FCAD-B09A62B93EAE}"/>
+                  </a:ext>
+                </a:extLst>
+              </p:cNvPr>
+              <p:cNvSpPr txBox="1"/>
+              <p:nvPr/>
+            </p:nvSpPr>
+            <p:spPr>
+              <a:xfrm>
+                <a:off x="4533985" y="2813447"/>
+                <a:ext cx="2547620" cy="615553"/>
+              </a:xfrm>
+              <a:prstGeom prst="rect">
+                <a:avLst/>
+              </a:prstGeom>
+              <a:noFill/>
+            </p:spPr>
+            <p:txBody>
+              <a:bodyPr wrap="none" lIns="0" tIns="0" rIns="0" bIns="0" rtlCol="0">
+                <a:spAutoFit/>
+              </a:bodyPr>
+              <a:lstStyle/>
+              <a:p>
+                <a:r>
+                  <a:rPr lang="en-SG" sz="4000" dirty="0"/>
+                  <a:t>Y </a:t>
+                </a:r>
+                <a14:m>
+                  <m:oMath xmlns:m="http://schemas.openxmlformats.org/officeDocument/2006/math">
+                    <m:r>
+                      <a:rPr lang="en-SG" sz="4000" i="1" smtClean="0">
+                        <a:latin typeface="Cambria Math" panose="02040503050406030204" pitchFamily="18" charset="0"/>
+                      </a:rPr>
+                      <m:t>=</m:t>
+                    </m:r>
+                    <m:r>
+                      <a:rPr lang="en-SG" sz="4000" b="0" i="1" smtClean="0">
+                        <a:latin typeface="Cambria Math" panose="02040503050406030204" pitchFamily="18" charset="0"/>
+                      </a:rPr>
+                      <m:t>𝐴𝑥</m:t>
+                    </m:r>
+                    <m:r>
+                      <a:rPr lang="en-SG" sz="4000" b="0" i="1" smtClean="0">
+                        <a:latin typeface="Cambria Math" panose="02040503050406030204" pitchFamily="18" charset="0"/>
+                      </a:rPr>
+                      <m:t>+</m:t>
+                    </m:r>
+                    <m:r>
+                      <a:rPr lang="en-SG" sz="4000" b="0" i="1" smtClean="0">
+                        <a:latin typeface="Cambria Math" panose="02040503050406030204" pitchFamily="18" charset="0"/>
+                      </a:rPr>
+                      <m:t>𝑛</m:t>
+                    </m:r>
+                    <m:r>
+                      <a:rPr lang="en-SG" sz="4000" b="0" i="1" smtClean="0">
+                        <a:latin typeface="Cambria Math" panose="02040503050406030204" pitchFamily="18" charset="0"/>
+                      </a:rPr>
+                      <m:t> </m:t>
+                    </m:r>
+                  </m:oMath>
+                </a14:m>
+                <a:endParaRPr lang="en-SG" sz="4000" dirty="0"/>
+              </a:p>
+            </p:txBody>
+          </p:sp>
+        </mc:Choice>
+        <mc:Fallback xmlns="">
+          <p:sp>
+            <p:nvSpPr>
+              <p:cNvPr id="4" name="TextBox 3">
+                <a:extLst>
+                  <a:ext uri="{FF2B5EF4-FFF2-40B4-BE49-F238E27FC236}">
+                    <a16:creationId xmlns:a16="http://schemas.microsoft.com/office/drawing/2014/main" id="{7EB1D332-11F6-83F2-FCAD-B09A62B93EAE}"/>
+                  </a:ext>
+                </a:extLst>
+              </p:cNvPr>
+              <p:cNvSpPr txBox="1">
+                <a:spLocks noRot="1" noChangeAspect="1" noMove="1" noResize="1" noEditPoints="1" noAdjustHandles="1" noChangeArrowheads="1" noChangeShapeType="1" noTextEdit="1"/>
+              </p:cNvSpPr>
+              <p:nvPr/>
+            </p:nvSpPr>
+            <p:spPr>
+              <a:xfrm>
+                <a:off x="4533985" y="2813447"/>
+                <a:ext cx="2547620" cy="615553"/>
+              </a:xfrm>
+              <a:prstGeom prst="rect">
+                <a:avLst/>
+              </a:prstGeom>
+              <a:blipFill>
+                <a:blip r:embed="rId2"/>
+                <a:stretch>
+                  <a:fillRect l="-12201" t="-25743" b="-48515"/>
+                </a:stretch>
+              </a:blipFill>
+            </p:spPr>
+            <p:txBody>
+              <a:bodyPr/>
+              <a:lstStyle/>
+              <a:p>
+                <a:r>
+                  <a:rPr lang="en-SG">
+                    <a:noFill/>
+                  </a:rPr>
+                  <a:t> </a:t>
+                </a:r>
+              </a:p>
+            </p:txBody>
+          </p:sp>
+        </mc:Fallback>
+      </mc:AlternateContent>
+      <p:sp>
+        <p:nvSpPr>
+          <p:cNvPr id="5" name="TextBox 4">
+            <a:extLst>
+              <a:ext uri="{FF2B5EF4-FFF2-40B4-BE49-F238E27FC236}">
+                <a16:creationId xmlns:a16="http://schemas.microsoft.com/office/drawing/2014/main" id="{07FCCBE9-1115-68F3-AD25-9A50009E9E75}"/>
+              </a:ext>
+            </a:extLst>
+          </p:cNvPr>
+          <p:cNvSpPr txBox="1"/>
+          <p:nvPr/>
+        </p:nvSpPr>
+        <p:spPr>
+          <a:xfrm>
+            <a:off x="1772307" y="4199804"/>
+            <a:ext cx="9358148" cy="1569660"/>
+          </a:xfrm>
+          <a:prstGeom prst="rect">
+            <a:avLst/>
+          </a:prstGeom>
+          <a:noFill/>
+        </p:spPr>
+        <p:txBody>
+          <a:bodyPr wrap="square" rtlCol="0">
+            <a:spAutoFit/>
+          </a:bodyPr>
+          <a:lstStyle/>
+          <a:p>
+            <a:r>
+              <a:rPr lang="en-SG" sz="2400" dirty="0"/>
+              <a:t>Y: a vector of intensity for a list of masses for </a:t>
+            </a:r>
+            <a:r>
+              <a:rPr lang="en-SG" sz="2400" b="1" i="1" dirty="0"/>
+              <a:t>theoretically</a:t>
+            </a:r>
+            <a:r>
+              <a:rPr lang="en-SG" sz="2400" dirty="0"/>
+              <a:t> possible fragments</a:t>
+            </a:r>
+          </a:p>
+          <a:p>
+            <a:r>
+              <a:rPr lang="en-SG" sz="2400" dirty="0"/>
+              <a:t>x: a binary vector for </a:t>
+            </a:r>
+            <a:r>
+              <a:rPr lang="en-SG" sz="2400" b="1" i="1" dirty="0"/>
+              <a:t> chemically*</a:t>
+            </a:r>
+            <a:r>
+              <a:rPr lang="en-SG" sz="2400" dirty="0"/>
+              <a:t> possible fragments</a:t>
+            </a:r>
+          </a:p>
+          <a:p>
+            <a:r>
+              <a:rPr lang="en-SG" sz="2400" dirty="0"/>
+              <a:t>n: noise</a:t>
+            </a:r>
+          </a:p>
+        </p:txBody>
+      </p:sp>
+      <p:sp>
+        <p:nvSpPr>
+          <p:cNvPr id="6" name="TextBox 5">
+            <a:extLst>
+              <a:ext uri="{FF2B5EF4-FFF2-40B4-BE49-F238E27FC236}">
+                <a16:creationId xmlns:a16="http://schemas.microsoft.com/office/drawing/2014/main" id="{171B7409-4EB1-39D4-6944-CB57F08BED65}"/>
+              </a:ext>
+            </a:extLst>
+          </p:cNvPr>
+          <p:cNvSpPr txBox="1"/>
+          <p:nvPr/>
+        </p:nvSpPr>
+        <p:spPr>
+          <a:xfrm>
+            <a:off x="838199" y="6127234"/>
+            <a:ext cx="10662745" cy="369332"/>
+          </a:xfrm>
+          <a:prstGeom prst="rect">
+            <a:avLst/>
+          </a:prstGeom>
+          <a:noFill/>
+        </p:spPr>
+        <p:txBody>
+          <a:bodyPr wrap="square" rtlCol="0">
+            <a:spAutoFit/>
+          </a:bodyPr>
+          <a:lstStyle/>
+          <a:p>
+            <a:r>
+              <a:rPr lang="en-SG" dirty="0"/>
+              <a:t>* We can use molecular dynamics / quantum chemistry theories to obtain chemically possible fragments</a:t>
+            </a:r>
+          </a:p>
+        </p:txBody>
+      </p:sp>
+    </p:spTree>
+    <p:extLst>
+      <p:ext uri="{BB962C8B-B14F-4D97-AF65-F5344CB8AC3E}">
+        <p14:creationId xmlns:p14="http://schemas.microsoft.com/office/powerpoint/2010/main" val="778190718"/>
+      </p:ext>
+    </p:extLst>
+  </p:cSld>
+  <p:clrMapOvr>
+    <a:masterClrMapping/>
+  </p:clrMapOvr>
+</p:sld>
+</file>
+
+<file path=ppt/slides/slide26.xml><?xml version="1.0" encoding="utf-8"?>
+<p:sld xmlns:a="http://schemas.openxmlformats.org/drawingml/2006/main" xmlns:r="http://schemas.openxmlformats.org/officeDocument/2006/relationships" xmlns:p="http://schemas.openxmlformats.org/presentationml/2006/main">
+  <p:cSld>
+    <p:spTree>
+      <p:nvGrpSpPr>
+        <p:cNvPr id="1" name=""/>
+        <p:cNvGrpSpPr/>
+        <p:nvPr/>
+      </p:nvGrpSpPr>
+      <p:grpSpPr>
+        <a:xfrm>
+          <a:off x="0" y="0"/>
+          <a:ext cx="0" cy="0"/>
+          <a:chOff x="0" y="0"/>
+          <a:chExt cx="0" cy="0"/>
+        </a:xfrm>
+      </p:grpSpPr>
+      <p:sp>
+        <p:nvSpPr>
+          <p:cNvPr id="2" name="Title 1">
+            <a:extLst>
+              <a:ext uri="{FF2B5EF4-FFF2-40B4-BE49-F238E27FC236}">
+                <a16:creationId xmlns:a16="http://schemas.microsoft.com/office/drawing/2014/main" id="{9D508AD0-1851-AE25-8F20-94133A4D845B}"/>
+              </a:ext>
+            </a:extLst>
+          </p:cNvPr>
+          <p:cNvSpPr>
+            <a:spLocks noGrp="1"/>
+          </p:cNvSpPr>
+          <p:nvPr>
+            <p:ph type="title"/>
+          </p:nvPr>
+        </p:nvSpPr>
+        <p:spPr/>
+        <p:txBody>
+          <a:bodyPr/>
+          <a:lstStyle/>
+          <a:p>
+            <a:r>
+              <a:rPr lang="en-SG" dirty="0"/>
+              <a:t>Signal Processing for Denoising</a:t>
+            </a:r>
+          </a:p>
+        </p:txBody>
+      </p:sp>
+      <p:sp>
+        <p:nvSpPr>
+          <p:cNvPr id="3" name="Content Placeholder 2">
+            <a:extLst>
+              <a:ext uri="{FF2B5EF4-FFF2-40B4-BE49-F238E27FC236}">
+                <a16:creationId xmlns:a16="http://schemas.microsoft.com/office/drawing/2014/main" id="{A28F116D-B39A-D688-27C8-6B1F4E4917A1}"/>
+              </a:ext>
+            </a:extLst>
+          </p:cNvPr>
+          <p:cNvSpPr>
+            <a:spLocks noGrp="1"/>
+          </p:cNvSpPr>
+          <p:nvPr>
+            <p:ph idx="1"/>
+          </p:nvPr>
+        </p:nvSpPr>
+        <p:spPr/>
+        <p:txBody>
+          <a:bodyPr/>
+          <a:lstStyle/>
+          <a:p>
+            <a:r>
+              <a:rPr lang="en-SG" dirty="0"/>
+              <a:t>Modelling relationships between the fragments</a:t>
+            </a:r>
+          </a:p>
+          <a:p>
+            <a:pPr lvl="1"/>
+            <a:r>
+              <a:rPr lang="en-SG" b="1" dirty="0"/>
+              <a:t>Sparse: </a:t>
+            </a:r>
+            <a:r>
+              <a:rPr lang="en-SG" dirty="0"/>
+              <a:t>there is a difference between </a:t>
+            </a:r>
+            <a:r>
+              <a:rPr lang="en-SG" b="1" i="1" dirty="0"/>
+              <a:t>theoretically possible </a:t>
+            </a:r>
+            <a:r>
+              <a:rPr lang="en-SG" dirty="0"/>
+              <a:t>and </a:t>
+            </a:r>
+            <a:r>
+              <a:rPr lang="en-SG" b="1" i="1" dirty="0"/>
+              <a:t>chemically possible </a:t>
+            </a:r>
+            <a:r>
+              <a:rPr lang="en-SG" dirty="0"/>
+              <a:t>fragments</a:t>
+            </a:r>
+          </a:p>
+          <a:p>
+            <a:pPr lvl="2"/>
+            <a:r>
+              <a:rPr lang="en-SG" dirty="0"/>
+              <a:t>Some fragments are unstable and would bond with other fragments to form a stable compound </a:t>
+            </a:r>
+          </a:p>
+          <a:p>
+            <a:pPr lvl="2"/>
+            <a:r>
+              <a:rPr lang="en-SG" dirty="0"/>
+              <a:t>Requires energy above bond dissociation energy for the bond to break </a:t>
+            </a:r>
+          </a:p>
+          <a:p>
+            <a:pPr lvl="1"/>
+            <a:r>
+              <a:rPr lang="en-SG" b="1" dirty="0"/>
+              <a:t>Graph structure:</a:t>
+            </a:r>
+          </a:p>
+          <a:p>
+            <a:pPr lvl="2"/>
+            <a:r>
+              <a:rPr lang="en-SG" dirty="0"/>
+              <a:t>Assumptions of fragmentation that occurs; tree structure? Subsets of formula?</a:t>
+            </a:r>
+          </a:p>
+          <a:p>
+            <a:pPr lvl="1"/>
+            <a:endParaRPr lang="en-SG" b="1" dirty="0"/>
+          </a:p>
+          <a:p>
+            <a:pPr lvl="2"/>
+            <a:endParaRPr lang="en-SG" dirty="0"/>
+          </a:p>
+          <a:p>
+            <a:pPr lvl="1"/>
+            <a:endParaRPr lang="en-SG" dirty="0"/>
+          </a:p>
+        </p:txBody>
+      </p:sp>
+    </p:spTree>
+    <p:extLst>
+      <p:ext uri="{BB962C8B-B14F-4D97-AF65-F5344CB8AC3E}">
+        <p14:creationId xmlns:p14="http://schemas.microsoft.com/office/powerpoint/2010/main" val="3008229014"/>
+      </p:ext>
+    </p:extLst>
+  </p:cSld>
+  <p:clrMapOvr>
+    <a:masterClrMapping/>
+  </p:clrMapOvr>
+</p:sld>
+</file>
+
+<file path=ppt/slides/slide27.xml><?xml version="1.0" encoding="utf-8"?>
+<p:sld xmlns:a="http://schemas.openxmlformats.org/drawingml/2006/main" xmlns:r="http://schemas.openxmlformats.org/officeDocument/2006/relationships" xmlns:p="http://schemas.openxmlformats.org/presentationml/2006/main">
+  <p:cSld>
+    <p:spTree>
+      <p:nvGrpSpPr>
+        <p:cNvPr id="1" name=""/>
+        <p:cNvGrpSpPr/>
+        <p:nvPr/>
+      </p:nvGrpSpPr>
+      <p:grpSpPr>
+        <a:xfrm>
+          <a:off x="0" y="0"/>
+          <a:ext cx="0" cy="0"/>
+          <a:chOff x="0" y="0"/>
+          <a:chExt cx="0" cy="0"/>
+        </a:xfrm>
+      </p:grpSpPr>
+      <p:sp>
+        <p:nvSpPr>
+          <p:cNvPr id="2" name="Title 1">
+            <a:extLst>
+              <a:ext uri="{FF2B5EF4-FFF2-40B4-BE49-F238E27FC236}">
+                <a16:creationId xmlns:a16="http://schemas.microsoft.com/office/drawing/2014/main" id="{E3ECE819-DE9B-62F0-EA2D-BB75BFB5252A}"/>
+              </a:ext>
+            </a:extLst>
+          </p:cNvPr>
+          <p:cNvSpPr>
+            <a:spLocks noGrp="1"/>
+          </p:cNvSpPr>
+          <p:nvPr>
+            <p:ph type="title"/>
+          </p:nvPr>
+        </p:nvSpPr>
+        <p:spPr/>
+        <p:txBody>
+          <a:bodyPr/>
+          <a:lstStyle/>
+          <a:p>
+            <a:endParaRPr lang="en-SG"/>
+          </a:p>
+        </p:txBody>
+      </p:sp>
+      <p:sp>
+        <p:nvSpPr>
+          <p:cNvPr id="3" name="Content Placeholder 2">
+            <a:extLst>
+              <a:ext uri="{FF2B5EF4-FFF2-40B4-BE49-F238E27FC236}">
+                <a16:creationId xmlns:a16="http://schemas.microsoft.com/office/drawing/2014/main" id="{EC502205-E5C2-3A62-B7F6-481FEC52F808}"/>
+              </a:ext>
+            </a:extLst>
+          </p:cNvPr>
+          <p:cNvSpPr>
+            <a:spLocks noGrp="1"/>
+          </p:cNvSpPr>
+          <p:nvPr>
+            <p:ph idx="1"/>
+          </p:nvPr>
+        </p:nvSpPr>
+        <p:spPr/>
+        <p:txBody>
+          <a:bodyPr/>
+          <a:lstStyle/>
+          <a:p>
+            <a:r>
+              <a:rPr lang="en-SG" dirty="0"/>
+              <a:t>Add in MS2deepscore 2 as part of the analysis</a:t>
+            </a:r>
+          </a:p>
+          <a:p>
+            <a:r>
+              <a:rPr lang="en-SG" dirty="0"/>
+              <a:t>Reason for bad performance </a:t>
+            </a:r>
+          </a:p>
+          <a:p>
+            <a:r>
+              <a:rPr lang="en-SG" dirty="0"/>
+              <a:t>Pretrained model for MS </a:t>
+            </a:r>
+          </a:p>
+          <a:p>
+            <a:pPr lvl="1"/>
+            <a:r>
+              <a:rPr lang="en-SG" dirty="0"/>
+              <a:t>Invariance and a different unsupervised task </a:t>
+            </a:r>
+          </a:p>
+          <a:p>
+            <a:pPr lvl="2"/>
+            <a:r>
+              <a:rPr lang="en-SG" dirty="0"/>
+              <a:t>Denoising </a:t>
+            </a:r>
+          </a:p>
+          <a:p>
+            <a:pPr lvl="2"/>
+            <a:endParaRPr lang="en-SG" dirty="0"/>
+          </a:p>
+          <a:p>
+            <a:pPr lvl="1"/>
+            <a:endParaRPr lang="en-SG" dirty="0"/>
+          </a:p>
+        </p:txBody>
+      </p:sp>
+    </p:spTree>
+    <p:extLst>
+      <p:ext uri="{BB962C8B-B14F-4D97-AF65-F5344CB8AC3E}">
+        <p14:creationId xmlns:p14="http://schemas.microsoft.com/office/powerpoint/2010/main" val="130498429"/>
+      </p:ext>
+    </p:extLst>
+  </p:cSld>
+  <p:clrMapOvr>
+    <a:masterClrMapping/>
+  </p:clrMapOvr>
+</p:sld>
+</file>
+
+<file path=ppt/slides/slide3.xml><?xml version="1.0" encoding="utf-8"?>
+<p:sld xmlns:a="http://schemas.openxmlformats.org/drawingml/2006/main" xmlns:r="http://schemas.openxmlformats.org/officeDocument/2006/relationships" xmlns:p="http://schemas.openxmlformats.org/presentationml/2006/main">
+  <p:cSld>
+    <p:spTree>
+      <p:nvGrpSpPr>
+        <p:cNvPr id="1" name=""/>
+        <p:cNvGrpSpPr/>
+        <p:nvPr/>
+      </p:nvGrpSpPr>
+      <p:grpSpPr>
+        <a:xfrm>
+          <a:off x="0" y="0"/>
+          <a:ext cx="0" cy="0"/>
+          <a:chOff x="0" y="0"/>
+          <a:chExt cx="0" cy="0"/>
+        </a:xfrm>
+      </p:grpSpPr>
+      <p:sp>
+        <p:nvSpPr>
+          <p:cNvPr id="2" name="Title 1">
+            <a:extLst>
+              <a:ext uri="{FF2B5EF4-FFF2-40B4-BE49-F238E27FC236}">
+                <a16:creationId xmlns:a16="http://schemas.microsoft.com/office/drawing/2014/main" id="{C0B4DB66-97BE-2405-492A-4C9038242A9F}"/>
+              </a:ext>
+            </a:extLst>
+          </p:cNvPr>
+          <p:cNvSpPr>
+            <a:spLocks noGrp="1"/>
+          </p:cNvSpPr>
+          <p:nvPr>
+            <p:ph type="title"/>
+          </p:nvPr>
+        </p:nvSpPr>
+        <p:spPr/>
+        <p:txBody>
+          <a:bodyPr>
+            <a:normAutofit/>
+          </a:bodyPr>
+          <a:lstStyle/>
+          <a:p>
+            <a:r>
+              <a:rPr lang="en-US" dirty="0"/>
+              <a:t>High Resolution Liquid Chromatography - Mass Spectrometry</a:t>
+            </a:r>
+            <a:endParaRPr lang="en-SG" dirty="0"/>
+          </a:p>
+        </p:txBody>
+      </p:sp>
+      <p:sp>
+        <p:nvSpPr>
+          <p:cNvPr id="3" name="Content Placeholder 2">
+            <a:extLst>
+              <a:ext uri="{FF2B5EF4-FFF2-40B4-BE49-F238E27FC236}">
+                <a16:creationId xmlns:a16="http://schemas.microsoft.com/office/drawing/2014/main" id="{8E1DAF4B-464E-65D7-9B7E-BD152C6F6D81}"/>
+              </a:ext>
+            </a:extLst>
+          </p:cNvPr>
+          <p:cNvSpPr>
+            <a:spLocks noGrp="1"/>
+          </p:cNvSpPr>
+          <p:nvPr>
+            <p:ph idx="1"/>
+          </p:nvPr>
+        </p:nvSpPr>
+        <p:spPr/>
+        <p:txBody>
+          <a:bodyPr/>
+          <a:lstStyle/>
+          <a:p>
+            <a:r>
+              <a:rPr lang="en-US" dirty="0">
+                <a:solidFill>
+                  <a:srgbClr val="202124"/>
+                </a:solidFill>
+              </a:rPr>
+              <a:t>An a</a:t>
+            </a:r>
+            <a:r>
+              <a:rPr lang="en-US" b="0" i="0" dirty="0">
+                <a:solidFill>
+                  <a:srgbClr val="202124"/>
+                </a:solidFill>
+                <a:effectLst/>
+              </a:rPr>
+              <a:t>nalytical technique used for separation, identification, and quantification of both unknown and known compounds</a:t>
+            </a:r>
+          </a:p>
+          <a:p>
+            <a:pPr lvl="1"/>
+            <a:r>
+              <a:rPr lang="en-US" b="1" i="1" dirty="0">
+                <a:solidFill>
+                  <a:srgbClr val="202124"/>
+                </a:solidFill>
+                <a:effectLst/>
+              </a:rPr>
+              <a:t>Elucidate</a:t>
+            </a:r>
+            <a:r>
+              <a:rPr lang="en-US" b="0" i="0" dirty="0">
+                <a:solidFill>
+                  <a:srgbClr val="202124"/>
+                </a:solidFill>
+                <a:effectLst/>
+              </a:rPr>
+              <a:t> </a:t>
+            </a:r>
+            <a:r>
+              <a:rPr lang="en-US" b="1" i="1" dirty="0">
+                <a:solidFill>
+                  <a:srgbClr val="202124"/>
+                </a:solidFill>
+                <a:effectLst/>
+              </a:rPr>
+              <a:t>the structure</a:t>
+            </a:r>
+            <a:r>
+              <a:rPr lang="en-US" b="0" i="0" dirty="0">
+                <a:solidFill>
+                  <a:srgbClr val="202124"/>
+                </a:solidFill>
+                <a:effectLst/>
+              </a:rPr>
+              <a:t> and chemical properties </a:t>
+            </a:r>
+            <a:r>
+              <a:rPr lang="en-US" b="1" i="1" dirty="0">
+                <a:solidFill>
+                  <a:srgbClr val="202124"/>
+                </a:solidFill>
+                <a:effectLst/>
+              </a:rPr>
+              <a:t>of different molecules</a:t>
+            </a:r>
+          </a:p>
+          <a:p>
+            <a:pPr lvl="1"/>
+            <a:r>
+              <a:rPr lang="en-US" dirty="0"/>
+              <a:t>Applications: screening for drugs, identifying toxins in the environment, and detecting certain metabolic disorders in infants</a:t>
+            </a:r>
+          </a:p>
+          <a:p>
+            <a:pPr marL="0" indent="0">
+              <a:buNone/>
+            </a:pPr>
+            <a:endParaRPr lang="en-SG" dirty="0"/>
+          </a:p>
+        </p:txBody>
+      </p:sp>
+    </p:spTree>
+    <p:extLst>
+      <p:ext uri="{BB962C8B-B14F-4D97-AF65-F5344CB8AC3E}">
+        <p14:creationId xmlns:p14="http://schemas.microsoft.com/office/powerpoint/2010/main" val="1762545707"/>
+      </p:ext>
+    </p:extLst>
+  </p:cSld>
+  <p:clrMapOvr>
+    <a:masterClrMapping/>
+  </p:clrMapOvr>
+</p:sld>
+</file>
+
+<file path=ppt/slides/slide4.xml><?xml version="1.0" encoding="utf-8"?>
+<p:sld xmlns:a="http://schemas.openxmlformats.org/drawingml/2006/main" xmlns:r="http://schemas.openxmlformats.org/officeDocument/2006/relationships" xmlns:p="http://schemas.openxmlformats.org/presentationml/2006/main">
+  <p:cSld>
+    <p:spTree>
+      <p:nvGrpSpPr>
+        <p:cNvPr id="1" name=""/>
+        <p:cNvGrpSpPr/>
+        <p:nvPr/>
+      </p:nvGrpSpPr>
+      <p:grpSpPr>
+        <a:xfrm>
+          <a:off x="0" y="0"/>
+          <a:ext cx="0" cy="0"/>
+          <a:chOff x="0" y="0"/>
+          <a:chExt cx="0" cy="0"/>
+        </a:xfrm>
+      </p:grpSpPr>
+      <p:sp>
+        <p:nvSpPr>
+          <p:cNvPr id="2" name="Title 1">
+            <a:extLst>
+              <a:ext uri="{FF2B5EF4-FFF2-40B4-BE49-F238E27FC236}">
+                <a16:creationId xmlns:a16="http://schemas.microsoft.com/office/drawing/2014/main" id="{B8E36110-3D41-5F66-56DB-008641CBD8C9}"/>
+              </a:ext>
+            </a:extLst>
+          </p:cNvPr>
+          <p:cNvSpPr>
+            <a:spLocks noGrp="1"/>
+          </p:cNvSpPr>
+          <p:nvPr>
+            <p:ph type="title"/>
+          </p:nvPr>
+        </p:nvSpPr>
+        <p:spPr/>
+        <p:txBody>
+          <a:bodyPr/>
+          <a:lstStyle/>
+          <a:p>
+            <a:r>
+              <a:rPr lang="en-SG" dirty="0"/>
+              <a:t>Paper Motivation</a:t>
+            </a:r>
+          </a:p>
+        </p:txBody>
+      </p:sp>
+      <p:sp>
+        <p:nvSpPr>
+          <p:cNvPr id="3" name="Content Placeholder 2">
+            <a:extLst>
+              <a:ext uri="{FF2B5EF4-FFF2-40B4-BE49-F238E27FC236}">
+                <a16:creationId xmlns:a16="http://schemas.microsoft.com/office/drawing/2014/main" id="{24125402-75BE-135B-B64B-0CA1F4ABCC49}"/>
+              </a:ext>
+            </a:extLst>
+          </p:cNvPr>
+          <p:cNvSpPr>
+            <a:spLocks noGrp="1"/>
+          </p:cNvSpPr>
+          <p:nvPr>
+            <p:ph idx="1"/>
+          </p:nvPr>
+        </p:nvSpPr>
+        <p:spPr/>
+        <p:txBody>
+          <a:bodyPr>
+            <a:normAutofit/>
+          </a:bodyPr>
+          <a:lstStyle/>
+          <a:p>
+            <a:r>
+              <a:rPr lang="en-SG" dirty="0"/>
+              <a:t>Paper outline: </a:t>
+            </a:r>
+          </a:p>
+          <a:p>
+            <a:pPr lvl="1"/>
+            <a:r>
+              <a:rPr lang="en-SG" dirty="0"/>
+              <a:t>Description of current workflows / methods for performing structural elucidation</a:t>
+            </a:r>
+          </a:p>
+          <a:p>
+            <a:pPr lvl="1"/>
+            <a:r>
+              <a:rPr lang="en-SG" dirty="0"/>
+              <a:t>Consolidation and quantification of previously highlighted limitations of ML methods to perform chemical structure elucidation given MS</a:t>
+            </a:r>
+          </a:p>
+          <a:p>
+            <a:pPr lvl="1"/>
+            <a:r>
+              <a:rPr lang="en-SG" dirty="0"/>
+              <a:t>Identification of other questions related to understanding the performance of ML for MS </a:t>
+            </a:r>
+          </a:p>
+          <a:p>
+            <a:pPr lvl="1"/>
+            <a:r>
+              <a:rPr lang="en-SG" dirty="0"/>
+              <a:t>Possible way forward to modelling MS with ML</a:t>
+            </a:r>
+          </a:p>
+          <a:p>
+            <a:pPr lvl="1"/>
+            <a:endParaRPr lang="en-SG" dirty="0"/>
+          </a:p>
+          <a:p>
+            <a:pPr marL="0" indent="0">
+              <a:buNone/>
+            </a:pPr>
+            <a:endParaRPr lang="en-SG" dirty="0"/>
+          </a:p>
+          <a:p>
+            <a:endParaRPr lang="en-SG" b="1" dirty="0"/>
+          </a:p>
+        </p:txBody>
+      </p:sp>
+    </p:spTree>
+    <p:extLst>
+      <p:ext uri="{BB962C8B-B14F-4D97-AF65-F5344CB8AC3E}">
+        <p14:creationId xmlns:p14="http://schemas.microsoft.com/office/powerpoint/2010/main" val="2979247302"/>
+      </p:ext>
+    </p:extLst>
+  </p:cSld>
+  <p:clrMapOvr>
+    <a:masterClrMapping/>
+  </p:clrMapOvr>
+</p:sld>
+</file>
+
+<file path=ppt/slides/slide5.xml><?xml version="1.0" encoding="utf-8"?>
+<p:sld xmlns:a="http://schemas.openxmlformats.org/drawingml/2006/main" xmlns:r="http://schemas.openxmlformats.org/officeDocument/2006/relationships" xmlns:p="http://schemas.openxmlformats.org/presentationml/2006/main">
+  <p:cSld>
+    <p:spTree>
+      <p:nvGrpSpPr>
+        <p:cNvPr id="1" name=""/>
+        <p:cNvGrpSpPr/>
+        <p:nvPr/>
+      </p:nvGrpSpPr>
+      <p:grpSpPr>
+        <a:xfrm>
+          <a:off x="0" y="0"/>
+          <a:ext cx="0" cy="0"/>
+          <a:chOff x="0" y="0"/>
+          <a:chExt cx="0" cy="0"/>
+        </a:xfrm>
+      </p:grpSpPr>
+      <p:sp>
+        <p:nvSpPr>
+          <p:cNvPr id="2" name="Title 1">
+            <a:extLst>
+              <a:ext uri="{FF2B5EF4-FFF2-40B4-BE49-F238E27FC236}">
+                <a16:creationId xmlns:a16="http://schemas.microsoft.com/office/drawing/2014/main" id="{3A04D974-D378-BC91-1E3C-4C0097F69F75}"/>
+              </a:ext>
+            </a:extLst>
+          </p:cNvPr>
+          <p:cNvSpPr>
+            <a:spLocks noGrp="1"/>
+          </p:cNvSpPr>
+          <p:nvPr>
+            <p:ph type="title"/>
+          </p:nvPr>
+        </p:nvSpPr>
+        <p:spPr/>
+        <p:txBody>
+          <a:bodyPr/>
+          <a:lstStyle/>
+          <a:p>
+            <a:r>
+              <a:rPr lang="en-SG" dirty="0"/>
+              <a:t>Current Workflow for ML Methods for MS</a:t>
+            </a:r>
+          </a:p>
+        </p:txBody>
+      </p:sp>
+      <p:pic>
+        <p:nvPicPr>
+          <p:cNvPr id="5" name="Picture 4">
+            <a:extLst>
+              <a:ext uri="{FF2B5EF4-FFF2-40B4-BE49-F238E27FC236}">
+                <a16:creationId xmlns:a16="http://schemas.microsoft.com/office/drawing/2014/main" id="{1730DCD4-C197-B01A-0C34-F9A990D0338D}"/>
+              </a:ext>
+            </a:extLst>
+          </p:cNvPr>
+          <p:cNvPicPr>
+            <a:picLocks noChangeAspect="1"/>
+          </p:cNvPicPr>
+          <p:nvPr/>
+        </p:nvPicPr>
+        <p:blipFill>
+          <a:blip r:embed="rId2"/>
+          <a:stretch>
+            <a:fillRect/>
+          </a:stretch>
+        </p:blipFill>
+        <p:spPr>
+          <a:xfrm>
+            <a:off x="1853379" y="1570547"/>
+            <a:ext cx="8260200" cy="4581701"/>
+          </a:xfrm>
+          <a:prstGeom prst="rect">
+            <a:avLst/>
+          </a:prstGeom>
+        </p:spPr>
+      </p:pic>
+    </p:spTree>
+    <p:extLst>
+      <p:ext uri="{BB962C8B-B14F-4D97-AF65-F5344CB8AC3E}">
+        <p14:creationId xmlns:p14="http://schemas.microsoft.com/office/powerpoint/2010/main" val="1714952707"/>
+      </p:ext>
+    </p:extLst>
+  </p:cSld>
+  <p:clrMapOvr>
+    <a:masterClrMapping/>
+  </p:clrMapOvr>
+</p:sld>
+</file>
+
+<file path=ppt/slides/slide6.xml><?xml version="1.0" encoding="utf-8"?>
+<p:sld xmlns:a="http://schemas.openxmlformats.org/drawingml/2006/main" xmlns:r="http://schemas.openxmlformats.org/officeDocument/2006/relationships" xmlns:p="http://schemas.openxmlformats.org/presentationml/2006/main">
+  <p:cSld>
+    <p:spTree>
+      <p:nvGrpSpPr>
+        <p:cNvPr id="1" name=""/>
+        <p:cNvGrpSpPr/>
+        <p:nvPr/>
+      </p:nvGrpSpPr>
+      <p:grpSpPr>
+        <a:xfrm>
+          <a:off x="0" y="0"/>
+          <a:ext cx="0" cy="0"/>
+          <a:chOff x="0" y="0"/>
+          <a:chExt cx="0" cy="0"/>
+        </a:xfrm>
+      </p:grpSpPr>
+      <p:sp>
+        <p:nvSpPr>
+          <p:cNvPr id="2" name="Title 1">
+            <a:extLst>
+              <a:ext uri="{FF2B5EF4-FFF2-40B4-BE49-F238E27FC236}">
+                <a16:creationId xmlns:a16="http://schemas.microsoft.com/office/drawing/2014/main" id="{EA4A984A-3396-6833-2957-70F21C3F9B04}"/>
+              </a:ext>
+            </a:extLst>
+          </p:cNvPr>
+          <p:cNvSpPr>
+            <a:spLocks noGrp="1"/>
+          </p:cNvSpPr>
+          <p:nvPr>
+            <p:ph type="title"/>
+          </p:nvPr>
+        </p:nvSpPr>
+        <p:spPr/>
+        <p:txBody>
+          <a:bodyPr/>
+          <a:lstStyle/>
+          <a:p>
+            <a:r>
+              <a:rPr lang="en-SG" dirty="0"/>
+              <a:t>Dataset used for analysis</a:t>
+            </a:r>
+          </a:p>
+        </p:txBody>
+      </p:sp>
+      <p:sp>
+        <p:nvSpPr>
+          <p:cNvPr id="3" name="Content Placeholder 2">
+            <a:extLst>
+              <a:ext uri="{FF2B5EF4-FFF2-40B4-BE49-F238E27FC236}">
+                <a16:creationId xmlns:a16="http://schemas.microsoft.com/office/drawing/2014/main" id="{672D9A83-E2A0-98E0-4657-C530811C167E}"/>
+              </a:ext>
+            </a:extLst>
+          </p:cNvPr>
+          <p:cNvSpPr>
+            <a:spLocks noGrp="1"/>
+          </p:cNvSpPr>
+          <p:nvPr>
+            <p:ph idx="1"/>
+          </p:nvPr>
+        </p:nvSpPr>
+        <p:spPr/>
+        <p:txBody>
+          <a:bodyPr/>
+          <a:lstStyle/>
+          <a:p>
+            <a:r>
+              <a:rPr lang="en-SG" dirty="0"/>
+              <a:t>Consolidation of datasets from four different sources: 1. GNPS, 2. </a:t>
+            </a:r>
+            <a:r>
+              <a:rPr lang="en-SG" dirty="0" err="1"/>
+              <a:t>Massbank</a:t>
+            </a:r>
+            <a:r>
+              <a:rPr lang="en-SG" dirty="0"/>
+              <a:t>, 3. Mona and 4. dataset from Roman</a:t>
+            </a:r>
+          </a:p>
+        </p:txBody>
+      </p:sp>
+    </p:spTree>
+    <p:extLst>
+      <p:ext uri="{BB962C8B-B14F-4D97-AF65-F5344CB8AC3E}">
+        <p14:creationId xmlns:p14="http://schemas.microsoft.com/office/powerpoint/2010/main" val="274586552"/>
+      </p:ext>
+    </p:extLst>
+  </p:cSld>
+  <p:clrMapOvr>
+    <a:masterClrMapping/>
+  </p:clrMapOvr>
+</p:sld>
+</file>
+
+<file path=ppt/slides/slide7.xml><?xml version="1.0" encoding="utf-8"?>
+<p:sld xmlns:a="http://schemas.openxmlformats.org/drawingml/2006/main" xmlns:r="http://schemas.openxmlformats.org/officeDocument/2006/relationships" xmlns:p="http://schemas.openxmlformats.org/presentationml/2006/main">
+  <p:cSld>
+    <p:spTree>
+      <p:nvGrpSpPr>
+        <p:cNvPr id="1" name=""/>
+        <p:cNvGrpSpPr/>
+        <p:nvPr/>
+      </p:nvGrpSpPr>
+      <p:grpSpPr>
+        <a:xfrm>
+          <a:off x="0" y="0"/>
+          <a:ext cx="0" cy="0"/>
+          <a:chOff x="0" y="0"/>
+          <a:chExt cx="0" cy="0"/>
+        </a:xfrm>
+      </p:grpSpPr>
+      <p:sp>
+        <p:nvSpPr>
+          <p:cNvPr id="2" name="Title 1">
+            <a:extLst>
+              <a:ext uri="{FF2B5EF4-FFF2-40B4-BE49-F238E27FC236}">
+                <a16:creationId xmlns:a16="http://schemas.microsoft.com/office/drawing/2014/main" id="{0D579F22-E773-694A-132A-1F1959BE49DE}"/>
+              </a:ext>
+            </a:extLst>
+          </p:cNvPr>
+          <p:cNvSpPr>
+            <a:spLocks noGrp="1"/>
+          </p:cNvSpPr>
+          <p:nvPr>
+            <p:ph type="title"/>
+          </p:nvPr>
+        </p:nvSpPr>
+        <p:spPr/>
+        <p:txBody>
+          <a:bodyPr/>
+          <a:lstStyle/>
+          <a:p>
+            <a:r>
+              <a:rPr lang="en-SG" dirty="0"/>
+              <a:t>Research Questions</a:t>
+            </a:r>
+          </a:p>
+        </p:txBody>
+      </p:sp>
+      <p:sp>
+        <p:nvSpPr>
+          <p:cNvPr id="3" name="Content Placeholder 2">
+            <a:extLst>
+              <a:ext uri="{FF2B5EF4-FFF2-40B4-BE49-F238E27FC236}">
+                <a16:creationId xmlns:a16="http://schemas.microsoft.com/office/drawing/2014/main" id="{F04624E1-CC66-F7AB-2986-3A9BB15C0288}"/>
+              </a:ext>
+            </a:extLst>
+          </p:cNvPr>
+          <p:cNvSpPr>
+            <a:spLocks noGrp="1"/>
+          </p:cNvSpPr>
+          <p:nvPr>
+            <p:ph idx="1"/>
+          </p:nvPr>
+        </p:nvSpPr>
+        <p:spPr/>
+        <p:txBody>
+          <a:bodyPr>
+            <a:normAutofit/>
+          </a:bodyPr>
+          <a:lstStyle/>
+          <a:p>
+            <a:r>
+              <a:rPr lang="en-SG" b="1" dirty="0"/>
+              <a:t>Claim: </a:t>
+            </a:r>
+            <a:r>
+              <a:rPr lang="en-SG" dirty="0"/>
+              <a:t>Limited reference MS/MS is a key problem with the lack of ability to elucidate MS</a:t>
+            </a:r>
+          </a:p>
+          <a:p>
+            <a:pPr lvl="1"/>
+            <a:r>
+              <a:rPr lang="en-SG" dirty="0"/>
+              <a:t>Different experiment platforms can lead to different fragmentation patterns, leading to difficulty in matching MS </a:t>
+            </a:r>
+          </a:p>
+          <a:p>
+            <a:pPr lvl="1"/>
+            <a:r>
+              <a:rPr lang="en-SG" dirty="0"/>
+              <a:t>There is a strong dataset bias towards [M+H]+ or [M-H]- ions leading to 95% of unidentified spectra</a:t>
+            </a:r>
+          </a:p>
+        </p:txBody>
+      </p:sp>
+    </p:spTree>
+    <p:extLst>
+      <p:ext uri="{BB962C8B-B14F-4D97-AF65-F5344CB8AC3E}">
+        <p14:creationId xmlns:p14="http://schemas.microsoft.com/office/powerpoint/2010/main" val="2975210880"/>
+      </p:ext>
+    </p:extLst>
+  </p:cSld>
+  <p:clrMapOvr>
+    <a:masterClrMapping/>
+  </p:clrMapOvr>
+</p:sld>
+</file>
+
 <file path=ppt/slides/slide8.xml><?xml version="1.0" encoding="utf-8"?>
 <p:sld xmlns:a="http://schemas.openxmlformats.org/drawingml/2006/main" xmlns:r="http://schemas.openxmlformats.org/officeDocument/2006/relationships" xmlns:p="http://schemas.openxmlformats.org/presentationml/2006/main">
   <p:cSld>
@@ -6581,7 +7160,7 @@
           <p:cNvPr id="2" name="Title 1">
             <a:extLst>
               <a:ext uri="{FF2B5EF4-FFF2-40B4-BE49-F238E27FC236}">
-                <a16:creationId xmlns:a16="http://schemas.microsoft.com/office/drawing/2014/main" id="{0D579F22-E773-694A-132A-1F1959BE49DE}"/>
+                <a16:creationId xmlns:a16="http://schemas.microsoft.com/office/drawing/2014/main" id="{984F01FD-7A08-B286-3432-72B450932CAF}"/>
               </a:ext>
             </a:extLst>
           </p:cNvPr>
@@ -6599,7 +7178,7 @@
           <a:p>
             <a:r>
               <a:rPr lang="en-SG" dirty="0"/>
-              <a:t>Research Questions</a:t>
+              <a:t>Percentage of mismatched MS</a:t>
             </a:r>
           </a:p>
         </p:txBody>
@@ -6609,7 +7188,7 @@
           <p:cNvPr id="3" name="Content Placeholder 2">
             <a:extLst>
               <a:ext uri="{FF2B5EF4-FFF2-40B4-BE49-F238E27FC236}">
-                <a16:creationId xmlns:a16="http://schemas.microsoft.com/office/drawing/2014/main" id="{F04624E1-CC66-F7AB-2986-3A9BB15C0288}"/>
+                <a16:creationId xmlns:a16="http://schemas.microsoft.com/office/drawing/2014/main" id="{4B0C2C3A-7583-2EA9-1101-700261DCC248}"/>
               </a:ext>
             </a:extLst>
           </p:cNvPr>
@@ -6622,69 +7201,51 @@
         </p:nvSpPr>
         <p:spPr/>
         <p:txBody>
-          <a:bodyPr>
-            <a:normAutofit fontScale="92500"/>
-          </a:bodyPr>
+          <a:bodyPr/>
           <a:lstStyle/>
           <a:p>
             <a:r>
               <a:rPr lang="en-SG" b="1" dirty="0"/>
-              <a:t>Claim: </a:t>
-            </a:r>
-            <a:r>
-              <a:rPr lang="en-US" dirty="0"/>
-              <a:t>Difficulty in resolving molecules with higher molecular masses </a:t>
+              <a:t>Research Question: </a:t>
             </a:r>
           </a:p>
           <a:p>
             <a:pPr lvl="1"/>
             <a:r>
               <a:rPr lang="en-SG" dirty="0"/>
-              <a:t>Parent masses of the MS/MS spectra in the GPNS library show a clear bias towards lower masses; This might explain why around 14,000 MS/MS spectra in GNPS do not have a fully resolved structure </a:t>
-            </a:r>
-            <a:endParaRPr lang="en-US" dirty="0"/>
+              <a:t>How many percent of mismatched MS is due to limited reference MS/MS?</a:t>
+            </a:r>
           </a:p>
           <a:p>
             <a:pPr lvl="1"/>
             <a:r>
               <a:rPr lang="en-SG" dirty="0"/>
-              <a:t>Canopus were restricted to spectra below 860Da and Spec2vec only works well for spectra below 600Da</a:t>
-            </a:r>
-            <a:endParaRPr lang="en-US" dirty="0"/>
-          </a:p>
-          <a:p>
-            <a:r>
-              <a:rPr lang="en-SG" b="1" dirty="0"/>
-              <a:t>Research Question:</a:t>
+              <a:t>How many percent of MS can still be matched even when the platforms are different? </a:t>
             </a:r>
           </a:p>
           <a:p>
             <a:pPr lvl="1"/>
             <a:r>
               <a:rPr lang="en-SG" dirty="0"/>
-              <a:t>What is causing the difficulty in resolving molecules with higher molecular messes?</a:t>
-            </a:r>
-          </a:p>
-          <a:p>
-            <a:pPr lvl="2"/>
-            <a:r>
-              <a:rPr lang="en-SG" dirty="0"/>
-              <a:t>Is it purely due to the lack of data?</a:t>
+              <a:t>Can learnt embeddings (spec2vec) alleviate this problem?</a:t>
             </a:r>
           </a:p>
           <a:p>
             <a:pPr lvl="1"/>
             <a:r>
               <a:rPr lang="en-SG" dirty="0"/>
-              <a:t>Can this be due to more noise in the MS rather than not having sufficient data?</a:t>
-            </a:r>
+              <a:t>How else can we alleviate this problem? </a:t>
+            </a:r>
+          </a:p>
+          <a:p>
+            <a:endParaRPr lang="en-SG" dirty="0"/>
           </a:p>
         </p:txBody>
       </p:sp>
     </p:spTree>
     <p:extLst>
       <p:ext uri="{BB962C8B-B14F-4D97-AF65-F5344CB8AC3E}">
-        <p14:creationId xmlns:p14="http://schemas.microsoft.com/office/powerpoint/2010/main" val="1738160856"/>
+        <p14:creationId xmlns:p14="http://schemas.microsoft.com/office/powerpoint/2010/main" val="3738613322"/>
       </p:ext>
     </p:extLst>
   </p:cSld>
@@ -6716,7 +7277,7 @@
           <p:cNvPr id="2" name="Title 1">
             <a:extLst>
               <a:ext uri="{FF2B5EF4-FFF2-40B4-BE49-F238E27FC236}">
-                <a16:creationId xmlns:a16="http://schemas.microsoft.com/office/drawing/2014/main" id="{0D579F22-E773-694A-132A-1F1959BE49DE}"/>
+                <a16:creationId xmlns:a16="http://schemas.microsoft.com/office/drawing/2014/main" id="{B8E36110-3D41-5F66-56DB-008641CBD8C9}"/>
               </a:ext>
             </a:extLst>
           </p:cNvPr>
@@ -6734,7 +7295,7 @@
           <a:p>
             <a:r>
               <a:rPr lang="en-SG" dirty="0"/>
-              <a:t>Research Questions</a:t>
+              <a:t>Paper Motivation</a:t>
             </a:r>
           </a:p>
         </p:txBody>
@@ -6744,7 +7305,7 @@
           <p:cNvPr id="3" name="Content Placeholder 2">
             <a:extLst>
               <a:ext uri="{FF2B5EF4-FFF2-40B4-BE49-F238E27FC236}">
-                <a16:creationId xmlns:a16="http://schemas.microsoft.com/office/drawing/2014/main" id="{F04624E1-CC66-F7AB-2986-3A9BB15C0288}"/>
+                <a16:creationId xmlns:a16="http://schemas.microsoft.com/office/drawing/2014/main" id="{24125402-75BE-135B-B64B-0CA1F4ABCC49}"/>
               </a:ext>
             </a:extLst>
           </p:cNvPr>
@@ -6757,46 +7318,76 @@
         </p:nvSpPr>
         <p:spPr/>
         <p:txBody>
-          <a:bodyPr/>
-          <a:lstStyle/>
-          <a:p>
-            <a:pPr marL="0" indent="0">
-              <a:buNone/>
-            </a:pPr>
+          <a:bodyPr>
+            <a:normAutofit fontScale="92500" lnSpcReduction="20000"/>
+          </a:bodyPr>
+          <a:lstStyle/>
+          <a:p>
+            <a:r>
+              <a:rPr lang="en-SG" dirty="0"/>
+              <a:t>This paper first explores some of the limitations of ML for MS that were pointed by previous papers</a:t>
+            </a:r>
+          </a:p>
+          <a:p>
+            <a:r>
+              <a:rPr lang="en-SG" dirty="0"/>
+              <a:t>This paper then explores some other important questions: </a:t>
+            </a:r>
+          </a:p>
+          <a:p>
+            <a:pPr lvl="1"/>
             <a:r>
               <a:rPr lang="en-SG" b="1" dirty="0"/>
-              <a:t>Claim: </a:t>
-            </a:r>
-            <a:r>
-              <a:rPr lang="en-SG" dirty="0"/>
-              <a:t>Cleaning up spectra </a:t>
+              <a:t>Is there an issue with the current workflow: the current workflow of ML to modelling MS is one of the following:</a:t>
+            </a:r>
+          </a:p>
+          <a:p>
+            <a:pPr lvl="2"/>
+            <a:r>
+              <a:rPr lang="en-SG" dirty="0"/>
+              <a:t>First learn an embedding for the MS and molecule and match them OR </a:t>
+            </a:r>
+          </a:p>
+          <a:p>
+            <a:pPr lvl="2"/>
+            <a:r>
+              <a:rPr lang="en-SG" dirty="0"/>
+              <a:t>First learn to predict the molecular FP to represent the molecule then match against DB</a:t>
+            </a:r>
+          </a:p>
+          <a:p>
+            <a:pPr lvl="2"/>
+            <a:r>
+              <a:rPr lang="en-SG" dirty="0"/>
+              <a:t>Directly generate the molecule from the MS </a:t>
             </a:r>
           </a:p>
           <a:p>
             <a:pPr lvl="1"/>
             <a:r>
-              <a:rPr lang="en-SG" dirty="0"/>
-              <a:t>GNPS tend towards larger numbers of high entropy spectra due to higher spectral noise </a:t>
-            </a:r>
-          </a:p>
-          <a:p>
-            <a:r>
               <a:rPr lang="en-SG" b="1" dirty="0"/>
-              <a:t>Research Question: </a:t>
+              <a:t>Modelling choice: is the ability to perform partial annotation helpful for elucidation?</a:t>
             </a:r>
           </a:p>
           <a:p>
             <a:pPr lvl="1"/>
             <a:r>
-              <a:rPr lang="en-SG" dirty="0"/>
-              <a:t>How much does spectra noise affect lookup performance?</a:t>
+              <a:rPr lang="en-SG" b="1" dirty="0"/>
+              <a:t>What causes generalization gap? Are we able to transfer across different chemical ontology? </a:t>
             </a:r>
           </a:p>
           <a:p>
             <a:pPr lvl="1"/>
             <a:r>
-              <a:rPr lang="en-SG" dirty="0"/>
-              <a:t>Getting fragmentation tree; how does noise affect the ability to get trees? Can we quantify that?</a:t>
+              <a:rPr lang="en-SG" b="1" dirty="0"/>
+              <a:t>Is the lack of data the key reason for poor performance? Can synthetic data be used for this case? </a:t>
+            </a:r>
+          </a:p>
+          <a:p>
+            <a:pPr lvl="1"/>
+            <a:r>
+              <a:rPr lang="en-SG" b="1" dirty="0"/>
+              <a:t>Is noise the reason for poor performance?</a:t>
             </a:r>
           </a:p>
         </p:txBody>
@@ -6804,7 +7395,7 @@
     </p:spTree>
     <p:extLst>
       <p:ext uri="{BB962C8B-B14F-4D97-AF65-F5344CB8AC3E}">
-        <p14:creationId xmlns:p14="http://schemas.microsoft.com/office/powerpoint/2010/main" val="2889039556"/>
+        <p14:creationId xmlns:p14="http://schemas.microsoft.com/office/powerpoint/2010/main" val="1395867131"/>
       </p:ext>
     </p:extLst>
   </p:cSld>
